--- a/Sales AI.pptx
+++ b/Sales AI.pptx
@@ -5,11 +5,14 @@
     <p:sldMasterId id="2147483660" r:id="rId1"/>
   </p:sldMasterIdLst>
   <p:notesMasterIdLst>
-    <p:notesMasterId r:id="rId4"/>
+    <p:notesMasterId r:id="rId7"/>
   </p:notesMasterIdLst>
   <p:sldIdLst>
     <p:sldId id="258" r:id="rId2"/>
     <p:sldId id="260" r:id="rId3"/>
+    <p:sldId id="262" r:id="rId4"/>
+    <p:sldId id="264" r:id="rId5"/>
+    <p:sldId id="263" r:id="rId6"/>
   </p:sldIdLst>
   <p:sldSz cx="12192000" cy="6858000"/>
   <p:notesSz cx="6858000" cy="9144000"/>
@@ -830,6 +833,1672 @@
     <dgm:fillClrLst meth="repeat">
       <a:schemeClr val="accent1">
         <a:tint val="60000"/>
+      </a:schemeClr>
+    </dgm:fillClrLst>
+    <dgm:linClrLst meth="repeat">
+      <a:schemeClr val="lt1"/>
+    </dgm:linClrLst>
+    <dgm:effectClrLst/>
+    <dgm:txLinClrLst/>
+    <dgm:txFillClrLst meth="repeat">
+      <a:schemeClr val="dk1"/>
+    </dgm:txFillClrLst>
+    <dgm:txEffectClrLst/>
+  </dgm:styleLbl>
+  <dgm:styleLbl name="revTx">
+    <dgm:fillClrLst meth="repeat">
+      <a:schemeClr val="lt1">
+        <a:alpha val="0"/>
+      </a:schemeClr>
+    </dgm:fillClrLst>
+    <dgm:linClrLst meth="repeat">
+      <a:schemeClr val="dk1">
+        <a:alpha val="0"/>
+      </a:schemeClr>
+    </dgm:linClrLst>
+    <dgm:effectClrLst/>
+    <dgm:txLinClrLst/>
+    <dgm:txFillClrLst meth="repeat">
+      <a:schemeClr val="tx1"/>
+    </dgm:txFillClrLst>
+    <dgm:txEffectClrLst/>
+  </dgm:styleLbl>
+</dgm:colorsDef>
+</file>
+
+<file path=ppt/diagrams/colors2.xml><?xml version="1.0" encoding="utf-8"?>
+<dgm:colorsDef xmlns:dgm="http://schemas.openxmlformats.org/drawingml/2006/diagram" xmlns:a="http://schemas.openxmlformats.org/drawingml/2006/main" uniqueId="urn:microsoft.com/office/officeart/2005/8/colors/accent1_2">
+  <dgm:title val=""/>
+  <dgm:desc val=""/>
+  <dgm:catLst>
+    <dgm:cat type="accent1" pri="11200"/>
+  </dgm:catLst>
+  <dgm:styleLbl name="node0">
+    <dgm:fillClrLst meth="repeat">
+      <a:schemeClr val="accent1"/>
+    </dgm:fillClrLst>
+    <dgm:linClrLst meth="repeat">
+      <a:schemeClr val="lt1"/>
+    </dgm:linClrLst>
+    <dgm:effectClrLst/>
+    <dgm:txLinClrLst/>
+    <dgm:txFillClrLst/>
+    <dgm:txEffectClrLst/>
+  </dgm:styleLbl>
+  <dgm:styleLbl name="alignNode1">
+    <dgm:fillClrLst meth="repeat">
+      <a:schemeClr val="accent1"/>
+    </dgm:fillClrLst>
+    <dgm:linClrLst meth="repeat">
+      <a:schemeClr val="accent1"/>
+    </dgm:linClrLst>
+    <dgm:effectClrLst/>
+    <dgm:txLinClrLst/>
+    <dgm:txFillClrLst/>
+    <dgm:txEffectClrLst/>
+  </dgm:styleLbl>
+  <dgm:styleLbl name="node1">
+    <dgm:fillClrLst meth="repeat">
+      <a:schemeClr val="accent1"/>
+    </dgm:fillClrLst>
+    <dgm:linClrLst meth="repeat">
+      <a:schemeClr val="lt1"/>
+    </dgm:linClrLst>
+    <dgm:effectClrLst/>
+    <dgm:txLinClrLst/>
+    <dgm:txFillClrLst/>
+    <dgm:txEffectClrLst/>
+  </dgm:styleLbl>
+  <dgm:styleLbl name="lnNode1">
+    <dgm:fillClrLst meth="repeat">
+      <a:schemeClr val="accent1"/>
+    </dgm:fillClrLst>
+    <dgm:linClrLst meth="repeat">
+      <a:schemeClr val="lt1"/>
+    </dgm:linClrLst>
+    <dgm:effectClrLst/>
+    <dgm:txLinClrLst/>
+    <dgm:txFillClrLst/>
+    <dgm:txEffectClrLst/>
+  </dgm:styleLbl>
+  <dgm:styleLbl name="vennNode1">
+    <dgm:fillClrLst meth="repeat">
+      <a:schemeClr val="accent1">
+        <a:alpha val="50000"/>
+      </a:schemeClr>
+    </dgm:fillClrLst>
+    <dgm:linClrLst meth="repeat">
+      <a:schemeClr val="lt1"/>
+    </dgm:linClrLst>
+    <dgm:effectClrLst/>
+    <dgm:txLinClrLst/>
+    <dgm:txFillClrLst/>
+    <dgm:txEffectClrLst/>
+  </dgm:styleLbl>
+  <dgm:styleLbl name="node2">
+    <dgm:fillClrLst meth="repeat">
+      <a:schemeClr val="accent1"/>
+    </dgm:fillClrLst>
+    <dgm:linClrLst meth="repeat">
+      <a:schemeClr val="lt1"/>
+    </dgm:linClrLst>
+    <dgm:effectClrLst/>
+    <dgm:txLinClrLst/>
+    <dgm:txFillClrLst/>
+    <dgm:txEffectClrLst/>
+  </dgm:styleLbl>
+  <dgm:styleLbl name="node3">
+    <dgm:fillClrLst meth="repeat">
+      <a:schemeClr val="accent1"/>
+    </dgm:fillClrLst>
+    <dgm:linClrLst meth="repeat">
+      <a:schemeClr val="lt1"/>
+    </dgm:linClrLst>
+    <dgm:effectClrLst/>
+    <dgm:txLinClrLst/>
+    <dgm:txFillClrLst/>
+    <dgm:txEffectClrLst/>
+  </dgm:styleLbl>
+  <dgm:styleLbl name="node4">
+    <dgm:fillClrLst meth="repeat">
+      <a:schemeClr val="accent1"/>
+    </dgm:fillClrLst>
+    <dgm:linClrLst meth="repeat">
+      <a:schemeClr val="lt1"/>
+    </dgm:linClrLst>
+    <dgm:effectClrLst/>
+    <dgm:txLinClrLst/>
+    <dgm:txFillClrLst/>
+    <dgm:txEffectClrLst/>
+  </dgm:styleLbl>
+  <dgm:styleLbl name="fgImgPlace1">
+    <dgm:fillClrLst meth="repeat">
+      <a:schemeClr val="accent1">
+        <a:tint val="50000"/>
+      </a:schemeClr>
+    </dgm:fillClrLst>
+    <dgm:linClrLst meth="repeat">
+      <a:schemeClr val="lt1"/>
+    </dgm:linClrLst>
+    <dgm:effectClrLst/>
+    <dgm:txLinClrLst/>
+    <dgm:txFillClrLst meth="repeat">
+      <a:schemeClr val="lt1"/>
+    </dgm:txFillClrLst>
+    <dgm:txEffectClrLst/>
+  </dgm:styleLbl>
+  <dgm:styleLbl name="alignImgPlace1">
+    <dgm:fillClrLst meth="repeat">
+      <a:schemeClr val="accent1">
+        <a:tint val="50000"/>
+      </a:schemeClr>
+    </dgm:fillClrLst>
+    <dgm:linClrLst meth="repeat">
+      <a:schemeClr val="lt1"/>
+    </dgm:linClrLst>
+    <dgm:effectClrLst/>
+    <dgm:txLinClrLst/>
+    <dgm:txFillClrLst meth="repeat">
+      <a:schemeClr val="lt1"/>
+    </dgm:txFillClrLst>
+    <dgm:txEffectClrLst/>
+  </dgm:styleLbl>
+  <dgm:styleLbl name="bgImgPlace1">
+    <dgm:fillClrLst meth="repeat">
+      <a:schemeClr val="accent1">
+        <a:tint val="50000"/>
+      </a:schemeClr>
+    </dgm:fillClrLst>
+    <dgm:linClrLst meth="repeat">
+      <a:schemeClr val="lt1"/>
+    </dgm:linClrLst>
+    <dgm:effectClrLst/>
+    <dgm:txLinClrLst/>
+    <dgm:txFillClrLst meth="repeat">
+      <a:schemeClr val="lt1"/>
+    </dgm:txFillClrLst>
+    <dgm:txEffectClrLst/>
+  </dgm:styleLbl>
+  <dgm:styleLbl name="sibTrans2D1">
+    <dgm:fillClrLst meth="repeat">
+      <a:schemeClr val="accent1">
+        <a:tint val="60000"/>
+      </a:schemeClr>
+    </dgm:fillClrLst>
+    <dgm:linClrLst meth="repeat">
+      <a:schemeClr val="accent1">
+        <a:tint val="60000"/>
+      </a:schemeClr>
+    </dgm:linClrLst>
+    <dgm:effectClrLst/>
+    <dgm:txLinClrLst/>
+    <dgm:txFillClrLst/>
+    <dgm:txEffectClrLst/>
+  </dgm:styleLbl>
+  <dgm:styleLbl name="fgSibTrans2D1">
+    <dgm:fillClrLst meth="repeat">
+      <a:schemeClr val="accent1">
+        <a:tint val="60000"/>
+      </a:schemeClr>
+    </dgm:fillClrLst>
+    <dgm:linClrLst meth="repeat">
+      <a:schemeClr val="accent1">
+        <a:tint val="60000"/>
+      </a:schemeClr>
+    </dgm:linClrLst>
+    <dgm:effectClrLst/>
+    <dgm:txLinClrLst/>
+    <dgm:txFillClrLst/>
+    <dgm:txEffectClrLst/>
+  </dgm:styleLbl>
+  <dgm:styleLbl name="bgSibTrans2D1">
+    <dgm:fillClrLst meth="repeat">
+      <a:schemeClr val="accent1">
+        <a:tint val="60000"/>
+      </a:schemeClr>
+    </dgm:fillClrLst>
+    <dgm:linClrLst meth="repeat">
+      <a:schemeClr val="accent1">
+        <a:tint val="60000"/>
+      </a:schemeClr>
+    </dgm:linClrLst>
+    <dgm:effectClrLst/>
+    <dgm:txLinClrLst/>
+    <dgm:txFillClrLst/>
+    <dgm:txEffectClrLst/>
+  </dgm:styleLbl>
+  <dgm:styleLbl name="sibTrans1D1">
+    <dgm:fillClrLst meth="repeat">
+      <a:schemeClr val="accent1"/>
+    </dgm:fillClrLst>
+    <dgm:linClrLst meth="repeat">
+      <a:schemeClr val="accent1"/>
+    </dgm:linClrLst>
+    <dgm:effectClrLst/>
+    <dgm:txLinClrLst/>
+    <dgm:txFillClrLst meth="repeat">
+      <a:schemeClr val="tx1"/>
+    </dgm:txFillClrLst>
+    <dgm:txEffectClrLst/>
+  </dgm:styleLbl>
+  <dgm:styleLbl name="callout">
+    <dgm:fillClrLst meth="repeat">
+      <a:schemeClr val="accent1"/>
+    </dgm:fillClrLst>
+    <dgm:linClrLst meth="repeat">
+      <a:schemeClr val="accent1">
+        <a:tint val="50000"/>
+      </a:schemeClr>
+    </dgm:linClrLst>
+    <dgm:effectClrLst/>
+    <dgm:txLinClrLst/>
+    <dgm:txFillClrLst meth="repeat">
+      <a:schemeClr val="tx1"/>
+    </dgm:txFillClrLst>
+    <dgm:txEffectClrLst/>
+  </dgm:styleLbl>
+  <dgm:styleLbl name="asst0">
+    <dgm:fillClrLst meth="repeat">
+      <a:schemeClr val="accent1"/>
+    </dgm:fillClrLst>
+    <dgm:linClrLst meth="repeat">
+      <a:schemeClr val="lt1"/>
+    </dgm:linClrLst>
+    <dgm:effectClrLst/>
+    <dgm:txLinClrLst/>
+    <dgm:txFillClrLst/>
+    <dgm:txEffectClrLst/>
+  </dgm:styleLbl>
+  <dgm:styleLbl name="asst1">
+    <dgm:fillClrLst meth="repeat">
+      <a:schemeClr val="accent1"/>
+    </dgm:fillClrLst>
+    <dgm:linClrLst meth="repeat">
+      <a:schemeClr val="lt1"/>
+    </dgm:linClrLst>
+    <dgm:effectClrLst/>
+    <dgm:txLinClrLst/>
+    <dgm:txFillClrLst/>
+    <dgm:txEffectClrLst/>
+  </dgm:styleLbl>
+  <dgm:styleLbl name="asst2">
+    <dgm:fillClrLst meth="repeat">
+      <a:schemeClr val="accent1"/>
+    </dgm:fillClrLst>
+    <dgm:linClrLst meth="repeat">
+      <a:schemeClr val="lt1"/>
+    </dgm:linClrLst>
+    <dgm:effectClrLst/>
+    <dgm:txLinClrLst/>
+    <dgm:txFillClrLst/>
+    <dgm:txEffectClrLst/>
+  </dgm:styleLbl>
+  <dgm:styleLbl name="asst3">
+    <dgm:fillClrLst meth="repeat">
+      <a:schemeClr val="accent1"/>
+    </dgm:fillClrLst>
+    <dgm:linClrLst meth="repeat">
+      <a:schemeClr val="lt1"/>
+    </dgm:linClrLst>
+    <dgm:effectClrLst/>
+    <dgm:txLinClrLst/>
+    <dgm:txFillClrLst/>
+    <dgm:txEffectClrLst/>
+  </dgm:styleLbl>
+  <dgm:styleLbl name="asst4">
+    <dgm:fillClrLst meth="repeat">
+      <a:schemeClr val="accent1"/>
+    </dgm:fillClrLst>
+    <dgm:linClrLst meth="repeat">
+      <a:schemeClr val="lt1"/>
+    </dgm:linClrLst>
+    <dgm:effectClrLst/>
+    <dgm:txLinClrLst/>
+    <dgm:txFillClrLst/>
+    <dgm:txEffectClrLst/>
+  </dgm:styleLbl>
+  <dgm:styleLbl name="parChTrans2D1">
+    <dgm:fillClrLst meth="repeat">
+      <a:schemeClr val="accent1">
+        <a:tint val="60000"/>
+      </a:schemeClr>
+    </dgm:fillClrLst>
+    <dgm:linClrLst meth="repeat">
+      <a:schemeClr val="accent1">
+        <a:tint val="60000"/>
+      </a:schemeClr>
+    </dgm:linClrLst>
+    <dgm:effectClrLst/>
+    <dgm:txLinClrLst/>
+    <dgm:txFillClrLst meth="repeat">
+      <a:schemeClr val="lt1"/>
+    </dgm:txFillClrLst>
+    <dgm:txEffectClrLst/>
+  </dgm:styleLbl>
+  <dgm:styleLbl name="parChTrans2D2">
+    <dgm:fillClrLst meth="repeat">
+      <a:schemeClr val="accent1"/>
+    </dgm:fillClrLst>
+    <dgm:linClrLst meth="repeat">
+      <a:schemeClr val="accent1"/>
+    </dgm:linClrLst>
+    <dgm:effectClrLst/>
+    <dgm:txLinClrLst/>
+    <dgm:txFillClrLst meth="repeat">
+      <a:schemeClr val="lt1"/>
+    </dgm:txFillClrLst>
+    <dgm:txEffectClrLst/>
+  </dgm:styleLbl>
+  <dgm:styleLbl name="parChTrans2D3">
+    <dgm:fillClrLst meth="repeat">
+      <a:schemeClr val="accent1"/>
+    </dgm:fillClrLst>
+    <dgm:linClrLst meth="repeat">
+      <a:schemeClr val="accent1"/>
+    </dgm:linClrLst>
+    <dgm:effectClrLst/>
+    <dgm:txLinClrLst/>
+    <dgm:txFillClrLst meth="repeat">
+      <a:schemeClr val="lt1"/>
+    </dgm:txFillClrLst>
+    <dgm:txEffectClrLst/>
+  </dgm:styleLbl>
+  <dgm:styleLbl name="parChTrans2D4">
+    <dgm:fillClrLst meth="repeat">
+      <a:schemeClr val="accent1"/>
+    </dgm:fillClrLst>
+    <dgm:linClrLst meth="repeat">
+      <a:schemeClr val="accent1"/>
+    </dgm:linClrLst>
+    <dgm:effectClrLst/>
+    <dgm:txLinClrLst/>
+    <dgm:txFillClrLst meth="repeat">
+      <a:schemeClr val="lt1"/>
+    </dgm:txFillClrLst>
+    <dgm:txEffectClrLst/>
+  </dgm:styleLbl>
+  <dgm:styleLbl name="parChTrans1D1">
+    <dgm:fillClrLst meth="repeat">
+      <a:schemeClr val="accent1"/>
+    </dgm:fillClrLst>
+    <dgm:linClrLst meth="repeat">
+      <a:schemeClr val="accent1">
+        <a:shade val="60000"/>
+      </a:schemeClr>
+    </dgm:linClrLst>
+    <dgm:effectClrLst/>
+    <dgm:txLinClrLst/>
+    <dgm:txFillClrLst meth="repeat">
+      <a:schemeClr val="tx1"/>
+    </dgm:txFillClrLst>
+    <dgm:txEffectClrLst/>
+  </dgm:styleLbl>
+  <dgm:styleLbl name="parChTrans1D2">
+    <dgm:fillClrLst meth="repeat">
+      <a:schemeClr val="accent1"/>
+    </dgm:fillClrLst>
+    <dgm:linClrLst meth="repeat">
+      <a:schemeClr val="accent1">
+        <a:shade val="60000"/>
+      </a:schemeClr>
+    </dgm:linClrLst>
+    <dgm:effectClrLst/>
+    <dgm:txLinClrLst/>
+    <dgm:txFillClrLst meth="repeat">
+      <a:schemeClr val="tx1"/>
+    </dgm:txFillClrLst>
+    <dgm:txEffectClrLst/>
+  </dgm:styleLbl>
+  <dgm:styleLbl name="parChTrans1D3">
+    <dgm:fillClrLst meth="repeat">
+      <a:schemeClr val="accent1"/>
+    </dgm:fillClrLst>
+    <dgm:linClrLst meth="repeat">
+      <a:schemeClr val="accent1">
+        <a:shade val="80000"/>
+      </a:schemeClr>
+    </dgm:linClrLst>
+    <dgm:effectClrLst/>
+    <dgm:txLinClrLst/>
+    <dgm:txFillClrLst meth="repeat">
+      <a:schemeClr val="tx1"/>
+    </dgm:txFillClrLst>
+    <dgm:txEffectClrLst/>
+  </dgm:styleLbl>
+  <dgm:styleLbl name="parChTrans1D4">
+    <dgm:fillClrLst meth="repeat">
+      <a:schemeClr val="accent1"/>
+    </dgm:fillClrLst>
+    <dgm:linClrLst meth="repeat">
+      <a:schemeClr val="accent1">
+        <a:shade val="80000"/>
+      </a:schemeClr>
+    </dgm:linClrLst>
+    <dgm:effectClrLst/>
+    <dgm:txLinClrLst/>
+    <dgm:txFillClrLst meth="repeat">
+      <a:schemeClr val="tx1"/>
+    </dgm:txFillClrLst>
+    <dgm:txEffectClrLst/>
+  </dgm:styleLbl>
+  <dgm:styleLbl name="fgAcc1">
+    <dgm:fillClrLst meth="repeat">
+      <a:schemeClr val="lt1">
+        <a:alpha val="90000"/>
+      </a:schemeClr>
+    </dgm:fillClrLst>
+    <dgm:linClrLst meth="repeat">
+      <a:schemeClr val="accent1"/>
+    </dgm:linClrLst>
+    <dgm:effectClrLst/>
+    <dgm:txLinClrLst/>
+    <dgm:txFillClrLst meth="repeat">
+      <a:schemeClr val="dk1"/>
+    </dgm:txFillClrLst>
+    <dgm:txEffectClrLst/>
+  </dgm:styleLbl>
+  <dgm:styleLbl name="conFgAcc1">
+    <dgm:fillClrLst meth="repeat">
+      <a:schemeClr val="lt1">
+        <a:alpha val="90000"/>
+      </a:schemeClr>
+    </dgm:fillClrLst>
+    <dgm:linClrLst meth="repeat">
+      <a:schemeClr val="accent1"/>
+    </dgm:linClrLst>
+    <dgm:effectClrLst/>
+    <dgm:txLinClrLst/>
+    <dgm:txFillClrLst meth="repeat">
+      <a:schemeClr val="dk1"/>
+    </dgm:txFillClrLst>
+    <dgm:txEffectClrLst/>
+  </dgm:styleLbl>
+  <dgm:styleLbl name="alignAcc1">
+    <dgm:fillClrLst meth="repeat">
+      <a:schemeClr val="lt1">
+        <a:alpha val="90000"/>
+      </a:schemeClr>
+    </dgm:fillClrLst>
+    <dgm:linClrLst meth="repeat">
+      <a:schemeClr val="accent1"/>
+    </dgm:linClrLst>
+    <dgm:effectClrLst/>
+    <dgm:txLinClrLst/>
+    <dgm:txFillClrLst meth="repeat">
+      <a:schemeClr val="dk1"/>
+    </dgm:txFillClrLst>
+    <dgm:txEffectClrLst/>
+  </dgm:styleLbl>
+  <dgm:styleLbl name="trAlignAcc1">
+    <dgm:fillClrLst meth="repeat">
+      <a:schemeClr val="lt1">
+        <a:alpha val="40000"/>
+      </a:schemeClr>
+    </dgm:fillClrLst>
+    <dgm:linClrLst meth="repeat">
+      <a:schemeClr val="accent1"/>
+    </dgm:linClrLst>
+    <dgm:effectClrLst/>
+    <dgm:txLinClrLst/>
+    <dgm:txFillClrLst meth="repeat">
+      <a:schemeClr val="dk1"/>
+    </dgm:txFillClrLst>
+    <dgm:txEffectClrLst/>
+  </dgm:styleLbl>
+  <dgm:styleLbl name="bgAcc1">
+    <dgm:fillClrLst meth="repeat">
+      <a:schemeClr val="lt1">
+        <a:alpha val="90000"/>
+      </a:schemeClr>
+    </dgm:fillClrLst>
+    <dgm:linClrLst meth="repeat">
+      <a:schemeClr val="accent1"/>
+    </dgm:linClrLst>
+    <dgm:effectClrLst/>
+    <dgm:txLinClrLst/>
+    <dgm:txFillClrLst meth="repeat">
+      <a:schemeClr val="dk1"/>
+    </dgm:txFillClrLst>
+    <dgm:txEffectClrLst/>
+  </dgm:styleLbl>
+  <dgm:styleLbl name="solidFgAcc1">
+    <dgm:fillClrLst meth="repeat">
+      <a:schemeClr val="lt1"/>
+    </dgm:fillClrLst>
+    <dgm:linClrLst meth="repeat">
+      <a:schemeClr val="accent1"/>
+    </dgm:linClrLst>
+    <dgm:effectClrLst/>
+    <dgm:txLinClrLst/>
+    <dgm:txFillClrLst meth="repeat">
+      <a:schemeClr val="dk1"/>
+    </dgm:txFillClrLst>
+    <dgm:txEffectClrLst/>
+  </dgm:styleLbl>
+  <dgm:styleLbl name="solidAlignAcc1">
+    <dgm:fillClrLst meth="repeat">
+      <a:schemeClr val="lt1"/>
+    </dgm:fillClrLst>
+    <dgm:linClrLst meth="repeat">
+      <a:schemeClr val="accent1"/>
+    </dgm:linClrLst>
+    <dgm:effectClrLst/>
+    <dgm:txLinClrLst/>
+    <dgm:txFillClrLst meth="repeat">
+      <a:schemeClr val="dk1"/>
+    </dgm:txFillClrLst>
+    <dgm:txEffectClrLst/>
+  </dgm:styleLbl>
+  <dgm:styleLbl name="solidBgAcc1">
+    <dgm:fillClrLst meth="repeat">
+      <a:schemeClr val="lt1"/>
+    </dgm:fillClrLst>
+    <dgm:linClrLst meth="repeat">
+      <a:schemeClr val="accent1"/>
+    </dgm:linClrLst>
+    <dgm:effectClrLst/>
+    <dgm:txLinClrLst/>
+    <dgm:txFillClrLst meth="repeat">
+      <a:schemeClr val="dk1"/>
+    </dgm:txFillClrLst>
+    <dgm:txEffectClrLst/>
+  </dgm:styleLbl>
+  <dgm:styleLbl name="fgAccFollowNode1">
+    <dgm:fillClrLst meth="repeat">
+      <a:schemeClr val="accent1">
+        <a:alpha val="90000"/>
+        <a:tint val="40000"/>
+      </a:schemeClr>
+    </dgm:fillClrLst>
+    <dgm:linClrLst meth="repeat">
+      <a:schemeClr val="accent1">
+        <a:alpha val="90000"/>
+        <a:tint val="40000"/>
+      </a:schemeClr>
+    </dgm:linClrLst>
+    <dgm:effectClrLst/>
+    <dgm:txLinClrLst/>
+    <dgm:txFillClrLst meth="repeat">
+      <a:schemeClr val="dk1"/>
+    </dgm:txFillClrLst>
+    <dgm:txEffectClrLst/>
+  </dgm:styleLbl>
+  <dgm:styleLbl name="alignAccFollowNode1">
+    <dgm:fillClrLst meth="repeat">
+      <a:schemeClr val="accent1">
+        <a:alpha val="90000"/>
+        <a:tint val="40000"/>
+      </a:schemeClr>
+    </dgm:fillClrLst>
+    <dgm:linClrLst meth="repeat">
+      <a:schemeClr val="accent1">
+        <a:alpha val="90000"/>
+        <a:tint val="40000"/>
+      </a:schemeClr>
+    </dgm:linClrLst>
+    <dgm:effectClrLst/>
+    <dgm:txLinClrLst/>
+    <dgm:txFillClrLst meth="repeat">
+      <a:schemeClr val="dk1"/>
+    </dgm:txFillClrLst>
+    <dgm:txEffectClrLst/>
+  </dgm:styleLbl>
+  <dgm:styleLbl name="bgAccFollowNode1">
+    <dgm:fillClrLst meth="repeat">
+      <a:schemeClr val="accent1">
+        <a:alpha val="90000"/>
+        <a:tint val="40000"/>
+      </a:schemeClr>
+    </dgm:fillClrLst>
+    <dgm:linClrLst meth="repeat">
+      <a:schemeClr val="accent1">
+        <a:alpha val="90000"/>
+        <a:tint val="40000"/>
+      </a:schemeClr>
+    </dgm:linClrLst>
+    <dgm:effectClrLst/>
+    <dgm:txLinClrLst/>
+    <dgm:txFillClrLst meth="repeat">
+      <a:schemeClr val="dk1"/>
+    </dgm:txFillClrLst>
+    <dgm:txEffectClrLst/>
+  </dgm:styleLbl>
+  <dgm:styleLbl name="fgAcc0">
+    <dgm:fillClrLst meth="repeat">
+      <a:schemeClr val="lt1">
+        <a:alpha val="90000"/>
+      </a:schemeClr>
+    </dgm:fillClrLst>
+    <dgm:linClrLst meth="repeat">
+      <a:schemeClr val="accent1"/>
+    </dgm:linClrLst>
+    <dgm:effectClrLst/>
+    <dgm:txLinClrLst/>
+    <dgm:txFillClrLst meth="repeat">
+      <a:schemeClr val="dk1"/>
+    </dgm:txFillClrLst>
+    <dgm:txEffectClrLst/>
+  </dgm:styleLbl>
+  <dgm:styleLbl name="fgAcc2">
+    <dgm:fillClrLst meth="repeat">
+      <a:schemeClr val="lt1">
+        <a:alpha val="90000"/>
+      </a:schemeClr>
+    </dgm:fillClrLst>
+    <dgm:linClrLst meth="repeat">
+      <a:schemeClr val="accent1"/>
+    </dgm:linClrLst>
+    <dgm:effectClrLst/>
+    <dgm:txLinClrLst/>
+    <dgm:txFillClrLst meth="repeat">
+      <a:schemeClr val="dk1"/>
+    </dgm:txFillClrLst>
+    <dgm:txEffectClrLst/>
+  </dgm:styleLbl>
+  <dgm:styleLbl name="fgAcc3">
+    <dgm:fillClrLst meth="repeat">
+      <a:schemeClr val="lt1">
+        <a:alpha val="90000"/>
+      </a:schemeClr>
+    </dgm:fillClrLst>
+    <dgm:linClrLst meth="repeat">
+      <a:schemeClr val="accent1"/>
+    </dgm:linClrLst>
+    <dgm:effectClrLst/>
+    <dgm:txLinClrLst/>
+    <dgm:txFillClrLst meth="repeat">
+      <a:schemeClr val="dk1"/>
+    </dgm:txFillClrLst>
+    <dgm:txEffectClrLst/>
+  </dgm:styleLbl>
+  <dgm:styleLbl name="fgAcc4">
+    <dgm:fillClrLst meth="repeat">
+      <a:schemeClr val="lt1">
+        <a:alpha val="90000"/>
+      </a:schemeClr>
+    </dgm:fillClrLst>
+    <dgm:linClrLst meth="repeat">
+      <a:schemeClr val="accent1"/>
+    </dgm:linClrLst>
+    <dgm:effectClrLst/>
+    <dgm:txLinClrLst/>
+    <dgm:txFillClrLst meth="repeat">
+      <a:schemeClr val="dk1"/>
+    </dgm:txFillClrLst>
+    <dgm:txEffectClrLst/>
+  </dgm:styleLbl>
+  <dgm:styleLbl name="bgShp">
+    <dgm:fillClrLst meth="repeat">
+      <a:schemeClr val="accent1">
+        <a:tint val="40000"/>
+      </a:schemeClr>
+    </dgm:fillClrLst>
+    <dgm:linClrLst meth="repeat">
+      <a:schemeClr val="accent1"/>
+    </dgm:linClrLst>
+    <dgm:effectClrLst/>
+    <dgm:txLinClrLst/>
+    <dgm:txFillClrLst meth="repeat">
+      <a:schemeClr val="dk1"/>
+    </dgm:txFillClrLst>
+    <dgm:txEffectClrLst/>
+  </dgm:styleLbl>
+  <dgm:styleLbl name="dkBgShp">
+    <dgm:fillClrLst meth="repeat">
+      <a:schemeClr val="accent1">
+        <a:shade val="80000"/>
+      </a:schemeClr>
+    </dgm:fillClrLst>
+    <dgm:linClrLst meth="repeat">
+      <a:schemeClr val="accent1"/>
+    </dgm:linClrLst>
+    <dgm:effectClrLst/>
+    <dgm:txLinClrLst/>
+    <dgm:txFillClrLst meth="repeat">
+      <a:schemeClr val="lt1"/>
+    </dgm:txFillClrLst>
+    <dgm:txEffectClrLst/>
+  </dgm:styleLbl>
+  <dgm:styleLbl name="trBgShp">
+    <dgm:fillClrLst meth="repeat">
+      <a:schemeClr val="accent1">
+        <a:tint val="50000"/>
+        <a:alpha val="40000"/>
+      </a:schemeClr>
+    </dgm:fillClrLst>
+    <dgm:linClrLst meth="repeat">
+      <a:schemeClr val="accent1"/>
+    </dgm:linClrLst>
+    <dgm:effectClrLst/>
+    <dgm:txLinClrLst/>
+    <dgm:txFillClrLst meth="repeat">
+      <a:schemeClr val="lt1"/>
+    </dgm:txFillClrLst>
+    <dgm:txEffectClrLst/>
+  </dgm:styleLbl>
+  <dgm:styleLbl name="fgShp">
+    <dgm:fillClrLst meth="repeat">
+      <a:schemeClr val="accent1">
+        <a:tint val="60000"/>
+      </a:schemeClr>
+    </dgm:fillClrLst>
+    <dgm:linClrLst meth="repeat">
+      <a:schemeClr val="lt1"/>
+    </dgm:linClrLst>
+    <dgm:effectClrLst/>
+    <dgm:txLinClrLst/>
+    <dgm:txFillClrLst meth="repeat">
+      <a:schemeClr val="dk1"/>
+    </dgm:txFillClrLst>
+    <dgm:txEffectClrLst/>
+  </dgm:styleLbl>
+  <dgm:styleLbl name="revTx">
+    <dgm:fillClrLst meth="repeat">
+      <a:schemeClr val="lt1">
+        <a:alpha val="0"/>
+      </a:schemeClr>
+    </dgm:fillClrLst>
+    <dgm:linClrLst meth="repeat">
+      <a:schemeClr val="dk1">
+        <a:alpha val="0"/>
+      </a:schemeClr>
+    </dgm:linClrLst>
+    <dgm:effectClrLst/>
+    <dgm:txLinClrLst/>
+    <dgm:txFillClrLst meth="repeat">
+      <a:schemeClr val="tx1"/>
+    </dgm:txFillClrLst>
+    <dgm:txEffectClrLst/>
+  </dgm:styleLbl>
+</dgm:colorsDef>
+</file>
+
+<file path=ppt/diagrams/colors3.xml><?xml version="1.0" encoding="utf-8"?>
+<dgm:colorsDef xmlns:dgm="http://schemas.openxmlformats.org/drawingml/2006/diagram" xmlns:a="http://schemas.openxmlformats.org/drawingml/2006/main" uniqueId="urn:microsoft.com/office/officeart/2005/8/colors/colorful1">
+  <dgm:title val=""/>
+  <dgm:desc val=""/>
+  <dgm:catLst>
+    <dgm:cat type="colorful" pri="10100"/>
+  </dgm:catLst>
+  <dgm:styleLbl name="node0">
+    <dgm:fillClrLst meth="repeat">
+      <a:schemeClr val="accent1"/>
+    </dgm:fillClrLst>
+    <dgm:linClrLst meth="repeat">
+      <a:schemeClr val="lt1"/>
+    </dgm:linClrLst>
+    <dgm:effectClrLst/>
+    <dgm:txLinClrLst/>
+    <dgm:txFillClrLst/>
+    <dgm:txEffectClrLst/>
+  </dgm:styleLbl>
+  <dgm:styleLbl name="node1">
+    <dgm:fillClrLst meth="repeat">
+      <a:schemeClr val="accent2"/>
+      <a:schemeClr val="accent3"/>
+      <a:schemeClr val="accent4"/>
+      <a:schemeClr val="accent5"/>
+      <a:schemeClr val="accent6"/>
+    </dgm:fillClrLst>
+    <dgm:linClrLst meth="repeat">
+      <a:schemeClr val="lt1"/>
+    </dgm:linClrLst>
+    <dgm:effectClrLst/>
+    <dgm:txLinClrLst/>
+    <dgm:txFillClrLst/>
+    <dgm:txEffectClrLst/>
+  </dgm:styleLbl>
+  <dgm:styleLbl name="alignNode1">
+    <dgm:fillClrLst meth="repeat">
+      <a:schemeClr val="accent2"/>
+      <a:schemeClr val="accent3"/>
+      <a:schemeClr val="accent4"/>
+      <a:schemeClr val="accent5"/>
+      <a:schemeClr val="accent6"/>
+    </dgm:fillClrLst>
+    <dgm:linClrLst meth="repeat">
+      <a:schemeClr val="accent2"/>
+      <a:schemeClr val="accent3"/>
+      <a:schemeClr val="accent4"/>
+      <a:schemeClr val="accent5"/>
+      <a:schemeClr val="accent6"/>
+    </dgm:linClrLst>
+    <dgm:effectClrLst/>
+    <dgm:txLinClrLst/>
+    <dgm:txFillClrLst/>
+    <dgm:txEffectClrLst/>
+  </dgm:styleLbl>
+  <dgm:styleLbl name="lnNode1">
+    <dgm:fillClrLst meth="repeat">
+      <a:schemeClr val="accent2"/>
+      <a:schemeClr val="accent3"/>
+      <a:schemeClr val="accent4"/>
+      <a:schemeClr val="accent5"/>
+      <a:schemeClr val="accent6"/>
+    </dgm:fillClrLst>
+    <dgm:linClrLst meth="repeat">
+      <a:schemeClr val="lt1"/>
+    </dgm:linClrLst>
+    <dgm:effectClrLst/>
+    <dgm:txLinClrLst/>
+    <dgm:txFillClrLst/>
+    <dgm:txEffectClrLst/>
+  </dgm:styleLbl>
+  <dgm:styleLbl name="vennNode1">
+    <dgm:fillClrLst meth="repeat">
+      <a:schemeClr val="accent2">
+        <a:alpha val="50000"/>
+      </a:schemeClr>
+      <a:schemeClr val="accent3">
+        <a:alpha val="50000"/>
+      </a:schemeClr>
+      <a:schemeClr val="accent4">
+        <a:alpha val="50000"/>
+      </a:schemeClr>
+      <a:schemeClr val="accent5">
+        <a:alpha val="50000"/>
+      </a:schemeClr>
+      <a:schemeClr val="accent6">
+        <a:alpha val="50000"/>
+      </a:schemeClr>
+    </dgm:fillClrLst>
+    <dgm:linClrLst meth="repeat">
+      <a:schemeClr val="lt1"/>
+    </dgm:linClrLst>
+    <dgm:effectClrLst/>
+    <dgm:txLinClrLst/>
+    <dgm:txFillClrLst/>
+    <dgm:txEffectClrLst/>
+  </dgm:styleLbl>
+  <dgm:styleLbl name="node2">
+    <dgm:fillClrLst>
+      <a:schemeClr val="accent2"/>
+    </dgm:fillClrLst>
+    <dgm:linClrLst meth="repeat">
+      <a:schemeClr val="lt1"/>
+    </dgm:linClrLst>
+    <dgm:effectClrLst/>
+    <dgm:txLinClrLst/>
+    <dgm:txFillClrLst/>
+    <dgm:txEffectClrLst/>
+  </dgm:styleLbl>
+  <dgm:styleLbl name="node3">
+    <dgm:fillClrLst>
+      <a:schemeClr val="accent3"/>
+    </dgm:fillClrLst>
+    <dgm:linClrLst meth="repeat">
+      <a:schemeClr val="lt1"/>
+    </dgm:linClrLst>
+    <dgm:effectClrLst/>
+    <dgm:txLinClrLst/>
+    <dgm:txFillClrLst/>
+    <dgm:txEffectClrLst/>
+  </dgm:styleLbl>
+  <dgm:styleLbl name="node4">
+    <dgm:fillClrLst>
+      <a:schemeClr val="accent4"/>
+    </dgm:fillClrLst>
+    <dgm:linClrLst meth="repeat">
+      <a:schemeClr val="lt1"/>
+    </dgm:linClrLst>
+    <dgm:effectClrLst/>
+    <dgm:txLinClrLst/>
+    <dgm:txFillClrLst/>
+    <dgm:txEffectClrLst/>
+  </dgm:styleLbl>
+  <dgm:styleLbl name="fgImgPlace1">
+    <dgm:fillClrLst meth="repeat">
+      <a:schemeClr val="accent2">
+        <a:tint val="50000"/>
+      </a:schemeClr>
+      <a:schemeClr val="accent3">
+        <a:tint val="50000"/>
+      </a:schemeClr>
+      <a:schemeClr val="accent4">
+        <a:tint val="50000"/>
+      </a:schemeClr>
+      <a:schemeClr val="accent5">
+        <a:tint val="50000"/>
+      </a:schemeClr>
+      <a:schemeClr val="accent6">
+        <a:tint val="50000"/>
+      </a:schemeClr>
+    </dgm:fillClrLst>
+    <dgm:linClrLst meth="repeat">
+      <a:schemeClr val="lt1"/>
+    </dgm:linClrLst>
+    <dgm:effectClrLst/>
+    <dgm:txLinClrLst/>
+    <dgm:txFillClrLst meth="repeat">
+      <a:schemeClr val="lt1"/>
+    </dgm:txFillClrLst>
+    <dgm:txEffectClrLst/>
+  </dgm:styleLbl>
+  <dgm:styleLbl name="alignImgPlace1">
+    <dgm:fillClrLst>
+      <a:schemeClr val="accent1">
+        <a:tint val="50000"/>
+      </a:schemeClr>
+      <a:schemeClr val="accent2">
+        <a:tint val="20000"/>
+      </a:schemeClr>
+    </dgm:fillClrLst>
+    <dgm:linClrLst meth="repeat">
+      <a:schemeClr val="lt1"/>
+    </dgm:linClrLst>
+    <dgm:effectClrLst/>
+    <dgm:txLinClrLst/>
+    <dgm:txFillClrLst meth="repeat">
+      <a:schemeClr val="lt1"/>
+    </dgm:txFillClrLst>
+    <dgm:txEffectClrLst/>
+  </dgm:styleLbl>
+  <dgm:styleLbl name="bgImgPlace1">
+    <dgm:fillClrLst>
+      <a:schemeClr val="accent1">
+        <a:tint val="50000"/>
+      </a:schemeClr>
+      <a:schemeClr val="accent2">
+        <a:tint val="20000"/>
+      </a:schemeClr>
+    </dgm:fillClrLst>
+    <dgm:linClrLst meth="repeat">
+      <a:schemeClr val="lt1"/>
+    </dgm:linClrLst>
+    <dgm:effectClrLst/>
+    <dgm:txLinClrLst/>
+    <dgm:txFillClrLst meth="repeat">
+      <a:schemeClr val="lt1"/>
+    </dgm:txFillClrLst>
+    <dgm:txEffectClrLst/>
+  </dgm:styleLbl>
+  <dgm:styleLbl name="sibTrans2D1">
+    <dgm:fillClrLst meth="repeat">
+      <a:schemeClr val="accent2"/>
+      <a:schemeClr val="accent3"/>
+      <a:schemeClr val="accent4"/>
+      <a:schemeClr val="accent5"/>
+      <a:schemeClr val="accent6"/>
+    </dgm:fillClrLst>
+    <dgm:linClrLst meth="cycle">
+      <a:schemeClr val="lt1"/>
+    </dgm:linClrLst>
+    <dgm:effectClrLst/>
+    <dgm:txLinClrLst/>
+    <dgm:txFillClrLst/>
+    <dgm:txEffectClrLst/>
+  </dgm:styleLbl>
+  <dgm:styleLbl name="fgSibTrans2D1">
+    <dgm:fillClrLst meth="repeat">
+      <a:schemeClr val="accent2"/>
+      <a:schemeClr val="accent3"/>
+      <a:schemeClr val="accent4"/>
+      <a:schemeClr val="accent5"/>
+      <a:schemeClr val="accent6"/>
+    </dgm:fillClrLst>
+    <dgm:linClrLst meth="cycle">
+      <a:schemeClr val="lt1"/>
+    </dgm:linClrLst>
+    <dgm:effectClrLst/>
+    <dgm:txLinClrLst/>
+    <dgm:txFillClrLst meth="repeat">
+      <a:schemeClr val="lt1"/>
+    </dgm:txFillClrLst>
+    <dgm:txEffectClrLst/>
+  </dgm:styleLbl>
+  <dgm:styleLbl name="bgSibTrans2D1">
+    <dgm:fillClrLst meth="repeat">
+      <a:schemeClr val="accent2"/>
+      <a:schemeClr val="accent3"/>
+      <a:schemeClr val="accent4"/>
+      <a:schemeClr val="accent5"/>
+      <a:schemeClr val="accent6"/>
+    </dgm:fillClrLst>
+    <dgm:linClrLst meth="cycle">
+      <a:schemeClr val="lt1"/>
+    </dgm:linClrLst>
+    <dgm:effectClrLst/>
+    <dgm:txLinClrLst/>
+    <dgm:txFillClrLst meth="repeat">
+      <a:schemeClr val="lt1"/>
+    </dgm:txFillClrLst>
+    <dgm:txEffectClrLst/>
+  </dgm:styleLbl>
+  <dgm:styleLbl name="sibTrans1D1">
+    <dgm:fillClrLst meth="repeat">
+      <a:schemeClr val="accent2"/>
+      <a:schemeClr val="accent3"/>
+      <a:schemeClr val="accent4"/>
+      <a:schemeClr val="accent5"/>
+      <a:schemeClr val="accent6"/>
+    </dgm:fillClrLst>
+    <dgm:linClrLst meth="repeat">
+      <a:schemeClr val="accent2"/>
+      <a:schemeClr val="accent3"/>
+      <a:schemeClr val="accent4"/>
+      <a:schemeClr val="accent5"/>
+      <a:schemeClr val="accent6"/>
+    </dgm:linClrLst>
+    <dgm:effectClrLst/>
+    <dgm:txLinClrLst/>
+    <dgm:txFillClrLst meth="repeat">
+      <a:schemeClr val="tx1"/>
+    </dgm:txFillClrLst>
+    <dgm:txEffectClrLst/>
+  </dgm:styleLbl>
+  <dgm:styleLbl name="callout">
+    <dgm:fillClrLst meth="repeat">
+      <a:schemeClr val="accent2"/>
+    </dgm:fillClrLst>
+    <dgm:linClrLst meth="repeat">
+      <a:schemeClr val="accent2">
+        <a:tint val="50000"/>
+      </a:schemeClr>
+    </dgm:linClrLst>
+    <dgm:effectClrLst/>
+    <dgm:txLinClrLst/>
+    <dgm:txFillClrLst meth="repeat">
+      <a:schemeClr val="tx1"/>
+    </dgm:txFillClrLst>
+    <dgm:txEffectClrLst/>
+  </dgm:styleLbl>
+  <dgm:styleLbl name="asst0">
+    <dgm:fillClrLst meth="repeat">
+      <a:schemeClr val="accent1"/>
+    </dgm:fillClrLst>
+    <dgm:linClrLst meth="repeat">
+      <a:schemeClr val="lt1"/>
+    </dgm:linClrLst>
+    <dgm:effectClrLst/>
+    <dgm:txLinClrLst/>
+    <dgm:txFillClrLst/>
+    <dgm:txEffectClrLst/>
+  </dgm:styleLbl>
+  <dgm:styleLbl name="asst1">
+    <dgm:fillClrLst meth="repeat">
+      <a:schemeClr val="accent2"/>
+    </dgm:fillClrLst>
+    <dgm:linClrLst meth="repeat">
+      <a:schemeClr val="lt1"/>
+    </dgm:linClrLst>
+    <dgm:effectClrLst/>
+    <dgm:txLinClrLst/>
+    <dgm:txFillClrLst/>
+    <dgm:txEffectClrLst/>
+  </dgm:styleLbl>
+  <dgm:styleLbl name="asst2">
+    <dgm:fillClrLst>
+      <a:schemeClr val="accent3"/>
+    </dgm:fillClrLst>
+    <dgm:linClrLst meth="repeat">
+      <a:schemeClr val="lt1"/>
+    </dgm:linClrLst>
+    <dgm:effectClrLst/>
+    <dgm:txLinClrLst/>
+    <dgm:txFillClrLst/>
+    <dgm:txEffectClrLst/>
+  </dgm:styleLbl>
+  <dgm:styleLbl name="asst3">
+    <dgm:fillClrLst>
+      <a:schemeClr val="accent4"/>
+    </dgm:fillClrLst>
+    <dgm:linClrLst meth="repeat">
+      <a:schemeClr val="lt1"/>
+    </dgm:linClrLst>
+    <dgm:effectClrLst/>
+    <dgm:txLinClrLst/>
+    <dgm:txFillClrLst/>
+    <dgm:txEffectClrLst/>
+  </dgm:styleLbl>
+  <dgm:styleLbl name="asst4">
+    <dgm:fillClrLst>
+      <a:schemeClr val="accent5"/>
+    </dgm:fillClrLst>
+    <dgm:linClrLst meth="repeat">
+      <a:schemeClr val="lt1"/>
+    </dgm:linClrLst>
+    <dgm:effectClrLst/>
+    <dgm:txLinClrLst/>
+    <dgm:txFillClrLst/>
+    <dgm:txEffectClrLst/>
+  </dgm:styleLbl>
+  <dgm:styleLbl name="parChTrans2D1">
+    <dgm:fillClrLst meth="repeat">
+      <a:schemeClr val="accent2"/>
+    </dgm:fillClrLst>
+    <dgm:linClrLst meth="repeat">
+      <a:schemeClr val="lt1"/>
+    </dgm:linClrLst>
+    <dgm:effectClrLst/>
+    <dgm:txLinClrLst/>
+    <dgm:txFillClrLst meth="repeat">
+      <a:schemeClr val="lt1"/>
+    </dgm:txFillClrLst>
+    <dgm:txEffectClrLst/>
+  </dgm:styleLbl>
+  <dgm:styleLbl name="parChTrans2D2">
+    <dgm:fillClrLst meth="repeat">
+      <a:schemeClr val="accent3"/>
+    </dgm:fillClrLst>
+    <dgm:linClrLst meth="repeat">
+      <a:schemeClr val="lt1"/>
+    </dgm:linClrLst>
+    <dgm:effectClrLst/>
+    <dgm:txLinClrLst/>
+    <dgm:txFillClrLst/>
+    <dgm:txEffectClrLst/>
+  </dgm:styleLbl>
+  <dgm:styleLbl name="parChTrans2D3">
+    <dgm:fillClrLst meth="repeat">
+      <a:schemeClr val="accent4"/>
+    </dgm:fillClrLst>
+    <dgm:linClrLst meth="repeat">
+      <a:schemeClr val="lt1"/>
+    </dgm:linClrLst>
+    <dgm:effectClrLst/>
+    <dgm:txLinClrLst/>
+    <dgm:txFillClrLst/>
+    <dgm:txEffectClrLst/>
+  </dgm:styleLbl>
+  <dgm:styleLbl name="parChTrans2D4">
+    <dgm:fillClrLst meth="repeat">
+      <a:schemeClr val="accent5"/>
+    </dgm:fillClrLst>
+    <dgm:linClrLst meth="repeat">
+      <a:schemeClr val="lt1"/>
+    </dgm:linClrLst>
+    <dgm:effectClrLst/>
+    <dgm:txLinClrLst/>
+    <dgm:txFillClrLst meth="repeat">
+      <a:schemeClr val="lt1"/>
+    </dgm:txFillClrLst>
+    <dgm:txEffectClrLst/>
+  </dgm:styleLbl>
+  <dgm:styleLbl name="parChTrans1D1">
+    <dgm:fillClrLst meth="repeat">
+      <a:schemeClr val="accent2"/>
+    </dgm:fillClrLst>
+    <dgm:linClrLst meth="repeat">
+      <a:schemeClr val="accent1"/>
+    </dgm:linClrLst>
+    <dgm:effectClrLst/>
+    <dgm:txLinClrLst/>
+    <dgm:txFillClrLst meth="repeat">
+      <a:schemeClr val="tx1"/>
+    </dgm:txFillClrLst>
+    <dgm:txEffectClrLst/>
+  </dgm:styleLbl>
+  <dgm:styleLbl name="parChTrans1D2">
+    <dgm:fillClrLst meth="repeat">
+      <a:schemeClr val="accent3">
+        <a:tint val="90000"/>
+      </a:schemeClr>
+    </dgm:fillClrLst>
+    <dgm:linClrLst meth="repeat">
+      <a:schemeClr val="accent2"/>
+    </dgm:linClrLst>
+    <dgm:effectClrLst/>
+    <dgm:txLinClrLst/>
+    <dgm:txFillClrLst meth="repeat">
+      <a:schemeClr val="tx1"/>
+    </dgm:txFillClrLst>
+    <dgm:txEffectClrLst/>
+  </dgm:styleLbl>
+  <dgm:styleLbl name="parChTrans1D3">
+    <dgm:fillClrLst meth="repeat">
+      <a:schemeClr val="accent4">
+        <a:tint val="70000"/>
+      </a:schemeClr>
+    </dgm:fillClrLst>
+    <dgm:linClrLst meth="repeat">
+      <a:schemeClr val="accent3"/>
+    </dgm:linClrLst>
+    <dgm:effectClrLst/>
+    <dgm:txLinClrLst/>
+    <dgm:txFillClrLst meth="repeat">
+      <a:schemeClr val="tx1"/>
+    </dgm:txFillClrLst>
+    <dgm:txEffectClrLst/>
+  </dgm:styleLbl>
+  <dgm:styleLbl name="parChTrans1D4">
+    <dgm:fillClrLst meth="repeat">
+      <a:schemeClr val="accent5">
+        <a:tint val="50000"/>
+      </a:schemeClr>
+    </dgm:fillClrLst>
+    <dgm:linClrLst meth="repeat">
+      <a:schemeClr val="accent4"/>
+    </dgm:linClrLst>
+    <dgm:effectClrLst/>
+    <dgm:txLinClrLst/>
+    <dgm:txFillClrLst meth="repeat">
+      <a:schemeClr val="tx1"/>
+    </dgm:txFillClrLst>
+    <dgm:txEffectClrLst/>
+  </dgm:styleLbl>
+  <dgm:styleLbl name="fgAcc1">
+    <dgm:fillClrLst meth="repeat">
+      <a:schemeClr val="lt1">
+        <a:alpha val="90000"/>
+      </a:schemeClr>
+    </dgm:fillClrLst>
+    <dgm:linClrLst meth="repeat">
+      <a:schemeClr val="accent2"/>
+      <a:schemeClr val="accent3"/>
+      <a:schemeClr val="accent4"/>
+      <a:schemeClr val="accent5"/>
+      <a:schemeClr val="accent6"/>
+    </dgm:linClrLst>
+    <dgm:effectClrLst/>
+    <dgm:txLinClrLst/>
+    <dgm:txFillClrLst meth="repeat">
+      <a:schemeClr val="dk1"/>
+    </dgm:txFillClrLst>
+    <dgm:txEffectClrLst/>
+  </dgm:styleLbl>
+  <dgm:styleLbl name="conFgAcc1">
+    <dgm:fillClrLst meth="repeat">
+      <a:schemeClr val="lt1">
+        <a:alpha val="90000"/>
+      </a:schemeClr>
+    </dgm:fillClrLst>
+    <dgm:linClrLst meth="repeat">
+      <a:schemeClr val="accent2"/>
+      <a:schemeClr val="accent3"/>
+      <a:schemeClr val="accent4"/>
+      <a:schemeClr val="accent5"/>
+      <a:schemeClr val="accent6"/>
+    </dgm:linClrLst>
+    <dgm:effectClrLst/>
+    <dgm:txLinClrLst/>
+    <dgm:txFillClrLst meth="repeat">
+      <a:schemeClr val="dk1"/>
+    </dgm:txFillClrLst>
+    <dgm:txEffectClrLst/>
+  </dgm:styleLbl>
+  <dgm:styleLbl name="alignAcc1">
+    <dgm:fillClrLst meth="repeat">
+      <a:schemeClr val="lt1">
+        <a:alpha val="90000"/>
+      </a:schemeClr>
+    </dgm:fillClrLst>
+    <dgm:linClrLst meth="repeat">
+      <a:schemeClr val="accent2"/>
+      <a:schemeClr val="accent3"/>
+      <a:schemeClr val="accent4"/>
+      <a:schemeClr val="accent5"/>
+      <a:schemeClr val="accent6"/>
+    </dgm:linClrLst>
+    <dgm:effectClrLst/>
+    <dgm:txLinClrLst/>
+    <dgm:txFillClrLst meth="repeat">
+      <a:schemeClr val="dk1"/>
+    </dgm:txFillClrLst>
+    <dgm:txEffectClrLst/>
+  </dgm:styleLbl>
+  <dgm:styleLbl name="trAlignAcc1">
+    <dgm:fillClrLst meth="repeat">
+      <a:schemeClr val="lt1">
+        <a:alpha val="40000"/>
+      </a:schemeClr>
+    </dgm:fillClrLst>
+    <dgm:linClrLst meth="repeat">
+      <a:schemeClr val="accent1"/>
+    </dgm:linClrLst>
+    <dgm:effectClrLst/>
+    <dgm:txLinClrLst/>
+    <dgm:txFillClrLst meth="repeat">
+      <a:schemeClr val="dk1"/>
+    </dgm:txFillClrLst>
+    <dgm:txEffectClrLst/>
+  </dgm:styleLbl>
+  <dgm:styleLbl name="bgAcc1">
+    <dgm:fillClrLst meth="repeat">
+      <a:schemeClr val="lt1">
+        <a:alpha val="90000"/>
+      </a:schemeClr>
+    </dgm:fillClrLst>
+    <dgm:linClrLst meth="repeat">
+      <a:schemeClr val="accent2"/>
+      <a:schemeClr val="accent3"/>
+      <a:schemeClr val="accent4"/>
+      <a:schemeClr val="accent5"/>
+      <a:schemeClr val="accent6"/>
+    </dgm:linClrLst>
+    <dgm:effectClrLst/>
+    <dgm:txLinClrLst/>
+    <dgm:txFillClrLst meth="repeat">
+      <a:schemeClr val="dk1"/>
+    </dgm:txFillClrLst>
+    <dgm:txEffectClrLst/>
+  </dgm:styleLbl>
+  <dgm:styleLbl name="solidFgAcc1">
+    <dgm:fillClrLst meth="repeat">
+      <a:schemeClr val="lt1"/>
+    </dgm:fillClrLst>
+    <dgm:linClrLst meth="repeat">
+      <a:schemeClr val="accent2"/>
+      <a:schemeClr val="accent3"/>
+      <a:schemeClr val="accent4"/>
+      <a:schemeClr val="accent5"/>
+      <a:schemeClr val="accent6"/>
+    </dgm:linClrLst>
+    <dgm:effectClrLst/>
+    <dgm:txLinClrLst/>
+    <dgm:txFillClrLst meth="repeat">
+      <a:schemeClr val="dk1"/>
+    </dgm:txFillClrLst>
+    <dgm:txEffectClrLst/>
+  </dgm:styleLbl>
+  <dgm:styleLbl name="solidAlignAcc1">
+    <dgm:fillClrLst meth="repeat">
+      <a:schemeClr val="lt1"/>
+    </dgm:fillClrLst>
+    <dgm:linClrLst meth="repeat">
+      <a:schemeClr val="accent2"/>
+      <a:schemeClr val="accent3"/>
+      <a:schemeClr val="accent4"/>
+      <a:schemeClr val="accent5"/>
+      <a:schemeClr val="accent6"/>
+    </dgm:linClrLst>
+    <dgm:effectClrLst/>
+    <dgm:txLinClrLst/>
+    <dgm:txFillClrLst meth="repeat">
+      <a:schemeClr val="dk1"/>
+    </dgm:txFillClrLst>
+    <dgm:txEffectClrLst/>
+  </dgm:styleLbl>
+  <dgm:styleLbl name="solidBgAcc1">
+    <dgm:fillClrLst meth="repeat">
+      <a:schemeClr val="lt1"/>
+    </dgm:fillClrLst>
+    <dgm:linClrLst meth="repeat">
+      <a:schemeClr val="accent2"/>
+      <a:schemeClr val="accent3"/>
+      <a:schemeClr val="accent4"/>
+      <a:schemeClr val="accent5"/>
+      <a:schemeClr val="accent6"/>
+    </dgm:linClrLst>
+    <dgm:effectClrLst/>
+    <dgm:txLinClrLst/>
+    <dgm:txFillClrLst meth="repeat">
+      <a:schemeClr val="dk1"/>
+    </dgm:txFillClrLst>
+    <dgm:txEffectClrLst/>
+  </dgm:styleLbl>
+  <dgm:styleLbl name="fgAccFollowNode1">
+    <dgm:fillClrLst meth="repeat">
+      <a:schemeClr val="accent2">
+        <a:tint val="40000"/>
+        <a:alpha val="90000"/>
+      </a:schemeClr>
+      <a:schemeClr val="accent3">
+        <a:tint val="40000"/>
+        <a:alpha val="90000"/>
+      </a:schemeClr>
+      <a:schemeClr val="accent4">
+        <a:tint val="40000"/>
+        <a:alpha val="90000"/>
+      </a:schemeClr>
+      <a:schemeClr val="accent5">
+        <a:tint val="40000"/>
+        <a:alpha val="90000"/>
+      </a:schemeClr>
+      <a:schemeClr val="accent6">
+        <a:tint val="40000"/>
+        <a:alpha val="90000"/>
+      </a:schemeClr>
+    </dgm:fillClrLst>
+    <dgm:linClrLst meth="repeat">
+      <a:schemeClr val="accent2">
+        <a:tint val="40000"/>
+        <a:alpha val="90000"/>
+      </a:schemeClr>
+      <a:schemeClr val="accent3">
+        <a:tint val="40000"/>
+        <a:alpha val="90000"/>
+      </a:schemeClr>
+      <a:schemeClr val="accent4">
+        <a:tint val="40000"/>
+        <a:alpha val="90000"/>
+      </a:schemeClr>
+      <a:schemeClr val="accent5">
+        <a:tint val="40000"/>
+        <a:alpha val="90000"/>
+      </a:schemeClr>
+      <a:schemeClr val="accent6">
+        <a:tint val="40000"/>
+        <a:alpha val="90000"/>
+      </a:schemeClr>
+    </dgm:linClrLst>
+    <dgm:effectClrLst/>
+    <dgm:txLinClrLst/>
+    <dgm:txFillClrLst meth="repeat">
+      <a:schemeClr val="dk1"/>
+    </dgm:txFillClrLst>
+    <dgm:txEffectClrLst/>
+  </dgm:styleLbl>
+  <dgm:styleLbl name="alignAccFollowNode1">
+    <dgm:fillClrLst meth="repeat">
+      <a:schemeClr val="accent2">
+        <a:tint val="40000"/>
+        <a:alpha val="90000"/>
+      </a:schemeClr>
+      <a:schemeClr val="accent3">
+        <a:tint val="40000"/>
+        <a:alpha val="90000"/>
+      </a:schemeClr>
+      <a:schemeClr val="accent4">
+        <a:tint val="40000"/>
+        <a:alpha val="90000"/>
+      </a:schemeClr>
+      <a:schemeClr val="accent5">
+        <a:tint val="40000"/>
+        <a:alpha val="90000"/>
+      </a:schemeClr>
+      <a:schemeClr val="accent6">
+        <a:tint val="40000"/>
+        <a:alpha val="90000"/>
+      </a:schemeClr>
+    </dgm:fillClrLst>
+    <dgm:linClrLst meth="repeat">
+      <a:schemeClr val="accent2">
+        <a:tint val="40000"/>
+        <a:alpha val="90000"/>
+      </a:schemeClr>
+      <a:schemeClr val="accent3">
+        <a:tint val="40000"/>
+        <a:alpha val="90000"/>
+      </a:schemeClr>
+      <a:schemeClr val="accent4">
+        <a:tint val="40000"/>
+        <a:alpha val="90000"/>
+      </a:schemeClr>
+      <a:schemeClr val="accent5">
+        <a:tint val="40000"/>
+        <a:alpha val="90000"/>
+      </a:schemeClr>
+      <a:schemeClr val="accent6">
+        <a:tint val="40000"/>
+        <a:alpha val="90000"/>
+      </a:schemeClr>
+    </dgm:linClrLst>
+    <dgm:effectClrLst/>
+    <dgm:txLinClrLst/>
+    <dgm:txFillClrLst meth="repeat">
+      <a:schemeClr val="dk1"/>
+    </dgm:txFillClrLst>
+    <dgm:txEffectClrLst/>
+  </dgm:styleLbl>
+  <dgm:styleLbl name="bgAccFollowNode1">
+    <dgm:fillClrLst meth="repeat">
+      <a:schemeClr val="accent2">
+        <a:tint val="40000"/>
+        <a:alpha val="90000"/>
+      </a:schemeClr>
+      <a:schemeClr val="accent3">
+        <a:tint val="40000"/>
+        <a:alpha val="90000"/>
+      </a:schemeClr>
+      <a:schemeClr val="accent4">
+        <a:tint val="40000"/>
+        <a:alpha val="90000"/>
+      </a:schemeClr>
+      <a:schemeClr val="accent5">
+        <a:tint val="40000"/>
+        <a:alpha val="90000"/>
+      </a:schemeClr>
+      <a:schemeClr val="accent6">
+        <a:tint val="40000"/>
+        <a:alpha val="90000"/>
+      </a:schemeClr>
+    </dgm:fillClrLst>
+    <dgm:linClrLst meth="repeat">
+      <a:schemeClr val="accent2">
+        <a:tint val="40000"/>
+        <a:alpha val="90000"/>
+      </a:schemeClr>
+      <a:schemeClr val="accent3">
+        <a:tint val="40000"/>
+        <a:alpha val="90000"/>
+      </a:schemeClr>
+      <a:schemeClr val="accent4">
+        <a:tint val="40000"/>
+        <a:alpha val="90000"/>
+      </a:schemeClr>
+      <a:schemeClr val="accent5">
+        <a:tint val="40000"/>
+        <a:alpha val="90000"/>
+      </a:schemeClr>
+      <a:schemeClr val="accent6">
+        <a:tint val="40000"/>
+        <a:alpha val="90000"/>
+      </a:schemeClr>
+    </dgm:linClrLst>
+    <dgm:effectClrLst/>
+    <dgm:txLinClrLst/>
+    <dgm:txFillClrLst meth="repeat">
+      <a:schemeClr val="dk1"/>
+    </dgm:txFillClrLst>
+    <dgm:txEffectClrLst/>
+  </dgm:styleLbl>
+  <dgm:styleLbl name="fgAcc0">
+    <dgm:fillClrLst meth="repeat">
+      <a:schemeClr val="lt1">
+        <a:alpha val="90000"/>
+      </a:schemeClr>
+    </dgm:fillClrLst>
+    <dgm:linClrLst>
+      <a:schemeClr val="accent1"/>
+    </dgm:linClrLst>
+    <dgm:effectClrLst/>
+    <dgm:txLinClrLst/>
+    <dgm:txFillClrLst meth="repeat">
+      <a:schemeClr val="dk1"/>
+    </dgm:txFillClrLst>
+    <dgm:txEffectClrLst/>
+  </dgm:styleLbl>
+  <dgm:styleLbl name="fgAcc2">
+    <dgm:fillClrLst meth="repeat">
+      <a:schemeClr val="lt1">
+        <a:alpha val="90000"/>
+      </a:schemeClr>
+    </dgm:fillClrLst>
+    <dgm:linClrLst>
+      <a:schemeClr val="accent2"/>
+    </dgm:linClrLst>
+    <dgm:effectClrLst/>
+    <dgm:txLinClrLst/>
+    <dgm:txFillClrLst meth="repeat">
+      <a:schemeClr val="dk1"/>
+    </dgm:txFillClrLst>
+    <dgm:txEffectClrLst/>
+  </dgm:styleLbl>
+  <dgm:styleLbl name="fgAcc3">
+    <dgm:fillClrLst meth="repeat">
+      <a:schemeClr val="lt1">
+        <a:alpha val="90000"/>
+      </a:schemeClr>
+    </dgm:fillClrLst>
+    <dgm:linClrLst>
+      <a:schemeClr val="accent3"/>
+    </dgm:linClrLst>
+    <dgm:effectClrLst/>
+    <dgm:txLinClrLst/>
+    <dgm:txFillClrLst meth="repeat">
+      <a:schemeClr val="dk1"/>
+    </dgm:txFillClrLst>
+    <dgm:txEffectClrLst/>
+  </dgm:styleLbl>
+  <dgm:styleLbl name="fgAcc4">
+    <dgm:fillClrLst meth="repeat">
+      <a:schemeClr val="lt1">
+        <a:alpha val="90000"/>
+      </a:schemeClr>
+    </dgm:fillClrLst>
+    <dgm:linClrLst>
+      <a:schemeClr val="accent4"/>
+    </dgm:linClrLst>
+    <dgm:effectClrLst/>
+    <dgm:txLinClrLst/>
+    <dgm:txFillClrLst meth="repeat">
+      <a:schemeClr val="dk1"/>
+    </dgm:txFillClrLst>
+    <dgm:txEffectClrLst/>
+  </dgm:styleLbl>
+  <dgm:styleLbl name="bgShp">
+    <dgm:fillClrLst meth="repeat">
+      <a:schemeClr val="accent2">
+        <a:tint val="40000"/>
+      </a:schemeClr>
+    </dgm:fillClrLst>
+    <dgm:linClrLst meth="repeat">
+      <a:schemeClr val="dk1"/>
+    </dgm:linClrLst>
+    <dgm:effectClrLst/>
+    <dgm:txLinClrLst/>
+    <dgm:txFillClrLst meth="repeat">
+      <a:schemeClr val="dk1"/>
+    </dgm:txFillClrLst>
+    <dgm:txEffectClrLst/>
+  </dgm:styleLbl>
+  <dgm:styleLbl name="dkBgShp">
+    <dgm:fillClrLst meth="repeat">
+      <a:schemeClr val="accent2">
+        <a:shade val="90000"/>
+      </a:schemeClr>
+    </dgm:fillClrLst>
+    <dgm:linClrLst meth="repeat">
+      <a:schemeClr val="dk1"/>
+    </dgm:linClrLst>
+    <dgm:effectClrLst/>
+    <dgm:txLinClrLst/>
+    <dgm:txFillClrLst meth="repeat">
+      <a:schemeClr val="lt1"/>
+    </dgm:txFillClrLst>
+    <dgm:txEffectClrLst/>
+  </dgm:styleLbl>
+  <dgm:styleLbl name="trBgShp">
+    <dgm:fillClrLst meth="repeat">
+      <a:schemeClr val="accent1">
+        <a:tint val="50000"/>
+        <a:alpha val="40000"/>
+      </a:schemeClr>
+    </dgm:fillClrLst>
+    <dgm:linClrLst meth="repeat">
+      <a:schemeClr val="accent2"/>
+    </dgm:linClrLst>
+    <dgm:effectClrLst/>
+    <dgm:txLinClrLst/>
+    <dgm:txFillClrLst meth="repeat">
+      <a:schemeClr val="lt1"/>
+    </dgm:txFillClrLst>
+    <dgm:txEffectClrLst/>
+  </dgm:styleLbl>
+  <dgm:styleLbl name="fgShp">
+    <dgm:fillClrLst meth="repeat">
+      <a:schemeClr val="accent2">
+        <a:tint val="40000"/>
       </a:schemeClr>
     </dgm:fillClrLst>
     <dgm:linClrLst meth="repeat">
@@ -1205,6 +2874,765 @@
   <dgm:extLst>
     <a:ext uri="http://schemas.microsoft.com/office/drawing/2008/diagram">
       <dsp:dataModelExt xmlns:dsp="http://schemas.microsoft.com/office/drawing/2008/diagram" relId="rId6" minVer="http://schemas.openxmlformats.org/drawingml/2006/diagram"/>
+    </a:ext>
+  </dgm:extLst>
+</dgm:dataModel>
+</file>
+
+<file path=ppt/diagrams/data2.xml><?xml version="1.0" encoding="utf-8"?>
+<dgm:dataModel xmlns:dgm="http://schemas.openxmlformats.org/drawingml/2006/diagram" xmlns:a="http://schemas.openxmlformats.org/drawingml/2006/main">
+  <dgm:ptLst>
+    <dgm:pt modelId="{E7D07342-6457-44E4-B236-6AB7FDDFED5B}" type="doc">
+      <dgm:prSet loTypeId="urn:microsoft.com/office/officeart/2018/2/layout/IconLabelList" loCatId="icon" qsTypeId="urn:microsoft.com/office/officeart/2005/8/quickstyle/simple1" qsCatId="simple" csTypeId="urn:microsoft.com/office/officeart/2005/8/colors/accent1_2" csCatId="accent1" phldr="1"/>
+      <dgm:spPr/>
+      <dgm:t>
+        <a:bodyPr/>
+        <a:lstStyle/>
+        <a:p>
+          <a:endParaRPr lang="en-US"/>
+        </a:p>
+      </dgm:t>
+    </dgm:pt>
+    <dgm:pt modelId="{CDF2ED9E-F685-4771-823B-4152663A075A}">
+      <dgm:prSet phldrT="[Text]"/>
+      <dgm:spPr/>
+      <dgm:t>
+        <a:bodyPr/>
+        <a:lstStyle/>
+        <a:p>
+          <a:pPr>
+            <a:lnSpc>
+              <a:spcPct val="100000"/>
+            </a:lnSpc>
+          </a:pPr>
+          <a:r>
+            <a:rPr lang="en-US"/>
+            <a:t>Log successful sales calls in the CRM</a:t>
+          </a:r>
+        </a:p>
+      </dgm:t>
+    </dgm:pt>
+    <dgm:pt modelId="{48D20FDE-63F7-4A5C-9447-739C4483DF37}" type="parTrans" cxnId="{B7535E5B-B688-4673-B5CB-E63898B919E7}">
+      <dgm:prSet/>
+      <dgm:spPr/>
+      <dgm:t>
+        <a:bodyPr/>
+        <a:lstStyle/>
+        <a:p>
+          <a:endParaRPr lang="en-US"/>
+        </a:p>
+      </dgm:t>
+    </dgm:pt>
+    <dgm:pt modelId="{C28E8C98-9E1F-426D-BCD9-BA6A04275355}" type="sibTrans" cxnId="{B7535E5B-B688-4673-B5CB-E63898B919E7}">
+      <dgm:prSet/>
+      <dgm:spPr/>
+      <dgm:t>
+        <a:bodyPr/>
+        <a:lstStyle/>
+        <a:p>
+          <a:endParaRPr lang="en-US"/>
+        </a:p>
+      </dgm:t>
+    </dgm:pt>
+    <dgm:pt modelId="{13E7C6FC-2D5D-4649-8558-11423EDDFEE0}">
+      <dgm:prSet phldrT="[Text]"/>
+      <dgm:spPr/>
+      <dgm:t>
+        <a:bodyPr/>
+        <a:lstStyle/>
+        <a:p>
+          <a:pPr>
+            <a:lnSpc>
+              <a:spcPct val="100000"/>
+            </a:lnSpc>
+          </a:pPr>
+          <a:r>
+            <a:rPr lang="en-US"/>
+            <a:t>Will</a:t>
+          </a:r>
+          <a:r>
+            <a:rPr lang="en-US" baseline="0"/>
+            <a:t> note the customer queries during a sales call.</a:t>
+          </a:r>
+          <a:endParaRPr lang="en-US"/>
+        </a:p>
+      </dgm:t>
+    </dgm:pt>
+    <dgm:pt modelId="{9EB58637-83FA-40A8-A6A6-8562CE3A0917}" type="parTrans" cxnId="{40EC1427-B401-42A0-8DE0-754FF7B479E2}">
+      <dgm:prSet/>
+      <dgm:spPr/>
+      <dgm:t>
+        <a:bodyPr/>
+        <a:lstStyle/>
+        <a:p>
+          <a:endParaRPr lang="en-US"/>
+        </a:p>
+      </dgm:t>
+    </dgm:pt>
+    <dgm:pt modelId="{A158BF51-FDC4-4785-B661-E7D0FA25DCDB}" type="sibTrans" cxnId="{40EC1427-B401-42A0-8DE0-754FF7B479E2}">
+      <dgm:prSet/>
+      <dgm:spPr/>
+      <dgm:t>
+        <a:bodyPr/>
+        <a:lstStyle/>
+        <a:p>
+          <a:endParaRPr lang="en-US"/>
+        </a:p>
+      </dgm:t>
+    </dgm:pt>
+    <dgm:pt modelId="{57D7DE41-6DD2-4F30-A533-074DA4D15E26}">
+      <dgm:prSet phldrT="[Text]"/>
+      <dgm:spPr/>
+      <dgm:t>
+        <a:bodyPr/>
+        <a:lstStyle/>
+        <a:p>
+          <a:pPr>
+            <a:lnSpc>
+              <a:spcPct val="100000"/>
+            </a:lnSpc>
+          </a:pPr>
+          <a:r>
+            <a:rPr lang="en-US"/>
+            <a:t>Analyze responses for similar questions that resulted in a sale in the CRM</a:t>
+          </a:r>
+        </a:p>
+      </dgm:t>
+    </dgm:pt>
+    <dgm:pt modelId="{6446CF99-08F9-42FA-82E8-CB8794C227D7}" type="parTrans" cxnId="{DB775E8A-B687-40BC-9C01-E4677CA3D856}">
+      <dgm:prSet/>
+      <dgm:spPr/>
+      <dgm:t>
+        <a:bodyPr/>
+        <a:lstStyle/>
+        <a:p>
+          <a:endParaRPr lang="en-US"/>
+        </a:p>
+      </dgm:t>
+    </dgm:pt>
+    <dgm:pt modelId="{DB22714D-1702-4C53-BB80-4ABA55DFCEB4}" type="sibTrans" cxnId="{DB775E8A-B687-40BC-9C01-E4677CA3D856}">
+      <dgm:prSet/>
+      <dgm:spPr/>
+      <dgm:t>
+        <a:bodyPr/>
+        <a:lstStyle/>
+        <a:p>
+          <a:endParaRPr lang="en-US"/>
+        </a:p>
+      </dgm:t>
+    </dgm:pt>
+    <dgm:pt modelId="{8DD7F01B-0029-4FED-AC19-A08CD72771F1}">
+      <dgm:prSet phldrT="[Text]"/>
+      <dgm:spPr/>
+      <dgm:t>
+        <a:bodyPr/>
+        <a:lstStyle/>
+        <a:p>
+          <a:pPr>
+            <a:lnSpc>
+              <a:spcPct val="100000"/>
+            </a:lnSpc>
+          </a:pPr>
+          <a:r>
+            <a:rPr lang="en-US"/>
+            <a:t>Recommend the optimum response</a:t>
+          </a:r>
+        </a:p>
+      </dgm:t>
+    </dgm:pt>
+    <dgm:pt modelId="{1C2D07CA-D939-41A5-B11D-F29645734CD7}" type="parTrans" cxnId="{B266FB73-13FF-475A-9C8B-AE49F74E26E3}">
+      <dgm:prSet/>
+      <dgm:spPr/>
+      <dgm:t>
+        <a:bodyPr/>
+        <a:lstStyle/>
+        <a:p>
+          <a:endParaRPr lang="en-US"/>
+        </a:p>
+      </dgm:t>
+    </dgm:pt>
+    <dgm:pt modelId="{3E82B295-6300-4947-B2AF-FC49BE7DA4D5}" type="sibTrans" cxnId="{B266FB73-13FF-475A-9C8B-AE49F74E26E3}">
+      <dgm:prSet/>
+      <dgm:spPr/>
+      <dgm:t>
+        <a:bodyPr/>
+        <a:lstStyle/>
+        <a:p>
+          <a:endParaRPr lang="en-US"/>
+        </a:p>
+      </dgm:t>
+    </dgm:pt>
+    <dgm:pt modelId="{8F41799B-B0EA-43C6-A3C1-B2448362E903}" type="pres">
+      <dgm:prSet presAssocID="{E7D07342-6457-44E4-B236-6AB7FDDFED5B}" presName="root" presStyleCnt="0">
+        <dgm:presLayoutVars>
+          <dgm:dir/>
+          <dgm:resizeHandles val="exact"/>
+        </dgm:presLayoutVars>
+      </dgm:prSet>
+      <dgm:spPr/>
+    </dgm:pt>
+    <dgm:pt modelId="{21197638-5193-4C27-88DE-3744E1A6BEDF}" type="pres">
+      <dgm:prSet presAssocID="{CDF2ED9E-F685-4771-823B-4152663A075A}" presName="compNode" presStyleCnt="0"/>
+      <dgm:spPr/>
+    </dgm:pt>
+    <dgm:pt modelId="{EB49E654-F1D8-40DF-950D-EA309E7EA25C}" type="pres">
+      <dgm:prSet presAssocID="{CDF2ED9E-F685-4771-823B-4152663A075A}" presName="iconRect" presStyleLbl="node1" presStyleIdx="0" presStyleCnt="4"/>
+      <dgm:spPr>
+        <a:blipFill>
+          <a:blip xmlns:r="http://schemas.openxmlformats.org/officeDocument/2006/relationships" r:embed="rId1">
+            <a:extLst>
+              <a:ext uri="{28A0092B-C50C-407E-A947-70E740481C1C}">
+                <a14:useLocalDpi xmlns:a14="http://schemas.microsoft.com/office/drawing/2010/main" val="0"/>
+              </a:ext>
+              <a:ext uri="{96DAC541-7B7A-43D3-8B79-37D633B846F1}">
+                <asvg:svgBlip xmlns:asvg="http://schemas.microsoft.com/office/drawing/2016/SVG/main" r:embed="rId2"/>
+              </a:ext>
+            </a:extLst>
+          </a:blip>
+          <a:stretch>
+            <a:fillRect/>
+          </a:stretch>
+        </a:blipFill>
+      </dgm:spPr>
+      <dgm:extLst>
+        <a:ext uri="{E40237B7-FDA0-4F09-8148-C483321AD2D9}">
+          <dgm14:cNvPr xmlns:dgm14="http://schemas.microsoft.com/office/drawing/2010/diagram" id="0" name="" descr="Call center"/>
+        </a:ext>
+      </dgm:extLst>
+    </dgm:pt>
+    <dgm:pt modelId="{61708CF2-AF73-4DA3-B04C-74579696763F}" type="pres">
+      <dgm:prSet presAssocID="{CDF2ED9E-F685-4771-823B-4152663A075A}" presName="spaceRect" presStyleCnt="0"/>
+      <dgm:spPr/>
+    </dgm:pt>
+    <dgm:pt modelId="{D8314E2F-D87D-4FBB-8956-5B32B40F6DF9}" type="pres">
+      <dgm:prSet presAssocID="{CDF2ED9E-F685-4771-823B-4152663A075A}" presName="textRect" presStyleLbl="revTx" presStyleIdx="0" presStyleCnt="4">
+        <dgm:presLayoutVars>
+          <dgm:chMax val="1"/>
+          <dgm:chPref val="1"/>
+        </dgm:presLayoutVars>
+      </dgm:prSet>
+      <dgm:spPr/>
+    </dgm:pt>
+    <dgm:pt modelId="{3CD461B4-9F38-4544-9E41-ADDBFFE3938C}" type="pres">
+      <dgm:prSet presAssocID="{C28E8C98-9E1F-426D-BCD9-BA6A04275355}" presName="sibTrans" presStyleCnt="0"/>
+      <dgm:spPr/>
+    </dgm:pt>
+    <dgm:pt modelId="{E04311A6-9C6E-4A7E-BE92-66702A528259}" type="pres">
+      <dgm:prSet presAssocID="{13E7C6FC-2D5D-4649-8558-11423EDDFEE0}" presName="compNode" presStyleCnt="0"/>
+      <dgm:spPr/>
+    </dgm:pt>
+    <dgm:pt modelId="{F4660146-1C61-4E2B-99B9-3531F0E8AD64}" type="pres">
+      <dgm:prSet presAssocID="{13E7C6FC-2D5D-4649-8558-11423EDDFEE0}" presName="iconRect" presStyleLbl="node1" presStyleIdx="1" presStyleCnt="4"/>
+      <dgm:spPr>
+        <a:blipFill>
+          <a:blip xmlns:r="http://schemas.openxmlformats.org/officeDocument/2006/relationships" r:embed="rId3">
+            <a:extLst>
+              <a:ext uri="{28A0092B-C50C-407E-A947-70E740481C1C}">
+                <a14:useLocalDpi xmlns:a14="http://schemas.microsoft.com/office/drawing/2010/main" val="0"/>
+              </a:ext>
+              <a:ext uri="{96DAC541-7B7A-43D3-8B79-37D633B846F1}">
+                <asvg:svgBlip xmlns:asvg="http://schemas.microsoft.com/office/drawing/2016/SVG/main" r:embed="rId4"/>
+              </a:ext>
+            </a:extLst>
+          </a:blip>
+          <a:stretch>
+            <a:fillRect/>
+          </a:stretch>
+        </a:blipFill>
+      </dgm:spPr>
+      <dgm:extLst>
+        <a:ext uri="{E40237B7-FDA0-4F09-8148-C483321AD2D9}">
+          <dgm14:cNvPr xmlns:dgm14="http://schemas.microsoft.com/office/drawing/2010/diagram" id="0" name="" descr="Speaker Phone"/>
+        </a:ext>
+      </dgm:extLst>
+    </dgm:pt>
+    <dgm:pt modelId="{2A06D8F0-97C6-4AA0-B1BF-A4CC1AC785AC}" type="pres">
+      <dgm:prSet presAssocID="{13E7C6FC-2D5D-4649-8558-11423EDDFEE0}" presName="spaceRect" presStyleCnt="0"/>
+      <dgm:spPr/>
+    </dgm:pt>
+    <dgm:pt modelId="{E8EA435E-FD4A-4974-8176-5F9AFA4B6B8E}" type="pres">
+      <dgm:prSet presAssocID="{13E7C6FC-2D5D-4649-8558-11423EDDFEE0}" presName="textRect" presStyleLbl="revTx" presStyleIdx="1" presStyleCnt="4">
+        <dgm:presLayoutVars>
+          <dgm:chMax val="1"/>
+          <dgm:chPref val="1"/>
+        </dgm:presLayoutVars>
+      </dgm:prSet>
+      <dgm:spPr/>
+    </dgm:pt>
+    <dgm:pt modelId="{BB76154D-A470-44B3-9E79-CEDF1917ED72}" type="pres">
+      <dgm:prSet presAssocID="{A158BF51-FDC4-4785-B661-E7D0FA25DCDB}" presName="sibTrans" presStyleCnt="0"/>
+      <dgm:spPr/>
+    </dgm:pt>
+    <dgm:pt modelId="{6BFB2729-12FD-44A3-A038-4A4093D553DA}" type="pres">
+      <dgm:prSet presAssocID="{57D7DE41-6DD2-4F30-A533-074DA4D15E26}" presName="compNode" presStyleCnt="0"/>
+      <dgm:spPr/>
+    </dgm:pt>
+    <dgm:pt modelId="{2FEB038A-BB30-4B6E-B088-B38DA83DEAC8}" type="pres">
+      <dgm:prSet presAssocID="{57D7DE41-6DD2-4F30-A533-074DA4D15E26}" presName="iconRect" presStyleLbl="node1" presStyleIdx="2" presStyleCnt="4"/>
+      <dgm:spPr>
+        <a:blipFill>
+          <a:blip xmlns:r="http://schemas.openxmlformats.org/officeDocument/2006/relationships" r:embed="rId5">
+            <a:extLst>
+              <a:ext uri="{28A0092B-C50C-407E-A947-70E740481C1C}">
+                <a14:useLocalDpi xmlns:a14="http://schemas.microsoft.com/office/drawing/2010/main" val="0"/>
+              </a:ext>
+              <a:ext uri="{96DAC541-7B7A-43D3-8B79-37D633B846F1}">
+                <asvg:svgBlip xmlns:asvg="http://schemas.microsoft.com/office/drawing/2016/SVG/main" r:embed="rId6"/>
+              </a:ext>
+            </a:extLst>
+          </a:blip>
+          <a:stretch>
+            <a:fillRect/>
+          </a:stretch>
+        </a:blipFill>
+      </dgm:spPr>
+      <dgm:extLst>
+        <a:ext uri="{E40237B7-FDA0-4F09-8148-C483321AD2D9}">
+          <dgm14:cNvPr xmlns:dgm14="http://schemas.microsoft.com/office/drawing/2010/diagram" id="0" name="" descr="Help"/>
+        </a:ext>
+      </dgm:extLst>
+    </dgm:pt>
+    <dgm:pt modelId="{4C05935E-19B6-480C-AF24-4D8F8BE476A4}" type="pres">
+      <dgm:prSet presAssocID="{57D7DE41-6DD2-4F30-A533-074DA4D15E26}" presName="spaceRect" presStyleCnt="0"/>
+      <dgm:spPr/>
+    </dgm:pt>
+    <dgm:pt modelId="{6615BA97-CAB2-4670-9407-336AD7C7DEB7}" type="pres">
+      <dgm:prSet presAssocID="{57D7DE41-6DD2-4F30-A533-074DA4D15E26}" presName="textRect" presStyleLbl="revTx" presStyleIdx="2" presStyleCnt="4">
+        <dgm:presLayoutVars>
+          <dgm:chMax val="1"/>
+          <dgm:chPref val="1"/>
+        </dgm:presLayoutVars>
+      </dgm:prSet>
+      <dgm:spPr/>
+    </dgm:pt>
+    <dgm:pt modelId="{FFBEA717-1013-4646-A0C9-B7480EED3FB5}" type="pres">
+      <dgm:prSet presAssocID="{DB22714D-1702-4C53-BB80-4ABA55DFCEB4}" presName="sibTrans" presStyleCnt="0"/>
+      <dgm:spPr/>
+    </dgm:pt>
+    <dgm:pt modelId="{8AE7E5C2-887B-489E-8F48-CEF27A55D44E}" type="pres">
+      <dgm:prSet presAssocID="{8DD7F01B-0029-4FED-AC19-A08CD72771F1}" presName="compNode" presStyleCnt="0"/>
+      <dgm:spPr/>
+    </dgm:pt>
+    <dgm:pt modelId="{D9D3D05E-DA92-438C-8C7A-E7B8BE679366}" type="pres">
+      <dgm:prSet presAssocID="{8DD7F01B-0029-4FED-AC19-A08CD72771F1}" presName="iconRect" presStyleLbl="node1" presStyleIdx="3" presStyleCnt="4"/>
+      <dgm:spPr>
+        <a:blipFill>
+          <a:blip xmlns:r="http://schemas.openxmlformats.org/officeDocument/2006/relationships" r:embed="rId7">
+            <a:extLst>
+              <a:ext uri="{28A0092B-C50C-407E-A947-70E740481C1C}">
+                <a14:useLocalDpi xmlns:a14="http://schemas.microsoft.com/office/drawing/2010/main" val="0"/>
+              </a:ext>
+              <a:ext uri="{96DAC541-7B7A-43D3-8B79-37D633B846F1}">
+                <asvg:svgBlip xmlns:asvg="http://schemas.microsoft.com/office/drawing/2016/SVG/main" r:embed="rId8"/>
+              </a:ext>
+            </a:extLst>
+          </a:blip>
+          <a:stretch>
+            <a:fillRect/>
+          </a:stretch>
+        </a:blipFill>
+      </dgm:spPr>
+      <dgm:extLst>
+        <a:ext uri="{E40237B7-FDA0-4F09-8148-C483321AD2D9}">
+          <dgm14:cNvPr xmlns:dgm14="http://schemas.microsoft.com/office/drawing/2010/diagram" id="0" name="" descr="Warning"/>
+        </a:ext>
+      </dgm:extLst>
+    </dgm:pt>
+    <dgm:pt modelId="{F4EC51A6-77CE-49D5-B9BB-979C8DC3BD46}" type="pres">
+      <dgm:prSet presAssocID="{8DD7F01B-0029-4FED-AC19-A08CD72771F1}" presName="spaceRect" presStyleCnt="0"/>
+      <dgm:spPr/>
+    </dgm:pt>
+    <dgm:pt modelId="{CD2ACC5C-94D3-49BF-9149-C0B932AF6BDA}" type="pres">
+      <dgm:prSet presAssocID="{8DD7F01B-0029-4FED-AC19-A08CD72771F1}" presName="textRect" presStyleLbl="revTx" presStyleIdx="3" presStyleCnt="4">
+        <dgm:presLayoutVars>
+          <dgm:chMax val="1"/>
+          <dgm:chPref val="1"/>
+        </dgm:presLayoutVars>
+      </dgm:prSet>
+      <dgm:spPr/>
+    </dgm:pt>
+  </dgm:ptLst>
+  <dgm:cxnLst>
+    <dgm:cxn modelId="{55337224-F97B-4455-A735-88390EA94376}" type="presOf" srcId="{CDF2ED9E-F685-4771-823B-4152663A075A}" destId="{D8314E2F-D87D-4FBB-8956-5B32B40F6DF9}" srcOrd="0" destOrd="0" presId="urn:microsoft.com/office/officeart/2018/2/layout/IconLabelList"/>
+    <dgm:cxn modelId="{40EC1427-B401-42A0-8DE0-754FF7B479E2}" srcId="{E7D07342-6457-44E4-B236-6AB7FDDFED5B}" destId="{13E7C6FC-2D5D-4649-8558-11423EDDFEE0}" srcOrd="1" destOrd="0" parTransId="{9EB58637-83FA-40A8-A6A6-8562CE3A0917}" sibTransId="{A158BF51-FDC4-4785-B661-E7D0FA25DCDB}"/>
+    <dgm:cxn modelId="{14A16E2D-6F5B-4092-9427-039F19D5CF31}" type="presOf" srcId="{13E7C6FC-2D5D-4649-8558-11423EDDFEE0}" destId="{E8EA435E-FD4A-4974-8176-5F9AFA4B6B8E}" srcOrd="0" destOrd="0" presId="urn:microsoft.com/office/officeart/2018/2/layout/IconLabelList"/>
+    <dgm:cxn modelId="{B7535E5B-B688-4673-B5CB-E63898B919E7}" srcId="{E7D07342-6457-44E4-B236-6AB7FDDFED5B}" destId="{CDF2ED9E-F685-4771-823B-4152663A075A}" srcOrd="0" destOrd="0" parTransId="{48D20FDE-63F7-4A5C-9447-739C4483DF37}" sibTransId="{C28E8C98-9E1F-426D-BCD9-BA6A04275355}"/>
+    <dgm:cxn modelId="{AA26334C-E63C-45C5-9066-549FFC0586A9}" type="presOf" srcId="{57D7DE41-6DD2-4F30-A533-074DA4D15E26}" destId="{6615BA97-CAB2-4670-9407-336AD7C7DEB7}" srcOrd="0" destOrd="0" presId="urn:microsoft.com/office/officeart/2018/2/layout/IconLabelList"/>
+    <dgm:cxn modelId="{B266FB73-13FF-475A-9C8B-AE49F74E26E3}" srcId="{E7D07342-6457-44E4-B236-6AB7FDDFED5B}" destId="{8DD7F01B-0029-4FED-AC19-A08CD72771F1}" srcOrd="3" destOrd="0" parTransId="{1C2D07CA-D939-41A5-B11D-F29645734CD7}" sibTransId="{3E82B295-6300-4947-B2AF-FC49BE7DA4D5}"/>
+    <dgm:cxn modelId="{DB775E8A-B687-40BC-9C01-E4677CA3D856}" srcId="{E7D07342-6457-44E4-B236-6AB7FDDFED5B}" destId="{57D7DE41-6DD2-4F30-A533-074DA4D15E26}" srcOrd="2" destOrd="0" parTransId="{6446CF99-08F9-42FA-82E8-CB8794C227D7}" sibTransId="{DB22714D-1702-4C53-BB80-4ABA55DFCEB4}"/>
+    <dgm:cxn modelId="{4C3291DE-3F0C-46AB-85F0-3C646E99B53D}" type="presOf" srcId="{E7D07342-6457-44E4-B236-6AB7FDDFED5B}" destId="{8F41799B-B0EA-43C6-A3C1-B2448362E903}" srcOrd="0" destOrd="0" presId="urn:microsoft.com/office/officeart/2018/2/layout/IconLabelList"/>
+    <dgm:cxn modelId="{C4B5E6F8-2CA9-4D3F-BCF3-E4158F015442}" type="presOf" srcId="{8DD7F01B-0029-4FED-AC19-A08CD72771F1}" destId="{CD2ACC5C-94D3-49BF-9149-C0B932AF6BDA}" srcOrd="0" destOrd="0" presId="urn:microsoft.com/office/officeart/2018/2/layout/IconLabelList"/>
+    <dgm:cxn modelId="{64C540E7-0E98-4AAE-B259-B2FAC36821F5}" type="presParOf" srcId="{8F41799B-B0EA-43C6-A3C1-B2448362E903}" destId="{21197638-5193-4C27-88DE-3744E1A6BEDF}" srcOrd="0" destOrd="0" presId="urn:microsoft.com/office/officeart/2018/2/layout/IconLabelList"/>
+    <dgm:cxn modelId="{DF024554-19AA-46B1-B716-10C6B28C8F2D}" type="presParOf" srcId="{21197638-5193-4C27-88DE-3744E1A6BEDF}" destId="{EB49E654-F1D8-40DF-950D-EA309E7EA25C}" srcOrd="0" destOrd="0" presId="urn:microsoft.com/office/officeart/2018/2/layout/IconLabelList"/>
+    <dgm:cxn modelId="{7B49371F-C60E-42B1-92CB-5F1F48E1F0EB}" type="presParOf" srcId="{21197638-5193-4C27-88DE-3744E1A6BEDF}" destId="{61708CF2-AF73-4DA3-B04C-74579696763F}" srcOrd="1" destOrd="0" presId="urn:microsoft.com/office/officeart/2018/2/layout/IconLabelList"/>
+    <dgm:cxn modelId="{37E867CA-908C-45F9-9DB3-89AB9CE34586}" type="presParOf" srcId="{21197638-5193-4C27-88DE-3744E1A6BEDF}" destId="{D8314E2F-D87D-4FBB-8956-5B32B40F6DF9}" srcOrd="2" destOrd="0" presId="urn:microsoft.com/office/officeart/2018/2/layout/IconLabelList"/>
+    <dgm:cxn modelId="{B16F11B7-DA2E-42CA-87D4-759EE0FFBED4}" type="presParOf" srcId="{8F41799B-B0EA-43C6-A3C1-B2448362E903}" destId="{3CD461B4-9F38-4544-9E41-ADDBFFE3938C}" srcOrd="1" destOrd="0" presId="urn:microsoft.com/office/officeart/2018/2/layout/IconLabelList"/>
+    <dgm:cxn modelId="{CCF3D382-AB0D-4A90-805D-B33EAFC03B75}" type="presParOf" srcId="{8F41799B-B0EA-43C6-A3C1-B2448362E903}" destId="{E04311A6-9C6E-4A7E-BE92-66702A528259}" srcOrd="2" destOrd="0" presId="urn:microsoft.com/office/officeart/2018/2/layout/IconLabelList"/>
+    <dgm:cxn modelId="{0A0BB0E4-9164-403F-BA99-0550933E6F31}" type="presParOf" srcId="{E04311A6-9C6E-4A7E-BE92-66702A528259}" destId="{F4660146-1C61-4E2B-99B9-3531F0E8AD64}" srcOrd="0" destOrd="0" presId="urn:microsoft.com/office/officeart/2018/2/layout/IconLabelList"/>
+    <dgm:cxn modelId="{0F3486E7-1F53-4E2D-B024-E5E37813E578}" type="presParOf" srcId="{E04311A6-9C6E-4A7E-BE92-66702A528259}" destId="{2A06D8F0-97C6-4AA0-B1BF-A4CC1AC785AC}" srcOrd="1" destOrd="0" presId="urn:microsoft.com/office/officeart/2018/2/layout/IconLabelList"/>
+    <dgm:cxn modelId="{026CBDCC-98D9-4C07-908C-1D2232B1A5E0}" type="presParOf" srcId="{E04311A6-9C6E-4A7E-BE92-66702A528259}" destId="{E8EA435E-FD4A-4974-8176-5F9AFA4B6B8E}" srcOrd="2" destOrd="0" presId="urn:microsoft.com/office/officeart/2018/2/layout/IconLabelList"/>
+    <dgm:cxn modelId="{1533AC13-E046-4C34-9F6F-F482801BE1E0}" type="presParOf" srcId="{8F41799B-B0EA-43C6-A3C1-B2448362E903}" destId="{BB76154D-A470-44B3-9E79-CEDF1917ED72}" srcOrd="3" destOrd="0" presId="urn:microsoft.com/office/officeart/2018/2/layout/IconLabelList"/>
+    <dgm:cxn modelId="{2ABE8DD5-DCB2-4866-907F-370E1A821E4B}" type="presParOf" srcId="{8F41799B-B0EA-43C6-A3C1-B2448362E903}" destId="{6BFB2729-12FD-44A3-A038-4A4093D553DA}" srcOrd="4" destOrd="0" presId="urn:microsoft.com/office/officeart/2018/2/layout/IconLabelList"/>
+    <dgm:cxn modelId="{8490F3DA-A93D-45C5-ACB9-6E1D3DFDA4B0}" type="presParOf" srcId="{6BFB2729-12FD-44A3-A038-4A4093D553DA}" destId="{2FEB038A-BB30-4B6E-B088-B38DA83DEAC8}" srcOrd="0" destOrd="0" presId="urn:microsoft.com/office/officeart/2018/2/layout/IconLabelList"/>
+    <dgm:cxn modelId="{37E3C859-FF44-463B-8607-C00F2A5333F8}" type="presParOf" srcId="{6BFB2729-12FD-44A3-A038-4A4093D553DA}" destId="{4C05935E-19B6-480C-AF24-4D8F8BE476A4}" srcOrd="1" destOrd="0" presId="urn:microsoft.com/office/officeart/2018/2/layout/IconLabelList"/>
+    <dgm:cxn modelId="{16009491-F64C-4F42-9AAA-C710961C166D}" type="presParOf" srcId="{6BFB2729-12FD-44A3-A038-4A4093D553DA}" destId="{6615BA97-CAB2-4670-9407-336AD7C7DEB7}" srcOrd="2" destOrd="0" presId="urn:microsoft.com/office/officeart/2018/2/layout/IconLabelList"/>
+    <dgm:cxn modelId="{AF7A5B1E-3A53-433D-9CAE-52177EA3C05D}" type="presParOf" srcId="{8F41799B-B0EA-43C6-A3C1-B2448362E903}" destId="{FFBEA717-1013-4646-A0C9-B7480EED3FB5}" srcOrd="5" destOrd="0" presId="urn:microsoft.com/office/officeart/2018/2/layout/IconLabelList"/>
+    <dgm:cxn modelId="{E0864694-9F88-4439-B102-7A4B7E426A93}" type="presParOf" srcId="{8F41799B-B0EA-43C6-A3C1-B2448362E903}" destId="{8AE7E5C2-887B-489E-8F48-CEF27A55D44E}" srcOrd="6" destOrd="0" presId="urn:microsoft.com/office/officeart/2018/2/layout/IconLabelList"/>
+    <dgm:cxn modelId="{726F155E-0C0B-433F-AE7B-478DE8F1EDE1}" type="presParOf" srcId="{8AE7E5C2-887B-489E-8F48-CEF27A55D44E}" destId="{D9D3D05E-DA92-438C-8C7A-E7B8BE679366}" srcOrd="0" destOrd="0" presId="urn:microsoft.com/office/officeart/2018/2/layout/IconLabelList"/>
+    <dgm:cxn modelId="{3D98902F-0123-42A8-9AB7-756AC011D725}" type="presParOf" srcId="{8AE7E5C2-887B-489E-8F48-CEF27A55D44E}" destId="{F4EC51A6-77CE-49D5-B9BB-979C8DC3BD46}" srcOrd="1" destOrd="0" presId="urn:microsoft.com/office/officeart/2018/2/layout/IconLabelList"/>
+    <dgm:cxn modelId="{D5F84B9B-5402-460D-A6FD-02A577494312}" type="presParOf" srcId="{8AE7E5C2-887B-489E-8F48-CEF27A55D44E}" destId="{CD2ACC5C-94D3-49BF-9149-C0B932AF6BDA}" srcOrd="2" destOrd="0" presId="urn:microsoft.com/office/officeart/2018/2/layout/IconLabelList"/>
+  </dgm:cxnLst>
+  <dgm:bg/>
+  <dgm:whole/>
+  <dgm:extLst>
+    <a:ext uri="http://schemas.microsoft.com/office/drawing/2008/diagram">
+      <dsp:dataModelExt xmlns:dsp="http://schemas.microsoft.com/office/drawing/2008/diagram" relId="rId6" minVer="http://schemas.openxmlformats.org/drawingml/2006/diagram"/>
+    </a:ext>
+  </dgm:extLst>
+</dgm:dataModel>
+</file>
+
+<file path=ppt/diagrams/data3.xml><?xml version="1.0" encoding="utf-8"?>
+<dgm:dataModel xmlns:dgm="http://schemas.openxmlformats.org/drawingml/2006/diagram" xmlns:a="http://schemas.openxmlformats.org/drawingml/2006/main">
+  <dgm:ptLst>
+    <dgm:pt modelId="{D259F316-9250-4ED9-B60A-045987A2120A}" type="doc">
+      <dgm:prSet loTypeId="urn:microsoft.com/office/officeart/2005/8/layout/default" loCatId="list" qsTypeId="urn:microsoft.com/office/officeart/2005/8/quickstyle/simple1" qsCatId="simple" csTypeId="urn:microsoft.com/office/officeart/2005/8/colors/colorful1" csCatId="colorful" phldr="1"/>
+      <dgm:spPr/>
+      <dgm:t>
+        <a:bodyPr/>
+        <a:lstStyle/>
+        <a:p>
+          <a:endParaRPr lang="en-US"/>
+        </a:p>
+      </dgm:t>
+    </dgm:pt>
+    <dgm:pt modelId="{B26BA475-0712-43C1-B8C3-40E9EDF81FC7}">
+      <dgm:prSet phldrT="[Text]"/>
+      <dgm:spPr/>
+      <dgm:t>
+        <a:bodyPr/>
+        <a:lstStyle/>
+        <a:p>
+          <a:r>
+            <a:rPr lang="en-US" dirty="0"/>
+            <a:t>User Interface for ease of access</a:t>
+          </a:r>
+        </a:p>
+      </dgm:t>
+    </dgm:pt>
+    <dgm:pt modelId="{53537C16-F08C-4564-8887-904DED780539}" type="parTrans" cxnId="{20B23026-432F-46A2-B652-74156402C322}">
+      <dgm:prSet/>
+      <dgm:spPr/>
+      <dgm:t>
+        <a:bodyPr/>
+        <a:lstStyle/>
+        <a:p>
+          <a:endParaRPr lang="en-US"/>
+        </a:p>
+      </dgm:t>
+    </dgm:pt>
+    <dgm:pt modelId="{807481CA-5D62-4D22-9325-3EC12C149D6C}" type="sibTrans" cxnId="{20B23026-432F-46A2-B652-74156402C322}">
+      <dgm:prSet/>
+      <dgm:spPr/>
+      <dgm:t>
+        <a:bodyPr/>
+        <a:lstStyle/>
+        <a:p>
+          <a:endParaRPr lang="en-US"/>
+        </a:p>
+      </dgm:t>
+    </dgm:pt>
+    <dgm:pt modelId="{11B886B1-23D5-43B6-BADA-611393EE471D}">
+      <dgm:prSet/>
+      <dgm:spPr/>
+      <dgm:t>
+        <a:bodyPr/>
+        <a:lstStyle/>
+        <a:p>
+          <a:r>
+            <a:rPr lang="en-US"/>
+            <a:t>Research sales interaction datasets</a:t>
+          </a:r>
+          <a:endParaRPr lang="en-US" dirty="0"/>
+        </a:p>
+      </dgm:t>
+    </dgm:pt>
+    <dgm:pt modelId="{49862620-236B-4D7C-8F79-479AE46EE15A}" type="parTrans" cxnId="{06B129A3-D9A4-4DC7-9AB0-157982661BCF}">
+      <dgm:prSet/>
+      <dgm:spPr/>
+      <dgm:t>
+        <a:bodyPr/>
+        <a:lstStyle/>
+        <a:p>
+          <a:endParaRPr lang="en-US"/>
+        </a:p>
+      </dgm:t>
+    </dgm:pt>
+    <dgm:pt modelId="{E562743C-CC03-4CA3-94EF-1B81E54D550F}" type="sibTrans" cxnId="{06B129A3-D9A4-4DC7-9AB0-157982661BCF}">
+      <dgm:prSet/>
+      <dgm:spPr/>
+      <dgm:t>
+        <a:bodyPr/>
+        <a:lstStyle/>
+        <a:p>
+          <a:endParaRPr lang="en-US"/>
+        </a:p>
+      </dgm:t>
+    </dgm:pt>
+    <dgm:pt modelId="{E516F248-8EE0-492B-8E51-DECC78C81152}">
+      <dgm:prSet/>
+      <dgm:spPr/>
+      <dgm:t>
+        <a:bodyPr/>
+        <a:lstStyle/>
+        <a:p>
+          <a:r>
+            <a:rPr lang="en-US" dirty="0"/>
+            <a:t>Build a custom model based on said dataset</a:t>
+          </a:r>
+        </a:p>
+      </dgm:t>
+    </dgm:pt>
+    <dgm:pt modelId="{C5629BC2-F04C-4623-858D-B12158945711}" type="parTrans" cxnId="{8D99B557-02CD-459C-88FD-C6938790E4E6}">
+      <dgm:prSet/>
+      <dgm:spPr/>
+      <dgm:t>
+        <a:bodyPr/>
+        <a:lstStyle/>
+        <a:p>
+          <a:endParaRPr lang="en-US"/>
+        </a:p>
+      </dgm:t>
+    </dgm:pt>
+    <dgm:pt modelId="{DB4A3740-CA38-472B-B233-E3DC39DDB59F}" type="sibTrans" cxnId="{8D99B557-02CD-459C-88FD-C6938790E4E6}">
+      <dgm:prSet/>
+      <dgm:spPr/>
+      <dgm:t>
+        <a:bodyPr/>
+        <a:lstStyle/>
+        <a:p>
+          <a:endParaRPr lang="en-US"/>
+        </a:p>
+      </dgm:t>
+    </dgm:pt>
+    <dgm:pt modelId="{0981147F-A6E6-4460-9A7A-B4731D0D7495}">
+      <dgm:prSet/>
+      <dgm:spPr/>
+      <dgm:t>
+        <a:bodyPr/>
+        <a:lstStyle/>
+        <a:p>
+          <a:r>
+            <a:rPr lang="en-US"/>
+            <a:t>Speech to Text integration</a:t>
+          </a:r>
+          <a:endParaRPr lang="en-US" dirty="0"/>
+        </a:p>
+      </dgm:t>
+    </dgm:pt>
+    <dgm:pt modelId="{957DE7C2-A36E-460C-B698-CFBE0F589F88}" type="parTrans" cxnId="{FBC39F74-ECCD-4B2D-9408-FFEE769F68CB}">
+      <dgm:prSet/>
+      <dgm:spPr/>
+      <dgm:t>
+        <a:bodyPr/>
+        <a:lstStyle/>
+        <a:p>
+          <a:endParaRPr lang="en-US"/>
+        </a:p>
+      </dgm:t>
+    </dgm:pt>
+    <dgm:pt modelId="{36D53841-D90C-4581-A09A-F48284445C12}" type="sibTrans" cxnId="{FBC39F74-ECCD-4B2D-9408-FFEE769F68CB}">
+      <dgm:prSet/>
+      <dgm:spPr/>
+      <dgm:t>
+        <a:bodyPr/>
+        <a:lstStyle/>
+        <a:p>
+          <a:endParaRPr lang="en-US"/>
+        </a:p>
+      </dgm:t>
+    </dgm:pt>
+    <dgm:pt modelId="{1F189A82-3003-4360-9A40-5F6C0C96B1C9}">
+      <dgm:prSet phldrT="[Text]"/>
+      <dgm:spPr/>
+      <dgm:t>
+        <a:bodyPr/>
+        <a:lstStyle/>
+        <a:p>
+          <a:r>
+            <a:rPr lang="en-US" dirty="0"/>
+            <a:t>Ensuring that the recommendations are grammatically correct</a:t>
+          </a:r>
+        </a:p>
+      </dgm:t>
+    </dgm:pt>
+    <dgm:pt modelId="{04051526-70C6-41EB-BA02-5FAC7604632D}" type="parTrans" cxnId="{E7DE49AF-63FC-43A1-B77E-0C96506F3B94}">
+      <dgm:prSet/>
+      <dgm:spPr/>
+      <dgm:t>
+        <a:bodyPr/>
+        <a:lstStyle/>
+        <a:p>
+          <a:endParaRPr lang="en-US"/>
+        </a:p>
+      </dgm:t>
+    </dgm:pt>
+    <dgm:pt modelId="{0DEDB077-4E80-45F8-AA03-2D8C5A33A89D}" type="sibTrans" cxnId="{E7DE49AF-63FC-43A1-B77E-0C96506F3B94}">
+      <dgm:prSet/>
+      <dgm:spPr/>
+      <dgm:t>
+        <a:bodyPr/>
+        <a:lstStyle/>
+        <a:p>
+          <a:endParaRPr lang="en-US"/>
+        </a:p>
+      </dgm:t>
+    </dgm:pt>
+    <dgm:pt modelId="{2D759756-E434-45E0-AD7F-47E8721032D1}">
+      <dgm:prSet phldrT="[Text]"/>
+      <dgm:spPr/>
+      <dgm:t>
+        <a:bodyPr/>
+        <a:lstStyle/>
+        <a:p>
+          <a:r>
+            <a:rPr lang="en-US" dirty="0"/>
+            <a:t>Leveraging vector databases to enhance retrieval efficiency</a:t>
+          </a:r>
+        </a:p>
+      </dgm:t>
+    </dgm:pt>
+    <dgm:pt modelId="{F0B9C310-4713-4B4C-A6FC-A28D97A5F940}" type="parTrans" cxnId="{838F5205-D49E-49AB-A196-57980F73E118}">
+      <dgm:prSet/>
+      <dgm:spPr/>
+      <dgm:t>
+        <a:bodyPr/>
+        <a:lstStyle/>
+        <a:p>
+          <a:endParaRPr lang="en-US"/>
+        </a:p>
+      </dgm:t>
+    </dgm:pt>
+    <dgm:pt modelId="{9CF788ED-F135-4F2A-A958-CDAFF08F5EB4}" type="sibTrans" cxnId="{838F5205-D49E-49AB-A196-57980F73E118}">
+      <dgm:prSet/>
+      <dgm:spPr/>
+      <dgm:t>
+        <a:bodyPr/>
+        <a:lstStyle/>
+        <a:p>
+          <a:endParaRPr lang="en-US"/>
+        </a:p>
+      </dgm:t>
+    </dgm:pt>
+    <dgm:pt modelId="{02F569F7-02AE-4EE9-903F-D89A66C0F62C}" type="pres">
+      <dgm:prSet presAssocID="{D259F316-9250-4ED9-B60A-045987A2120A}" presName="diagram" presStyleCnt="0">
+        <dgm:presLayoutVars>
+          <dgm:dir/>
+          <dgm:resizeHandles val="exact"/>
+        </dgm:presLayoutVars>
+      </dgm:prSet>
+      <dgm:spPr/>
+    </dgm:pt>
+    <dgm:pt modelId="{39FF329C-CBE0-45CF-BE32-2B0D5BBB8B98}" type="pres">
+      <dgm:prSet presAssocID="{1F189A82-3003-4360-9A40-5F6C0C96B1C9}" presName="node" presStyleLbl="node1" presStyleIdx="0" presStyleCnt="6">
+        <dgm:presLayoutVars>
+          <dgm:bulletEnabled val="1"/>
+        </dgm:presLayoutVars>
+      </dgm:prSet>
+      <dgm:spPr/>
+    </dgm:pt>
+    <dgm:pt modelId="{A2BFBD38-57E6-4719-BDA0-3F2545277187}" type="pres">
+      <dgm:prSet presAssocID="{0DEDB077-4E80-45F8-AA03-2D8C5A33A89D}" presName="sibTrans" presStyleCnt="0"/>
+      <dgm:spPr/>
+    </dgm:pt>
+    <dgm:pt modelId="{2EACAF7B-E9A2-4BD5-9D3E-44766C9B451E}" type="pres">
+      <dgm:prSet presAssocID="{2D759756-E434-45E0-AD7F-47E8721032D1}" presName="node" presStyleLbl="node1" presStyleIdx="1" presStyleCnt="6">
+        <dgm:presLayoutVars>
+          <dgm:bulletEnabled val="1"/>
+        </dgm:presLayoutVars>
+      </dgm:prSet>
+      <dgm:spPr/>
+    </dgm:pt>
+    <dgm:pt modelId="{BE7D3FA4-585F-4938-8AC7-2A48621BB0DB}" type="pres">
+      <dgm:prSet presAssocID="{9CF788ED-F135-4F2A-A958-CDAFF08F5EB4}" presName="sibTrans" presStyleCnt="0"/>
+      <dgm:spPr/>
+    </dgm:pt>
+    <dgm:pt modelId="{38E6D6B1-C28D-4657-96C8-0955CBA4E4DE}" type="pres">
+      <dgm:prSet presAssocID="{B26BA475-0712-43C1-B8C3-40E9EDF81FC7}" presName="node" presStyleLbl="node1" presStyleIdx="2" presStyleCnt="6">
+        <dgm:presLayoutVars>
+          <dgm:bulletEnabled val="1"/>
+        </dgm:presLayoutVars>
+      </dgm:prSet>
+      <dgm:spPr/>
+    </dgm:pt>
+    <dgm:pt modelId="{F776983A-FB65-4F34-BEE8-5ECC2CC1ECBD}" type="pres">
+      <dgm:prSet presAssocID="{807481CA-5D62-4D22-9325-3EC12C149D6C}" presName="sibTrans" presStyleCnt="0"/>
+      <dgm:spPr/>
+    </dgm:pt>
+    <dgm:pt modelId="{91A1C270-E8BC-4281-8562-AB054051BDAB}" type="pres">
+      <dgm:prSet presAssocID="{11B886B1-23D5-43B6-BADA-611393EE471D}" presName="node" presStyleLbl="node1" presStyleIdx="3" presStyleCnt="6">
+        <dgm:presLayoutVars>
+          <dgm:bulletEnabled val="1"/>
+        </dgm:presLayoutVars>
+      </dgm:prSet>
+      <dgm:spPr/>
+    </dgm:pt>
+    <dgm:pt modelId="{6FE7D2BE-92E6-4BBE-9079-2913FB2BC299}" type="pres">
+      <dgm:prSet presAssocID="{E562743C-CC03-4CA3-94EF-1B81E54D550F}" presName="sibTrans" presStyleCnt="0"/>
+      <dgm:spPr/>
+    </dgm:pt>
+    <dgm:pt modelId="{F455849B-3BF6-4752-8D62-F32DA8816A78}" type="pres">
+      <dgm:prSet presAssocID="{E516F248-8EE0-492B-8E51-DECC78C81152}" presName="node" presStyleLbl="node1" presStyleIdx="4" presStyleCnt="6">
+        <dgm:presLayoutVars>
+          <dgm:bulletEnabled val="1"/>
+        </dgm:presLayoutVars>
+      </dgm:prSet>
+      <dgm:spPr/>
+    </dgm:pt>
+    <dgm:pt modelId="{3BA5FC2B-5EF6-4809-A3BC-C0222F464A9A}" type="pres">
+      <dgm:prSet presAssocID="{DB4A3740-CA38-472B-B233-E3DC39DDB59F}" presName="sibTrans" presStyleCnt="0"/>
+      <dgm:spPr/>
+    </dgm:pt>
+    <dgm:pt modelId="{7733793D-E932-4D3F-970F-F4C52F0F5173}" type="pres">
+      <dgm:prSet presAssocID="{0981147F-A6E6-4460-9A7A-B4731D0D7495}" presName="node" presStyleLbl="node1" presStyleIdx="5" presStyleCnt="6">
+        <dgm:presLayoutVars>
+          <dgm:bulletEnabled val="1"/>
+        </dgm:presLayoutVars>
+      </dgm:prSet>
+      <dgm:spPr/>
+    </dgm:pt>
+  </dgm:ptLst>
+  <dgm:cxnLst>
+    <dgm:cxn modelId="{838F5205-D49E-49AB-A196-57980F73E118}" srcId="{D259F316-9250-4ED9-B60A-045987A2120A}" destId="{2D759756-E434-45E0-AD7F-47E8721032D1}" srcOrd="1" destOrd="0" parTransId="{F0B9C310-4713-4B4C-A6FC-A28D97A5F940}" sibTransId="{9CF788ED-F135-4F2A-A958-CDAFF08F5EB4}"/>
+    <dgm:cxn modelId="{B8A3F70A-59E3-4BB4-8D6E-9AAF96EA1E17}" type="presOf" srcId="{D259F316-9250-4ED9-B60A-045987A2120A}" destId="{02F569F7-02AE-4EE9-903F-D89A66C0F62C}" srcOrd="0" destOrd="0" presId="urn:microsoft.com/office/officeart/2005/8/layout/default"/>
+    <dgm:cxn modelId="{E539BC18-4242-4293-80C0-133E85B42EC4}" type="presOf" srcId="{E516F248-8EE0-492B-8E51-DECC78C81152}" destId="{F455849B-3BF6-4752-8D62-F32DA8816A78}" srcOrd="0" destOrd="0" presId="urn:microsoft.com/office/officeart/2005/8/layout/default"/>
+    <dgm:cxn modelId="{20B23026-432F-46A2-B652-74156402C322}" srcId="{D259F316-9250-4ED9-B60A-045987A2120A}" destId="{B26BA475-0712-43C1-B8C3-40E9EDF81FC7}" srcOrd="2" destOrd="0" parTransId="{53537C16-F08C-4564-8887-904DED780539}" sibTransId="{807481CA-5D62-4D22-9325-3EC12C149D6C}"/>
+    <dgm:cxn modelId="{90ED2727-3C05-4D98-BAE8-A14E7A4EE98C}" type="presOf" srcId="{1F189A82-3003-4360-9A40-5F6C0C96B1C9}" destId="{39FF329C-CBE0-45CF-BE32-2B0D5BBB8B98}" srcOrd="0" destOrd="0" presId="urn:microsoft.com/office/officeart/2005/8/layout/default"/>
+    <dgm:cxn modelId="{02DE4B43-2482-4FC7-ACE2-5ABBF7FA347C}" type="presOf" srcId="{2D759756-E434-45E0-AD7F-47E8721032D1}" destId="{2EACAF7B-E9A2-4BD5-9D3E-44766C9B451E}" srcOrd="0" destOrd="0" presId="urn:microsoft.com/office/officeart/2005/8/layout/default"/>
+    <dgm:cxn modelId="{82D00A4A-7D34-42FE-B9F1-7EDD0AAD02B5}" type="presOf" srcId="{0981147F-A6E6-4460-9A7A-B4731D0D7495}" destId="{7733793D-E932-4D3F-970F-F4C52F0F5173}" srcOrd="0" destOrd="0" presId="urn:microsoft.com/office/officeart/2005/8/layout/default"/>
+    <dgm:cxn modelId="{FBC39F74-ECCD-4B2D-9408-FFEE769F68CB}" srcId="{D259F316-9250-4ED9-B60A-045987A2120A}" destId="{0981147F-A6E6-4460-9A7A-B4731D0D7495}" srcOrd="5" destOrd="0" parTransId="{957DE7C2-A36E-460C-B698-CFBE0F589F88}" sibTransId="{36D53841-D90C-4581-A09A-F48284445C12}"/>
+    <dgm:cxn modelId="{8D99B557-02CD-459C-88FD-C6938790E4E6}" srcId="{D259F316-9250-4ED9-B60A-045987A2120A}" destId="{E516F248-8EE0-492B-8E51-DECC78C81152}" srcOrd="4" destOrd="0" parTransId="{C5629BC2-F04C-4623-858D-B12158945711}" sibTransId="{DB4A3740-CA38-472B-B233-E3DC39DDB59F}"/>
+    <dgm:cxn modelId="{7E3F4459-F7AD-4695-8707-8282348E60F3}" type="presOf" srcId="{B26BA475-0712-43C1-B8C3-40E9EDF81FC7}" destId="{38E6D6B1-C28D-4657-96C8-0955CBA4E4DE}" srcOrd="0" destOrd="0" presId="urn:microsoft.com/office/officeart/2005/8/layout/default"/>
+    <dgm:cxn modelId="{8B326F97-8251-4331-9303-6FE8602FB32B}" type="presOf" srcId="{11B886B1-23D5-43B6-BADA-611393EE471D}" destId="{91A1C270-E8BC-4281-8562-AB054051BDAB}" srcOrd="0" destOrd="0" presId="urn:microsoft.com/office/officeart/2005/8/layout/default"/>
+    <dgm:cxn modelId="{06B129A3-D9A4-4DC7-9AB0-157982661BCF}" srcId="{D259F316-9250-4ED9-B60A-045987A2120A}" destId="{11B886B1-23D5-43B6-BADA-611393EE471D}" srcOrd="3" destOrd="0" parTransId="{49862620-236B-4D7C-8F79-479AE46EE15A}" sibTransId="{E562743C-CC03-4CA3-94EF-1B81E54D550F}"/>
+    <dgm:cxn modelId="{E7DE49AF-63FC-43A1-B77E-0C96506F3B94}" srcId="{D259F316-9250-4ED9-B60A-045987A2120A}" destId="{1F189A82-3003-4360-9A40-5F6C0C96B1C9}" srcOrd="0" destOrd="0" parTransId="{04051526-70C6-41EB-BA02-5FAC7604632D}" sibTransId="{0DEDB077-4E80-45F8-AA03-2D8C5A33A89D}"/>
+    <dgm:cxn modelId="{EDF20697-F4BC-4929-9B3B-2C5D034F9FED}" type="presParOf" srcId="{02F569F7-02AE-4EE9-903F-D89A66C0F62C}" destId="{39FF329C-CBE0-45CF-BE32-2B0D5BBB8B98}" srcOrd="0" destOrd="0" presId="urn:microsoft.com/office/officeart/2005/8/layout/default"/>
+    <dgm:cxn modelId="{3DF5A7B5-5C37-4096-90B3-AE27A52104A1}" type="presParOf" srcId="{02F569F7-02AE-4EE9-903F-D89A66C0F62C}" destId="{A2BFBD38-57E6-4719-BDA0-3F2545277187}" srcOrd="1" destOrd="0" presId="urn:microsoft.com/office/officeart/2005/8/layout/default"/>
+    <dgm:cxn modelId="{3FC0EBCA-A345-4060-90C3-C14B33972830}" type="presParOf" srcId="{02F569F7-02AE-4EE9-903F-D89A66C0F62C}" destId="{2EACAF7B-E9A2-4BD5-9D3E-44766C9B451E}" srcOrd="2" destOrd="0" presId="urn:microsoft.com/office/officeart/2005/8/layout/default"/>
+    <dgm:cxn modelId="{E0AFBAEE-87D2-4588-B5FC-C2BE45094F8F}" type="presParOf" srcId="{02F569F7-02AE-4EE9-903F-D89A66C0F62C}" destId="{BE7D3FA4-585F-4938-8AC7-2A48621BB0DB}" srcOrd="3" destOrd="0" presId="urn:microsoft.com/office/officeart/2005/8/layout/default"/>
+    <dgm:cxn modelId="{A8FD5B79-A08A-401D-8EA4-4A0DC15F4FBB}" type="presParOf" srcId="{02F569F7-02AE-4EE9-903F-D89A66C0F62C}" destId="{38E6D6B1-C28D-4657-96C8-0955CBA4E4DE}" srcOrd="4" destOrd="0" presId="urn:microsoft.com/office/officeart/2005/8/layout/default"/>
+    <dgm:cxn modelId="{6DB9C19A-E43B-4D6E-B943-A165A5AF46DD}" type="presParOf" srcId="{02F569F7-02AE-4EE9-903F-D89A66C0F62C}" destId="{F776983A-FB65-4F34-BEE8-5ECC2CC1ECBD}" srcOrd="5" destOrd="0" presId="urn:microsoft.com/office/officeart/2005/8/layout/default"/>
+    <dgm:cxn modelId="{4DE8795A-F126-4EFA-91B6-0016AE749F96}" type="presParOf" srcId="{02F569F7-02AE-4EE9-903F-D89A66C0F62C}" destId="{91A1C270-E8BC-4281-8562-AB054051BDAB}" srcOrd="6" destOrd="0" presId="urn:microsoft.com/office/officeart/2005/8/layout/default"/>
+    <dgm:cxn modelId="{B07EA43B-6E95-46DC-8589-EDEF0E500432}" type="presParOf" srcId="{02F569F7-02AE-4EE9-903F-D89A66C0F62C}" destId="{6FE7D2BE-92E6-4BBE-9079-2913FB2BC299}" srcOrd="7" destOrd="0" presId="urn:microsoft.com/office/officeart/2005/8/layout/default"/>
+    <dgm:cxn modelId="{35BC164D-8D14-4346-BB73-BB3EBB0F7758}" type="presParOf" srcId="{02F569F7-02AE-4EE9-903F-D89A66C0F62C}" destId="{F455849B-3BF6-4752-8D62-F32DA8816A78}" srcOrd="8" destOrd="0" presId="urn:microsoft.com/office/officeart/2005/8/layout/default"/>
+    <dgm:cxn modelId="{B7261EFA-D948-4866-AF7A-4CD8F4998FC1}" type="presParOf" srcId="{02F569F7-02AE-4EE9-903F-D89A66C0F62C}" destId="{3BA5FC2B-5EF6-4809-A3BC-C0222F464A9A}" srcOrd="9" destOrd="0" presId="urn:microsoft.com/office/officeart/2005/8/layout/default"/>
+    <dgm:cxn modelId="{18235417-45DC-4965-984E-250EE1D35AC0}" type="presParOf" srcId="{02F569F7-02AE-4EE9-903F-D89A66C0F62C}" destId="{7733793D-E932-4D3F-970F-F4C52F0F5173}" srcOrd="10" destOrd="0" presId="urn:microsoft.com/office/officeart/2005/8/layout/default"/>
+  </dgm:cxnLst>
+  <dgm:bg/>
+  <dgm:whole/>
+  <dgm:extLst>
+    <a:ext uri="http://schemas.microsoft.com/office/drawing/2008/diagram">
+      <dsp:dataModelExt xmlns:dsp="http://schemas.microsoft.com/office/drawing/2008/diagram" relId="rId10" minVer="http://schemas.openxmlformats.org/drawingml/2006/diagram"/>
     </a:ext>
   </dgm:extLst>
 </dgm:dataModel>
@@ -1696,6 +4124,963 @@
 </dsp:drawing>
 </file>
 
+<file path=ppt/diagrams/drawing2.xml><?xml version="1.0" encoding="utf-8"?>
+<dsp:drawing xmlns:dgm="http://schemas.openxmlformats.org/drawingml/2006/diagram" xmlns:dsp="http://schemas.microsoft.com/office/drawing/2008/diagram" xmlns:a="http://schemas.openxmlformats.org/drawingml/2006/main">
+  <dsp:spTree>
+    <dsp:nvGrpSpPr>
+      <dsp:cNvPr id="0" name=""/>
+      <dsp:cNvGrpSpPr/>
+    </dsp:nvGrpSpPr>
+    <dsp:grpSpPr/>
+    <dsp:sp modelId="{EB49E654-F1D8-40DF-950D-EA309E7EA25C}">
+      <dsp:nvSpPr>
+        <dsp:cNvPr id="0" name=""/>
+        <dsp:cNvSpPr/>
+      </dsp:nvSpPr>
+      <dsp:spPr>
+        <a:xfrm>
+          <a:off x="898783" y="1253076"/>
+          <a:ext cx="1077663" cy="1077663"/>
+        </a:xfrm>
+        <a:prstGeom prst="rect">
+          <a:avLst/>
+        </a:prstGeom>
+        <a:blipFill>
+          <a:blip xmlns:r="http://schemas.openxmlformats.org/officeDocument/2006/relationships" r:embed="rId1">
+            <a:extLst>
+              <a:ext uri="{28A0092B-C50C-407E-A947-70E740481C1C}">
+                <a14:useLocalDpi xmlns:a14="http://schemas.microsoft.com/office/drawing/2010/main" val="0"/>
+              </a:ext>
+              <a:ext uri="{96DAC541-7B7A-43D3-8B79-37D633B846F1}">
+                <asvg:svgBlip xmlns:asvg="http://schemas.microsoft.com/office/drawing/2016/SVG/main" r:embed="rId2"/>
+              </a:ext>
+            </a:extLst>
+          </a:blip>
+          <a:stretch>
+            <a:fillRect/>
+          </a:stretch>
+        </a:blipFill>
+        <a:ln w="19050" cap="rnd" cmpd="sng" algn="ctr">
+          <a:solidFill>
+            <a:schemeClr val="lt1">
+              <a:hueOff val="0"/>
+              <a:satOff val="0"/>
+              <a:lumOff val="0"/>
+              <a:alphaOff val="0"/>
+            </a:schemeClr>
+          </a:solidFill>
+          <a:prstDash val="solid"/>
+        </a:ln>
+        <a:effectLst/>
+      </dsp:spPr>
+      <dsp:style>
+        <a:lnRef idx="2">
+          <a:scrgbClr r="0" g="0" b="0"/>
+        </a:lnRef>
+        <a:fillRef idx="1">
+          <a:scrgbClr r="0" g="0" b="0"/>
+        </a:fillRef>
+        <a:effectRef idx="0">
+          <a:scrgbClr r="0" g="0" b="0"/>
+        </a:effectRef>
+        <a:fontRef idx="minor">
+          <a:schemeClr val="lt1"/>
+        </a:fontRef>
+      </dsp:style>
+    </dsp:sp>
+    <dsp:sp modelId="{D8314E2F-D87D-4FBB-8956-5B32B40F6DF9}">
+      <dsp:nvSpPr>
+        <dsp:cNvPr id="0" name=""/>
+        <dsp:cNvSpPr/>
+      </dsp:nvSpPr>
+      <dsp:spPr>
+        <a:xfrm>
+          <a:off x="240211" y="2648083"/>
+          <a:ext cx="2394808" cy="720000"/>
+        </a:xfrm>
+        <a:prstGeom prst="rect">
+          <a:avLst/>
+        </a:prstGeom>
+        <a:noFill/>
+        <a:ln>
+          <a:noFill/>
+        </a:ln>
+        <a:effectLst/>
+      </dsp:spPr>
+      <dsp:style>
+        <a:lnRef idx="0">
+          <a:scrgbClr r="0" g="0" b="0"/>
+        </a:lnRef>
+        <a:fillRef idx="0">
+          <a:scrgbClr r="0" g="0" b="0"/>
+        </a:fillRef>
+        <a:effectRef idx="0">
+          <a:scrgbClr r="0" g="0" b="0"/>
+        </a:effectRef>
+        <a:fontRef idx="minor"/>
+      </dsp:style>
+      <dsp:txBody>
+        <a:bodyPr spcFirstLastPara="0" vert="horz" wrap="square" lIns="0" tIns="0" rIns="0" bIns="0" numCol="1" spcCol="1270" anchor="t" anchorCtr="0">
+          <a:noAutofit/>
+        </a:bodyPr>
+        <a:lstStyle/>
+        <a:p>
+          <a:pPr marL="0" lvl="0" indent="0" algn="ctr" defTabSz="577850">
+            <a:lnSpc>
+              <a:spcPct val="100000"/>
+            </a:lnSpc>
+            <a:spcBef>
+              <a:spcPct val="0"/>
+            </a:spcBef>
+            <a:spcAft>
+              <a:spcPct val="35000"/>
+            </a:spcAft>
+            <a:buNone/>
+          </a:pPr>
+          <a:r>
+            <a:rPr lang="en-US" sz="1300" kern="1200"/>
+            <a:t>Log successful sales calls in the CRM</a:t>
+          </a:r>
+        </a:p>
+      </dsp:txBody>
+      <dsp:txXfrm>
+        <a:off x="240211" y="2648083"/>
+        <a:ext cx="2394808" cy="720000"/>
+      </dsp:txXfrm>
+    </dsp:sp>
+    <dsp:sp modelId="{F4660146-1C61-4E2B-99B9-3531F0E8AD64}">
+      <dsp:nvSpPr>
+        <dsp:cNvPr id="0" name=""/>
+        <dsp:cNvSpPr/>
+      </dsp:nvSpPr>
+      <dsp:spPr>
+        <a:xfrm>
+          <a:off x="3712682" y="1253076"/>
+          <a:ext cx="1077663" cy="1077663"/>
+        </a:xfrm>
+        <a:prstGeom prst="rect">
+          <a:avLst/>
+        </a:prstGeom>
+        <a:blipFill>
+          <a:blip xmlns:r="http://schemas.openxmlformats.org/officeDocument/2006/relationships" r:embed="rId3">
+            <a:extLst>
+              <a:ext uri="{28A0092B-C50C-407E-A947-70E740481C1C}">
+                <a14:useLocalDpi xmlns:a14="http://schemas.microsoft.com/office/drawing/2010/main" val="0"/>
+              </a:ext>
+              <a:ext uri="{96DAC541-7B7A-43D3-8B79-37D633B846F1}">
+                <asvg:svgBlip xmlns:asvg="http://schemas.microsoft.com/office/drawing/2016/SVG/main" r:embed="rId4"/>
+              </a:ext>
+            </a:extLst>
+          </a:blip>
+          <a:stretch>
+            <a:fillRect/>
+          </a:stretch>
+        </a:blipFill>
+        <a:ln w="19050" cap="rnd" cmpd="sng" algn="ctr">
+          <a:solidFill>
+            <a:schemeClr val="lt1">
+              <a:hueOff val="0"/>
+              <a:satOff val="0"/>
+              <a:lumOff val="0"/>
+              <a:alphaOff val="0"/>
+            </a:schemeClr>
+          </a:solidFill>
+          <a:prstDash val="solid"/>
+        </a:ln>
+        <a:effectLst/>
+      </dsp:spPr>
+      <dsp:style>
+        <a:lnRef idx="2">
+          <a:scrgbClr r="0" g="0" b="0"/>
+        </a:lnRef>
+        <a:fillRef idx="1">
+          <a:scrgbClr r="0" g="0" b="0"/>
+        </a:fillRef>
+        <a:effectRef idx="0">
+          <a:scrgbClr r="0" g="0" b="0"/>
+        </a:effectRef>
+        <a:fontRef idx="minor">
+          <a:schemeClr val="lt1"/>
+        </a:fontRef>
+      </dsp:style>
+    </dsp:sp>
+    <dsp:sp modelId="{E8EA435E-FD4A-4974-8176-5F9AFA4B6B8E}">
+      <dsp:nvSpPr>
+        <dsp:cNvPr id="0" name=""/>
+        <dsp:cNvSpPr/>
+      </dsp:nvSpPr>
+      <dsp:spPr>
+        <a:xfrm>
+          <a:off x="3054110" y="2648083"/>
+          <a:ext cx="2394808" cy="720000"/>
+        </a:xfrm>
+        <a:prstGeom prst="rect">
+          <a:avLst/>
+        </a:prstGeom>
+        <a:noFill/>
+        <a:ln>
+          <a:noFill/>
+        </a:ln>
+        <a:effectLst/>
+      </dsp:spPr>
+      <dsp:style>
+        <a:lnRef idx="0">
+          <a:scrgbClr r="0" g="0" b="0"/>
+        </a:lnRef>
+        <a:fillRef idx="0">
+          <a:scrgbClr r="0" g="0" b="0"/>
+        </a:fillRef>
+        <a:effectRef idx="0">
+          <a:scrgbClr r="0" g="0" b="0"/>
+        </a:effectRef>
+        <a:fontRef idx="minor"/>
+      </dsp:style>
+      <dsp:txBody>
+        <a:bodyPr spcFirstLastPara="0" vert="horz" wrap="square" lIns="0" tIns="0" rIns="0" bIns="0" numCol="1" spcCol="1270" anchor="t" anchorCtr="0">
+          <a:noAutofit/>
+        </a:bodyPr>
+        <a:lstStyle/>
+        <a:p>
+          <a:pPr marL="0" lvl="0" indent="0" algn="ctr" defTabSz="577850">
+            <a:lnSpc>
+              <a:spcPct val="100000"/>
+            </a:lnSpc>
+            <a:spcBef>
+              <a:spcPct val="0"/>
+            </a:spcBef>
+            <a:spcAft>
+              <a:spcPct val="35000"/>
+            </a:spcAft>
+            <a:buNone/>
+          </a:pPr>
+          <a:r>
+            <a:rPr lang="en-US" sz="1300" kern="1200"/>
+            <a:t>Will</a:t>
+          </a:r>
+          <a:r>
+            <a:rPr lang="en-US" sz="1300" kern="1200" baseline="0"/>
+            <a:t> note the customer queries during a sales call.</a:t>
+          </a:r>
+          <a:endParaRPr lang="en-US" sz="1300" kern="1200"/>
+        </a:p>
+      </dsp:txBody>
+      <dsp:txXfrm>
+        <a:off x="3054110" y="2648083"/>
+        <a:ext cx="2394808" cy="720000"/>
+      </dsp:txXfrm>
+    </dsp:sp>
+    <dsp:sp modelId="{2FEB038A-BB30-4B6E-B088-B38DA83DEAC8}">
+      <dsp:nvSpPr>
+        <dsp:cNvPr id="0" name=""/>
+        <dsp:cNvSpPr/>
+      </dsp:nvSpPr>
+      <dsp:spPr>
+        <a:xfrm>
+          <a:off x="6526582" y="1253076"/>
+          <a:ext cx="1077663" cy="1077663"/>
+        </a:xfrm>
+        <a:prstGeom prst="rect">
+          <a:avLst/>
+        </a:prstGeom>
+        <a:blipFill>
+          <a:blip xmlns:r="http://schemas.openxmlformats.org/officeDocument/2006/relationships" r:embed="rId5">
+            <a:extLst>
+              <a:ext uri="{28A0092B-C50C-407E-A947-70E740481C1C}">
+                <a14:useLocalDpi xmlns:a14="http://schemas.microsoft.com/office/drawing/2010/main" val="0"/>
+              </a:ext>
+              <a:ext uri="{96DAC541-7B7A-43D3-8B79-37D633B846F1}">
+                <asvg:svgBlip xmlns:asvg="http://schemas.microsoft.com/office/drawing/2016/SVG/main" r:embed="rId6"/>
+              </a:ext>
+            </a:extLst>
+          </a:blip>
+          <a:stretch>
+            <a:fillRect/>
+          </a:stretch>
+        </a:blipFill>
+        <a:ln w="19050" cap="rnd" cmpd="sng" algn="ctr">
+          <a:solidFill>
+            <a:schemeClr val="lt1">
+              <a:hueOff val="0"/>
+              <a:satOff val="0"/>
+              <a:lumOff val="0"/>
+              <a:alphaOff val="0"/>
+            </a:schemeClr>
+          </a:solidFill>
+          <a:prstDash val="solid"/>
+        </a:ln>
+        <a:effectLst/>
+      </dsp:spPr>
+      <dsp:style>
+        <a:lnRef idx="2">
+          <a:scrgbClr r="0" g="0" b="0"/>
+        </a:lnRef>
+        <a:fillRef idx="1">
+          <a:scrgbClr r="0" g="0" b="0"/>
+        </a:fillRef>
+        <a:effectRef idx="0">
+          <a:scrgbClr r="0" g="0" b="0"/>
+        </a:effectRef>
+        <a:fontRef idx="minor">
+          <a:schemeClr val="lt1"/>
+        </a:fontRef>
+      </dsp:style>
+    </dsp:sp>
+    <dsp:sp modelId="{6615BA97-CAB2-4670-9407-336AD7C7DEB7}">
+      <dsp:nvSpPr>
+        <dsp:cNvPr id="0" name=""/>
+        <dsp:cNvSpPr/>
+      </dsp:nvSpPr>
+      <dsp:spPr>
+        <a:xfrm>
+          <a:off x="5868010" y="2648083"/>
+          <a:ext cx="2394808" cy="720000"/>
+        </a:xfrm>
+        <a:prstGeom prst="rect">
+          <a:avLst/>
+        </a:prstGeom>
+        <a:noFill/>
+        <a:ln>
+          <a:noFill/>
+        </a:ln>
+        <a:effectLst/>
+      </dsp:spPr>
+      <dsp:style>
+        <a:lnRef idx="0">
+          <a:scrgbClr r="0" g="0" b="0"/>
+        </a:lnRef>
+        <a:fillRef idx="0">
+          <a:scrgbClr r="0" g="0" b="0"/>
+        </a:fillRef>
+        <a:effectRef idx="0">
+          <a:scrgbClr r="0" g="0" b="0"/>
+        </a:effectRef>
+        <a:fontRef idx="minor"/>
+      </dsp:style>
+      <dsp:txBody>
+        <a:bodyPr spcFirstLastPara="0" vert="horz" wrap="square" lIns="0" tIns="0" rIns="0" bIns="0" numCol="1" spcCol="1270" anchor="t" anchorCtr="0">
+          <a:noAutofit/>
+        </a:bodyPr>
+        <a:lstStyle/>
+        <a:p>
+          <a:pPr marL="0" lvl="0" indent="0" algn="ctr" defTabSz="577850">
+            <a:lnSpc>
+              <a:spcPct val="100000"/>
+            </a:lnSpc>
+            <a:spcBef>
+              <a:spcPct val="0"/>
+            </a:spcBef>
+            <a:spcAft>
+              <a:spcPct val="35000"/>
+            </a:spcAft>
+            <a:buNone/>
+          </a:pPr>
+          <a:r>
+            <a:rPr lang="en-US" sz="1300" kern="1200"/>
+            <a:t>Analyze responses for similar questions that resulted in a sale in the CRM</a:t>
+          </a:r>
+        </a:p>
+      </dsp:txBody>
+      <dsp:txXfrm>
+        <a:off x="5868010" y="2648083"/>
+        <a:ext cx="2394808" cy="720000"/>
+      </dsp:txXfrm>
+    </dsp:sp>
+    <dsp:sp modelId="{D9D3D05E-DA92-438C-8C7A-E7B8BE679366}">
+      <dsp:nvSpPr>
+        <dsp:cNvPr id="0" name=""/>
+        <dsp:cNvSpPr/>
+      </dsp:nvSpPr>
+      <dsp:spPr>
+        <a:xfrm>
+          <a:off x="9340481" y="1253076"/>
+          <a:ext cx="1077663" cy="1077663"/>
+        </a:xfrm>
+        <a:prstGeom prst="rect">
+          <a:avLst/>
+        </a:prstGeom>
+        <a:blipFill>
+          <a:blip xmlns:r="http://schemas.openxmlformats.org/officeDocument/2006/relationships" r:embed="rId7">
+            <a:extLst>
+              <a:ext uri="{28A0092B-C50C-407E-A947-70E740481C1C}">
+                <a14:useLocalDpi xmlns:a14="http://schemas.microsoft.com/office/drawing/2010/main" val="0"/>
+              </a:ext>
+              <a:ext uri="{96DAC541-7B7A-43D3-8B79-37D633B846F1}">
+                <asvg:svgBlip xmlns:asvg="http://schemas.microsoft.com/office/drawing/2016/SVG/main" r:embed="rId8"/>
+              </a:ext>
+            </a:extLst>
+          </a:blip>
+          <a:stretch>
+            <a:fillRect/>
+          </a:stretch>
+        </a:blipFill>
+        <a:ln w="19050" cap="rnd" cmpd="sng" algn="ctr">
+          <a:solidFill>
+            <a:schemeClr val="lt1">
+              <a:hueOff val="0"/>
+              <a:satOff val="0"/>
+              <a:lumOff val="0"/>
+              <a:alphaOff val="0"/>
+            </a:schemeClr>
+          </a:solidFill>
+          <a:prstDash val="solid"/>
+        </a:ln>
+        <a:effectLst/>
+      </dsp:spPr>
+      <dsp:style>
+        <a:lnRef idx="2">
+          <a:scrgbClr r="0" g="0" b="0"/>
+        </a:lnRef>
+        <a:fillRef idx="1">
+          <a:scrgbClr r="0" g="0" b="0"/>
+        </a:fillRef>
+        <a:effectRef idx="0">
+          <a:scrgbClr r="0" g="0" b="0"/>
+        </a:effectRef>
+        <a:fontRef idx="minor">
+          <a:schemeClr val="lt1"/>
+        </a:fontRef>
+      </dsp:style>
+    </dsp:sp>
+    <dsp:sp modelId="{CD2ACC5C-94D3-49BF-9149-C0B932AF6BDA}">
+      <dsp:nvSpPr>
+        <dsp:cNvPr id="0" name=""/>
+        <dsp:cNvSpPr/>
+      </dsp:nvSpPr>
+      <dsp:spPr>
+        <a:xfrm>
+          <a:off x="8681909" y="2648083"/>
+          <a:ext cx="2394808" cy="720000"/>
+        </a:xfrm>
+        <a:prstGeom prst="rect">
+          <a:avLst/>
+        </a:prstGeom>
+        <a:noFill/>
+        <a:ln>
+          <a:noFill/>
+        </a:ln>
+        <a:effectLst/>
+      </dsp:spPr>
+      <dsp:style>
+        <a:lnRef idx="0">
+          <a:scrgbClr r="0" g="0" b="0"/>
+        </a:lnRef>
+        <a:fillRef idx="0">
+          <a:scrgbClr r="0" g="0" b="0"/>
+        </a:fillRef>
+        <a:effectRef idx="0">
+          <a:scrgbClr r="0" g="0" b="0"/>
+        </a:effectRef>
+        <a:fontRef idx="minor"/>
+      </dsp:style>
+      <dsp:txBody>
+        <a:bodyPr spcFirstLastPara="0" vert="horz" wrap="square" lIns="0" tIns="0" rIns="0" bIns="0" numCol="1" spcCol="1270" anchor="t" anchorCtr="0">
+          <a:noAutofit/>
+        </a:bodyPr>
+        <a:lstStyle/>
+        <a:p>
+          <a:pPr marL="0" lvl="0" indent="0" algn="ctr" defTabSz="577850">
+            <a:lnSpc>
+              <a:spcPct val="100000"/>
+            </a:lnSpc>
+            <a:spcBef>
+              <a:spcPct val="0"/>
+            </a:spcBef>
+            <a:spcAft>
+              <a:spcPct val="35000"/>
+            </a:spcAft>
+            <a:buNone/>
+          </a:pPr>
+          <a:r>
+            <a:rPr lang="en-US" sz="1300" kern="1200"/>
+            <a:t>Recommend the optimum response</a:t>
+          </a:r>
+        </a:p>
+      </dsp:txBody>
+      <dsp:txXfrm>
+        <a:off x="8681909" y="2648083"/>
+        <a:ext cx="2394808" cy="720000"/>
+      </dsp:txXfrm>
+    </dsp:sp>
+  </dsp:spTree>
+</dsp:drawing>
+</file>
+
+<file path=ppt/diagrams/drawing3.xml><?xml version="1.0" encoding="utf-8"?>
+<dsp:drawing xmlns:dgm="http://schemas.openxmlformats.org/drawingml/2006/diagram" xmlns:dsp="http://schemas.microsoft.com/office/drawing/2008/diagram" xmlns:a="http://schemas.openxmlformats.org/drawingml/2006/main">
+  <dsp:spTree>
+    <dsp:nvGrpSpPr>
+      <dsp:cNvPr id="0" name=""/>
+      <dsp:cNvGrpSpPr/>
+    </dsp:nvGrpSpPr>
+    <dsp:grpSpPr/>
+    <dsp:sp modelId="{39FF329C-CBE0-45CF-BE32-2B0D5BBB8B98}">
+      <dsp:nvSpPr>
+        <dsp:cNvPr id="0" name=""/>
+        <dsp:cNvSpPr/>
+      </dsp:nvSpPr>
+      <dsp:spPr>
+        <a:xfrm>
+          <a:off x="302957" y="1533"/>
+          <a:ext cx="2385272" cy="1431163"/>
+        </a:xfrm>
+        <a:prstGeom prst="rect">
+          <a:avLst/>
+        </a:prstGeom>
+        <a:solidFill>
+          <a:schemeClr val="accent2">
+            <a:hueOff val="0"/>
+            <a:satOff val="0"/>
+            <a:lumOff val="0"/>
+            <a:alphaOff val="0"/>
+          </a:schemeClr>
+        </a:solidFill>
+        <a:ln w="19050" cap="rnd" cmpd="sng" algn="ctr">
+          <a:solidFill>
+            <a:schemeClr val="lt1">
+              <a:hueOff val="0"/>
+              <a:satOff val="0"/>
+              <a:lumOff val="0"/>
+              <a:alphaOff val="0"/>
+            </a:schemeClr>
+          </a:solidFill>
+          <a:prstDash val="solid"/>
+        </a:ln>
+        <a:effectLst/>
+      </dsp:spPr>
+      <dsp:style>
+        <a:lnRef idx="2">
+          <a:scrgbClr r="0" g="0" b="0"/>
+        </a:lnRef>
+        <a:fillRef idx="1">
+          <a:scrgbClr r="0" g="0" b="0"/>
+        </a:fillRef>
+        <a:effectRef idx="0">
+          <a:scrgbClr r="0" g="0" b="0"/>
+        </a:effectRef>
+        <a:fontRef idx="minor">
+          <a:schemeClr val="lt1"/>
+        </a:fontRef>
+      </dsp:style>
+      <dsp:txBody>
+        <a:bodyPr spcFirstLastPara="0" vert="horz" wrap="square" lIns="72390" tIns="72390" rIns="72390" bIns="72390" numCol="1" spcCol="1270" anchor="ctr" anchorCtr="0">
+          <a:noAutofit/>
+        </a:bodyPr>
+        <a:lstStyle/>
+        <a:p>
+          <a:pPr marL="0" lvl="0" indent="0" algn="ctr" defTabSz="844550">
+            <a:lnSpc>
+              <a:spcPct val="90000"/>
+            </a:lnSpc>
+            <a:spcBef>
+              <a:spcPct val="0"/>
+            </a:spcBef>
+            <a:spcAft>
+              <a:spcPct val="35000"/>
+            </a:spcAft>
+            <a:buNone/>
+          </a:pPr>
+          <a:r>
+            <a:rPr lang="en-US" sz="1900" kern="1200" dirty="0"/>
+            <a:t>Ensuring that the recommendations are grammatically correct</a:t>
+          </a:r>
+        </a:p>
+      </dsp:txBody>
+      <dsp:txXfrm>
+        <a:off x="302957" y="1533"/>
+        <a:ext cx="2385272" cy="1431163"/>
+      </dsp:txXfrm>
+    </dsp:sp>
+    <dsp:sp modelId="{2EACAF7B-E9A2-4BD5-9D3E-44766C9B451E}">
+      <dsp:nvSpPr>
+        <dsp:cNvPr id="0" name=""/>
+        <dsp:cNvSpPr/>
+      </dsp:nvSpPr>
+      <dsp:spPr>
+        <a:xfrm>
+          <a:off x="2926757" y="1533"/>
+          <a:ext cx="2385272" cy="1431163"/>
+        </a:xfrm>
+        <a:prstGeom prst="rect">
+          <a:avLst/>
+        </a:prstGeom>
+        <a:solidFill>
+          <a:schemeClr val="accent3">
+            <a:hueOff val="0"/>
+            <a:satOff val="0"/>
+            <a:lumOff val="0"/>
+            <a:alphaOff val="0"/>
+          </a:schemeClr>
+        </a:solidFill>
+        <a:ln w="19050" cap="rnd" cmpd="sng" algn="ctr">
+          <a:solidFill>
+            <a:schemeClr val="lt1">
+              <a:hueOff val="0"/>
+              <a:satOff val="0"/>
+              <a:lumOff val="0"/>
+              <a:alphaOff val="0"/>
+            </a:schemeClr>
+          </a:solidFill>
+          <a:prstDash val="solid"/>
+        </a:ln>
+        <a:effectLst/>
+      </dsp:spPr>
+      <dsp:style>
+        <a:lnRef idx="2">
+          <a:scrgbClr r="0" g="0" b="0"/>
+        </a:lnRef>
+        <a:fillRef idx="1">
+          <a:scrgbClr r="0" g="0" b="0"/>
+        </a:fillRef>
+        <a:effectRef idx="0">
+          <a:scrgbClr r="0" g="0" b="0"/>
+        </a:effectRef>
+        <a:fontRef idx="minor">
+          <a:schemeClr val="lt1"/>
+        </a:fontRef>
+      </dsp:style>
+      <dsp:txBody>
+        <a:bodyPr spcFirstLastPara="0" vert="horz" wrap="square" lIns="72390" tIns="72390" rIns="72390" bIns="72390" numCol="1" spcCol="1270" anchor="ctr" anchorCtr="0">
+          <a:noAutofit/>
+        </a:bodyPr>
+        <a:lstStyle/>
+        <a:p>
+          <a:pPr marL="0" lvl="0" indent="0" algn="ctr" defTabSz="844550">
+            <a:lnSpc>
+              <a:spcPct val="90000"/>
+            </a:lnSpc>
+            <a:spcBef>
+              <a:spcPct val="0"/>
+            </a:spcBef>
+            <a:spcAft>
+              <a:spcPct val="35000"/>
+            </a:spcAft>
+            <a:buNone/>
+          </a:pPr>
+          <a:r>
+            <a:rPr lang="en-US" sz="1900" kern="1200" dirty="0"/>
+            <a:t>Leveraging vector databases to enhance retrieval efficiency</a:t>
+          </a:r>
+        </a:p>
+      </dsp:txBody>
+      <dsp:txXfrm>
+        <a:off x="2926757" y="1533"/>
+        <a:ext cx="2385272" cy="1431163"/>
+      </dsp:txXfrm>
+    </dsp:sp>
+    <dsp:sp modelId="{38E6D6B1-C28D-4657-96C8-0955CBA4E4DE}">
+      <dsp:nvSpPr>
+        <dsp:cNvPr id="0" name=""/>
+        <dsp:cNvSpPr/>
+      </dsp:nvSpPr>
+      <dsp:spPr>
+        <a:xfrm>
+          <a:off x="302957" y="1671224"/>
+          <a:ext cx="2385272" cy="1431163"/>
+        </a:xfrm>
+        <a:prstGeom prst="rect">
+          <a:avLst/>
+        </a:prstGeom>
+        <a:solidFill>
+          <a:schemeClr val="accent4">
+            <a:hueOff val="0"/>
+            <a:satOff val="0"/>
+            <a:lumOff val="0"/>
+            <a:alphaOff val="0"/>
+          </a:schemeClr>
+        </a:solidFill>
+        <a:ln w="19050" cap="rnd" cmpd="sng" algn="ctr">
+          <a:solidFill>
+            <a:schemeClr val="lt1">
+              <a:hueOff val="0"/>
+              <a:satOff val="0"/>
+              <a:lumOff val="0"/>
+              <a:alphaOff val="0"/>
+            </a:schemeClr>
+          </a:solidFill>
+          <a:prstDash val="solid"/>
+        </a:ln>
+        <a:effectLst/>
+      </dsp:spPr>
+      <dsp:style>
+        <a:lnRef idx="2">
+          <a:scrgbClr r="0" g="0" b="0"/>
+        </a:lnRef>
+        <a:fillRef idx="1">
+          <a:scrgbClr r="0" g="0" b="0"/>
+        </a:fillRef>
+        <a:effectRef idx="0">
+          <a:scrgbClr r="0" g="0" b="0"/>
+        </a:effectRef>
+        <a:fontRef idx="minor">
+          <a:schemeClr val="lt1"/>
+        </a:fontRef>
+      </dsp:style>
+      <dsp:txBody>
+        <a:bodyPr spcFirstLastPara="0" vert="horz" wrap="square" lIns="72390" tIns="72390" rIns="72390" bIns="72390" numCol="1" spcCol="1270" anchor="ctr" anchorCtr="0">
+          <a:noAutofit/>
+        </a:bodyPr>
+        <a:lstStyle/>
+        <a:p>
+          <a:pPr marL="0" lvl="0" indent="0" algn="ctr" defTabSz="844550">
+            <a:lnSpc>
+              <a:spcPct val="90000"/>
+            </a:lnSpc>
+            <a:spcBef>
+              <a:spcPct val="0"/>
+            </a:spcBef>
+            <a:spcAft>
+              <a:spcPct val="35000"/>
+            </a:spcAft>
+            <a:buNone/>
+          </a:pPr>
+          <a:r>
+            <a:rPr lang="en-US" sz="1900" kern="1200" dirty="0"/>
+            <a:t>User Interface for ease of access</a:t>
+          </a:r>
+        </a:p>
+      </dsp:txBody>
+      <dsp:txXfrm>
+        <a:off x="302957" y="1671224"/>
+        <a:ext cx="2385272" cy="1431163"/>
+      </dsp:txXfrm>
+    </dsp:sp>
+    <dsp:sp modelId="{91A1C270-E8BC-4281-8562-AB054051BDAB}">
+      <dsp:nvSpPr>
+        <dsp:cNvPr id="0" name=""/>
+        <dsp:cNvSpPr/>
+      </dsp:nvSpPr>
+      <dsp:spPr>
+        <a:xfrm>
+          <a:off x="2926757" y="1671224"/>
+          <a:ext cx="2385272" cy="1431163"/>
+        </a:xfrm>
+        <a:prstGeom prst="rect">
+          <a:avLst/>
+        </a:prstGeom>
+        <a:solidFill>
+          <a:schemeClr val="accent5">
+            <a:hueOff val="0"/>
+            <a:satOff val="0"/>
+            <a:lumOff val="0"/>
+            <a:alphaOff val="0"/>
+          </a:schemeClr>
+        </a:solidFill>
+        <a:ln w="19050" cap="rnd" cmpd="sng" algn="ctr">
+          <a:solidFill>
+            <a:schemeClr val="lt1">
+              <a:hueOff val="0"/>
+              <a:satOff val="0"/>
+              <a:lumOff val="0"/>
+              <a:alphaOff val="0"/>
+            </a:schemeClr>
+          </a:solidFill>
+          <a:prstDash val="solid"/>
+        </a:ln>
+        <a:effectLst/>
+      </dsp:spPr>
+      <dsp:style>
+        <a:lnRef idx="2">
+          <a:scrgbClr r="0" g="0" b="0"/>
+        </a:lnRef>
+        <a:fillRef idx="1">
+          <a:scrgbClr r="0" g="0" b="0"/>
+        </a:fillRef>
+        <a:effectRef idx="0">
+          <a:scrgbClr r="0" g="0" b="0"/>
+        </a:effectRef>
+        <a:fontRef idx="minor">
+          <a:schemeClr val="lt1"/>
+        </a:fontRef>
+      </dsp:style>
+      <dsp:txBody>
+        <a:bodyPr spcFirstLastPara="0" vert="horz" wrap="square" lIns="72390" tIns="72390" rIns="72390" bIns="72390" numCol="1" spcCol="1270" anchor="ctr" anchorCtr="0">
+          <a:noAutofit/>
+        </a:bodyPr>
+        <a:lstStyle/>
+        <a:p>
+          <a:pPr marL="0" lvl="0" indent="0" algn="ctr" defTabSz="844550">
+            <a:lnSpc>
+              <a:spcPct val="90000"/>
+            </a:lnSpc>
+            <a:spcBef>
+              <a:spcPct val="0"/>
+            </a:spcBef>
+            <a:spcAft>
+              <a:spcPct val="35000"/>
+            </a:spcAft>
+            <a:buNone/>
+          </a:pPr>
+          <a:r>
+            <a:rPr lang="en-US" sz="1900" kern="1200"/>
+            <a:t>Research sales interaction datasets</a:t>
+          </a:r>
+          <a:endParaRPr lang="en-US" sz="1900" kern="1200" dirty="0"/>
+        </a:p>
+      </dsp:txBody>
+      <dsp:txXfrm>
+        <a:off x="2926757" y="1671224"/>
+        <a:ext cx="2385272" cy="1431163"/>
+      </dsp:txXfrm>
+    </dsp:sp>
+    <dsp:sp modelId="{F455849B-3BF6-4752-8D62-F32DA8816A78}">
+      <dsp:nvSpPr>
+        <dsp:cNvPr id="0" name=""/>
+        <dsp:cNvSpPr/>
+      </dsp:nvSpPr>
+      <dsp:spPr>
+        <a:xfrm>
+          <a:off x="302957" y="3340915"/>
+          <a:ext cx="2385272" cy="1431163"/>
+        </a:xfrm>
+        <a:prstGeom prst="rect">
+          <a:avLst/>
+        </a:prstGeom>
+        <a:solidFill>
+          <a:schemeClr val="accent6">
+            <a:hueOff val="0"/>
+            <a:satOff val="0"/>
+            <a:lumOff val="0"/>
+            <a:alphaOff val="0"/>
+          </a:schemeClr>
+        </a:solidFill>
+        <a:ln w="19050" cap="rnd" cmpd="sng" algn="ctr">
+          <a:solidFill>
+            <a:schemeClr val="lt1">
+              <a:hueOff val="0"/>
+              <a:satOff val="0"/>
+              <a:lumOff val="0"/>
+              <a:alphaOff val="0"/>
+            </a:schemeClr>
+          </a:solidFill>
+          <a:prstDash val="solid"/>
+        </a:ln>
+        <a:effectLst/>
+      </dsp:spPr>
+      <dsp:style>
+        <a:lnRef idx="2">
+          <a:scrgbClr r="0" g="0" b="0"/>
+        </a:lnRef>
+        <a:fillRef idx="1">
+          <a:scrgbClr r="0" g="0" b="0"/>
+        </a:fillRef>
+        <a:effectRef idx="0">
+          <a:scrgbClr r="0" g="0" b="0"/>
+        </a:effectRef>
+        <a:fontRef idx="minor">
+          <a:schemeClr val="lt1"/>
+        </a:fontRef>
+      </dsp:style>
+      <dsp:txBody>
+        <a:bodyPr spcFirstLastPara="0" vert="horz" wrap="square" lIns="72390" tIns="72390" rIns="72390" bIns="72390" numCol="1" spcCol="1270" anchor="ctr" anchorCtr="0">
+          <a:noAutofit/>
+        </a:bodyPr>
+        <a:lstStyle/>
+        <a:p>
+          <a:pPr marL="0" lvl="0" indent="0" algn="ctr" defTabSz="844550">
+            <a:lnSpc>
+              <a:spcPct val="90000"/>
+            </a:lnSpc>
+            <a:spcBef>
+              <a:spcPct val="0"/>
+            </a:spcBef>
+            <a:spcAft>
+              <a:spcPct val="35000"/>
+            </a:spcAft>
+            <a:buNone/>
+          </a:pPr>
+          <a:r>
+            <a:rPr lang="en-US" sz="1900" kern="1200" dirty="0"/>
+            <a:t>Build a custom model based on said dataset</a:t>
+          </a:r>
+        </a:p>
+      </dsp:txBody>
+      <dsp:txXfrm>
+        <a:off x="302957" y="3340915"/>
+        <a:ext cx="2385272" cy="1431163"/>
+      </dsp:txXfrm>
+    </dsp:sp>
+    <dsp:sp modelId="{7733793D-E932-4D3F-970F-F4C52F0F5173}">
+      <dsp:nvSpPr>
+        <dsp:cNvPr id="0" name=""/>
+        <dsp:cNvSpPr/>
+      </dsp:nvSpPr>
+      <dsp:spPr>
+        <a:xfrm>
+          <a:off x="2926757" y="3340915"/>
+          <a:ext cx="2385272" cy="1431163"/>
+        </a:xfrm>
+        <a:prstGeom prst="rect">
+          <a:avLst/>
+        </a:prstGeom>
+        <a:solidFill>
+          <a:schemeClr val="accent2">
+            <a:hueOff val="0"/>
+            <a:satOff val="0"/>
+            <a:lumOff val="0"/>
+            <a:alphaOff val="0"/>
+          </a:schemeClr>
+        </a:solidFill>
+        <a:ln w="19050" cap="rnd" cmpd="sng" algn="ctr">
+          <a:solidFill>
+            <a:schemeClr val="lt1">
+              <a:hueOff val="0"/>
+              <a:satOff val="0"/>
+              <a:lumOff val="0"/>
+              <a:alphaOff val="0"/>
+            </a:schemeClr>
+          </a:solidFill>
+          <a:prstDash val="solid"/>
+        </a:ln>
+        <a:effectLst/>
+      </dsp:spPr>
+      <dsp:style>
+        <a:lnRef idx="2">
+          <a:scrgbClr r="0" g="0" b="0"/>
+        </a:lnRef>
+        <a:fillRef idx="1">
+          <a:scrgbClr r="0" g="0" b="0"/>
+        </a:fillRef>
+        <a:effectRef idx="0">
+          <a:scrgbClr r="0" g="0" b="0"/>
+        </a:effectRef>
+        <a:fontRef idx="minor">
+          <a:schemeClr val="lt1"/>
+        </a:fontRef>
+      </dsp:style>
+      <dsp:txBody>
+        <a:bodyPr spcFirstLastPara="0" vert="horz" wrap="square" lIns="72390" tIns="72390" rIns="72390" bIns="72390" numCol="1" spcCol="1270" anchor="ctr" anchorCtr="0">
+          <a:noAutofit/>
+        </a:bodyPr>
+        <a:lstStyle/>
+        <a:p>
+          <a:pPr marL="0" lvl="0" indent="0" algn="ctr" defTabSz="844550">
+            <a:lnSpc>
+              <a:spcPct val="90000"/>
+            </a:lnSpc>
+            <a:spcBef>
+              <a:spcPct val="0"/>
+            </a:spcBef>
+            <a:spcAft>
+              <a:spcPct val="35000"/>
+            </a:spcAft>
+            <a:buNone/>
+          </a:pPr>
+          <a:r>
+            <a:rPr lang="en-US" sz="1900" kern="1200"/>
+            <a:t>Speech to Text integration</a:t>
+          </a:r>
+          <a:endParaRPr lang="en-US" sz="1900" kern="1200" dirty="0"/>
+        </a:p>
+      </dsp:txBody>
+      <dsp:txXfrm>
+        <a:off x="2926757" y="3340915"/>
+        <a:ext cx="2385272" cy="1431163"/>
+      </dsp:txXfrm>
+    </dsp:sp>
+  </dsp:spTree>
+</dsp:drawing>
+</file>
+
 <file path=ppt/diagrams/layout1.xml><?xml version="1.0" encoding="utf-8"?>
 <dgm:layoutDef xmlns:dgm="http://schemas.openxmlformats.org/drawingml/2006/diagram" xmlns:a="http://schemas.openxmlformats.org/drawingml/2006/main" uniqueId="urn:microsoft.com/office/officeart/2008/layout/CaptionedPictures">
   <dgm:title val=""/>
@@ -2014,7 +5399,2412 @@
 </dgm:layoutDef>
 </file>
 
+<file path=ppt/diagrams/layout2.xml><?xml version="1.0" encoding="utf-8"?>
+<dgm:layoutDef xmlns:dgm="http://schemas.openxmlformats.org/drawingml/2006/diagram" xmlns:a="http://schemas.openxmlformats.org/drawingml/2006/main" uniqueId="urn:microsoft.com/office/officeart/2018/2/layout/IconLabelList">
+  <dgm:title val="Icon Label List"/>
+  <dgm:desc val="Use to show non-sequential or grouped chunks of information accompanied by a related visuals. Works best with icons or small pictures with short text captions."/>
+  <dgm:catLst>
+    <dgm:cat type="icon" pri="500"/>
+  </dgm:catLst>
+  <dgm:sampData useDef="1">
+    <dgm:dataModel>
+      <dgm:ptLst/>
+      <dgm:bg/>
+      <dgm:whole/>
+    </dgm:dataModel>
+  </dgm:sampData>
+  <dgm:styleData useDef="1">
+    <dgm:dataModel>
+      <dgm:ptLst/>
+      <dgm:bg/>
+      <dgm:whole/>
+    </dgm:dataModel>
+  </dgm:styleData>
+  <dgm:clrData useDef="1">
+    <dgm:dataModel>
+      <dgm:ptLst/>
+      <dgm:bg/>
+      <dgm:whole/>
+    </dgm:dataModel>
+  </dgm:clrData>
+  <dgm:layoutNode name="root">
+    <dgm:varLst>
+      <dgm:dir/>
+      <dgm:resizeHandles val="exact"/>
+    </dgm:varLst>
+    <dgm:choose name="Name0">
+      <dgm:if name="Name1" axis="self" func="var" arg="dir" op="equ" val="norm">
+        <dgm:alg type="snake">
+          <dgm:param type="grDir" val="tL"/>
+          <dgm:param type="flowDir" val="row"/>
+          <dgm:param type="contDir" val="sameDir"/>
+          <dgm:param type="off" val="ctr"/>
+          <dgm:param type="vertAlign" val="mid"/>
+          <dgm:param type="horzAlign" val="ctr"/>
+        </dgm:alg>
+      </dgm:if>
+      <dgm:else name="Name2">
+        <dgm:alg type="snake">
+          <dgm:param type="grDir" val="tR"/>
+          <dgm:param type="flowDir" val="row"/>
+          <dgm:param type="contDir" val="sameDir"/>
+          <dgm:param type="off" val="ctr"/>
+          <dgm:param type="vertAlign" val="mid"/>
+          <dgm:param type="horzAlign" val="ctr"/>
+        </dgm:alg>
+      </dgm:else>
+    </dgm:choose>
+    <dgm:shape xmlns:r="http://schemas.openxmlformats.org/officeDocument/2006/relationships" r:blip="">
+      <dgm:adjLst/>
+    </dgm:shape>
+    <dgm:presOf/>
+    <dgm:choose name="Name3">
+      <dgm:if name="Name4" axis="ch" ptType="node" func="cnt" op="lte" val="2">
+        <dgm:constrLst>
+          <dgm:constr type="h" for="ch" forName="compNode" refType="h" fact="0.4"/>
+          <dgm:constr type="w" for="ch" forName="compNode" val="120"/>
+          <dgm:constr type="w" for="ch" forName="sibTrans" refType="w" refFor="ch" refForName="compNode" fact="0.175"/>
+          <dgm:constr type="sp" refType="w" refFor="ch" refForName="compNode" op="equ" fact="0.25"/>
+          <dgm:constr type="primFontSz" for="des" ptType="node" op="equ" val="50"/>
+          <dgm:constr type="h" for="des" forName="compNode" op="equ"/>
+          <dgm:constr type="h" for="des" forName="textRect" op="equ"/>
+        </dgm:constrLst>
+      </dgm:if>
+      <dgm:if name="Name5" axis="ch" ptType="node" func="cnt" op="lte" val="4">
+        <dgm:constrLst>
+          <dgm:constr type="h" for="ch" forName="compNode" refType="h" fact="0.4"/>
+          <dgm:constr type="w" for="ch" forName="compNode" refType="w"/>
+          <dgm:constr type="w" for="ch" forName="sibTrans" refType="w" refFor="ch" refForName="compNode" fact="0.175"/>
+          <dgm:constr type="sp" refType="w" refFor="ch" refForName="compNode" op="equ" fact="0.25"/>
+          <dgm:constr type="primFontSz" for="des" ptType="node" op="equ" val="36"/>
+          <dgm:constr type="h" for="des" forName="compNode" op="equ"/>
+          <dgm:constr type="h" for="des" forName="textRect" op="equ"/>
+        </dgm:constrLst>
+      </dgm:if>
+      <dgm:else name="Name6">
+        <dgm:constrLst>
+          <dgm:constr type="h" for="ch" forName="compNode" refType="h" fact="0.4"/>
+          <dgm:constr type="w" for="ch" forName="compNode" refType="w"/>
+          <dgm:constr type="w" for="ch" forName="sibTrans" refType="w" refFor="ch" refForName="compNode" fact="0.175"/>
+          <dgm:constr type="sp" refType="w" refFor="ch" refForName="compNode" op="equ" fact="0.25"/>
+          <dgm:constr type="primFontSz" for="des" ptType="node" op="equ" val="24"/>
+          <dgm:constr type="h" for="des" forName="compNode" op="equ"/>
+          <dgm:constr type="h" for="des" forName="textRect" op="equ"/>
+        </dgm:constrLst>
+      </dgm:else>
+    </dgm:choose>
+    <dgm:ruleLst>
+      <dgm:rule type="w" for="ch" forName="compNode" val="50" fact="NaN" max="NaN"/>
+    </dgm:ruleLst>
+    <dgm:forEach name="Name7" axis="ch" ptType="node">
+      <dgm:layoutNode name="compNode">
+        <dgm:alg type="composite"/>
+        <dgm:shape xmlns:r="http://schemas.openxmlformats.org/officeDocument/2006/relationships" r:blip="">
+          <dgm:adjLst/>
+        </dgm:shape>
+        <dgm:presOf axis="self"/>
+        <dgm:constrLst>
+          <dgm:constr type="w" for="ch" forName="iconRect" refType="w" fact="0.45"/>
+          <dgm:constr type="h" for="ch" forName="iconRect" refType="w" refFor="ch" refForName="iconRect"/>
+          <dgm:constr type="ctrX" for="ch" forName="iconRect" refType="w" fact="0.5"/>
+          <dgm:constr type="t" for="ch" forName="iconRect"/>
+          <dgm:constr type="h" for="ch" forName="spaceRect" refType="h" fact="0.15"/>
+          <dgm:constr type="w" for="ch" forName="spaceRect" refType="w"/>
+          <dgm:constr type="l" for="ch" forName="spaceRect"/>
+          <dgm:constr type="t" for="ch" forName="spaceRect" refType="b" refFor="ch" refForName="iconRect"/>
+          <dgm:constr type="h" for="ch" forName="textRect" val="20"/>
+          <dgm:constr type="w" for="ch" forName="textRect" refType="w"/>
+          <dgm:constr type="l" for="ch" forName="textRect"/>
+          <dgm:constr type="t" for="ch" forName="textRect" refType="b" refFor="ch" refForName="spaceRect"/>
+        </dgm:constrLst>
+        <dgm:ruleLst>
+          <dgm:rule type="h" val="INF" fact="NaN" max="NaN"/>
+        </dgm:ruleLst>
+        <dgm:layoutNode name="iconRect" styleLbl="node1">
+          <dgm:alg type="sp"/>
+          <dgm:shape xmlns:r="http://schemas.openxmlformats.org/officeDocument/2006/relationships" type="rect" r:blip="" blipPhldr="1">
+            <dgm:adjLst/>
+          </dgm:shape>
+          <dgm:presOf/>
+          <dgm:constrLst/>
+          <dgm:ruleLst/>
+        </dgm:layoutNode>
+        <dgm:layoutNode name="spaceRect">
+          <dgm:alg type="sp"/>
+          <dgm:shape xmlns:r="http://schemas.openxmlformats.org/officeDocument/2006/relationships" r:blip="">
+            <dgm:adjLst/>
+          </dgm:shape>
+          <dgm:presOf/>
+          <dgm:constrLst/>
+          <dgm:ruleLst/>
+        </dgm:layoutNode>
+        <dgm:layoutNode name="textRect" styleLbl="revTx">
+          <dgm:varLst>
+            <dgm:chMax val="1"/>
+            <dgm:chPref val="1"/>
+          </dgm:varLst>
+          <dgm:alg type="tx">
+            <dgm:param type="txAnchorVert" val="t"/>
+          </dgm:alg>
+          <dgm:shape xmlns:r="http://schemas.openxmlformats.org/officeDocument/2006/relationships" type="rect" r:blip="">
+            <dgm:adjLst/>
+          </dgm:shape>
+          <dgm:presOf axis="self" ptType="node"/>
+          <dgm:constrLst>
+            <dgm:constr type="lMarg"/>
+            <dgm:constr type="rMarg"/>
+            <dgm:constr type="tMarg"/>
+            <dgm:constr type="bMarg"/>
+          </dgm:constrLst>
+          <dgm:ruleLst>
+            <dgm:rule type="primFontSz" val="11" fact="NaN" max="NaN"/>
+            <dgm:rule type="h" val="INF" fact="NaN" max="NaN"/>
+          </dgm:ruleLst>
+        </dgm:layoutNode>
+      </dgm:layoutNode>
+      <dgm:forEach name="Name8" axis="followSib" ptType="sibTrans" cnt="1">
+        <dgm:layoutNode name="sibTrans">
+          <dgm:alg type="sp"/>
+          <dgm:shape xmlns:r="http://schemas.openxmlformats.org/officeDocument/2006/relationships" r:blip="">
+            <dgm:adjLst/>
+          </dgm:shape>
+          <dgm:presOf axis="self"/>
+          <dgm:constrLst/>
+          <dgm:ruleLst/>
+        </dgm:layoutNode>
+      </dgm:forEach>
+    </dgm:forEach>
+  </dgm:layoutNode>
+  <dgm:extLst>
+    <a:ext uri="{68A01E43-0DF5-4B5B-8FA6-DAF915123BFB}">
+      <dgm1612:lstStyle xmlns:dgm1612="http://schemas.microsoft.com/office/drawing/2016/12/diagram">
+        <a:lvl1pPr>
+          <a:lnSpc>
+            <a:spcPct val="100000"/>
+          </a:lnSpc>
+        </a:lvl1pPr>
+      </dgm1612:lstStyle>
+    </a:ext>
+  </dgm:extLst>
+</dgm:layoutDef>
+</file>
+
+<file path=ppt/diagrams/layout3.xml><?xml version="1.0" encoding="utf-8"?>
+<dgm:layoutDef xmlns:dgm="http://schemas.openxmlformats.org/drawingml/2006/diagram" xmlns:a="http://schemas.openxmlformats.org/drawingml/2006/main" uniqueId="urn:microsoft.com/office/officeart/2005/8/layout/default">
+  <dgm:title val=""/>
+  <dgm:desc val=""/>
+  <dgm:catLst>
+    <dgm:cat type="list" pri="400"/>
+  </dgm:catLst>
+  <dgm:sampData>
+    <dgm:dataModel>
+      <dgm:ptLst>
+        <dgm:pt modelId="0" type="doc"/>
+        <dgm:pt modelId="1">
+          <dgm:prSet phldr="1"/>
+        </dgm:pt>
+        <dgm:pt modelId="2">
+          <dgm:prSet phldr="1"/>
+        </dgm:pt>
+        <dgm:pt modelId="3">
+          <dgm:prSet phldr="1"/>
+        </dgm:pt>
+        <dgm:pt modelId="4">
+          <dgm:prSet phldr="1"/>
+        </dgm:pt>
+        <dgm:pt modelId="5">
+          <dgm:prSet phldr="1"/>
+        </dgm:pt>
+      </dgm:ptLst>
+      <dgm:cxnLst>
+        <dgm:cxn modelId="6" srcId="0" destId="1" srcOrd="0" destOrd="0"/>
+        <dgm:cxn modelId="7" srcId="0" destId="2" srcOrd="1" destOrd="0"/>
+        <dgm:cxn modelId="8" srcId="0" destId="3" srcOrd="2" destOrd="0"/>
+        <dgm:cxn modelId="9" srcId="0" destId="4" srcOrd="3" destOrd="0"/>
+        <dgm:cxn modelId="10" srcId="0" destId="5" srcOrd="4" destOrd="0"/>
+      </dgm:cxnLst>
+      <dgm:bg/>
+      <dgm:whole/>
+    </dgm:dataModel>
+  </dgm:sampData>
+  <dgm:styleData>
+    <dgm:dataModel>
+      <dgm:ptLst>
+        <dgm:pt modelId="0" type="doc"/>
+        <dgm:pt modelId="1"/>
+        <dgm:pt modelId="2"/>
+      </dgm:ptLst>
+      <dgm:cxnLst>
+        <dgm:cxn modelId="3" srcId="0" destId="1" srcOrd="0" destOrd="0"/>
+        <dgm:cxn modelId="4" srcId="0" destId="2" srcOrd="1" destOrd="0"/>
+      </dgm:cxnLst>
+      <dgm:bg/>
+      <dgm:whole/>
+    </dgm:dataModel>
+  </dgm:styleData>
+  <dgm:clrData>
+    <dgm:dataModel>
+      <dgm:ptLst>
+        <dgm:pt modelId="0" type="doc"/>
+        <dgm:pt modelId="1"/>
+        <dgm:pt modelId="2"/>
+        <dgm:pt modelId="3"/>
+        <dgm:pt modelId="4"/>
+        <dgm:pt modelId="5"/>
+        <dgm:pt modelId="6"/>
+      </dgm:ptLst>
+      <dgm:cxnLst>
+        <dgm:cxn modelId="7" srcId="0" destId="1" srcOrd="0" destOrd="0"/>
+        <dgm:cxn modelId="8" srcId="0" destId="2" srcOrd="1" destOrd="0"/>
+        <dgm:cxn modelId="9" srcId="0" destId="3" srcOrd="2" destOrd="0"/>
+        <dgm:cxn modelId="10" srcId="0" destId="4" srcOrd="3" destOrd="0"/>
+        <dgm:cxn modelId="11" srcId="0" destId="5" srcOrd="4" destOrd="0"/>
+        <dgm:cxn modelId="12" srcId="0" destId="6" srcOrd="5" destOrd="0"/>
+      </dgm:cxnLst>
+      <dgm:bg/>
+      <dgm:whole/>
+    </dgm:dataModel>
+  </dgm:clrData>
+  <dgm:layoutNode name="diagram">
+    <dgm:varLst>
+      <dgm:dir/>
+      <dgm:resizeHandles val="exact"/>
+    </dgm:varLst>
+    <dgm:choose name="Name0">
+      <dgm:if name="Name1" func="var" arg="dir" op="equ" val="norm">
+        <dgm:alg type="snake">
+          <dgm:param type="grDir" val="tL"/>
+          <dgm:param type="flowDir" val="row"/>
+          <dgm:param type="contDir" val="sameDir"/>
+          <dgm:param type="off" val="ctr"/>
+        </dgm:alg>
+      </dgm:if>
+      <dgm:else name="Name2">
+        <dgm:alg type="snake">
+          <dgm:param type="grDir" val="tR"/>
+          <dgm:param type="flowDir" val="row"/>
+          <dgm:param type="contDir" val="sameDir"/>
+          <dgm:param type="off" val="ctr"/>
+        </dgm:alg>
+      </dgm:else>
+    </dgm:choose>
+    <dgm:shape xmlns:r="http://schemas.openxmlformats.org/officeDocument/2006/relationships" r:blip="">
+      <dgm:adjLst/>
+    </dgm:shape>
+    <dgm:presOf/>
+    <dgm:constrLst>
+      <dgm:constr type="w" for="ch" forName="node" refType="w"/>
+      <dgm:constr type="h" for="ch" forName="node" refType="w" refFor="ch" refForName="node" fact="0.6"/>
+      <dgm:constr type="w" for="ch" forName="sibTrans" refType="w" refFor="ch" refForName="node" fact="0.1"/>
+      <dgm:constr type="sp" refType="w" refFor="ch" refForName="sibTrans"/>
+      <dgm:constr type="primFontSz" for="ch" forName="node" op="equ" val="65"/>
+    </dgm:constrLst>
+    <dgm:ruleLst/>
+    <dgm:forEach name="Name3" axis="ch" ptType="node">
+      <dgm:layoutNode name="node">
+        <dgm:varLst>
+          <dgm:bulletEnabled val="1"/>
+        </dgm:varLst>
+        <dgm:alg type="tx"/>
+        <dgm:shape xmlns:r="http://schemas.openxmlformats.org/officeDocument/2006/relationships" type="rect" r:blip="">
+          <dgm:adjLst/>
+        </dgm:shape>
+        <dgm:presOf axis="desOrSelf" ptType="node"/>
+        <dgm:constrLst>
+          <dgm:constr type="lMarg" refType="primFontSz" fact="0.3"/>
+          <dgm:constr type="rMarg" refType="primFontSz" fact="0.3"/>
+          <dgm:constr type="tMarg" refType="primFontSz" fact="0.3"/>
+          <dgm:constr type="bMarg" refType="primFontSz" fact="0.3"/>
+        </dgm:constrLst>
+        <dgm:ruleLst>
+          <dgm:rule type="primFontSz" val="5" fact="NaN" max="NaN"/>
+        </dgm:ruleLst>
+      </dgm:layoutNode>
+      <dgm:forEach name="Name4" axis="followSib" ptType="sibTrans" cnt="1">
+        <dgm:layoutNode name="sibTrans">
+          <dgm:alg type="sp"/>
+          <dgm:shape xmlns:r="http://schemas.openxmlformats.org/officeDocument/2006/relationships" r:blip="">
+            <dgm:adjLst/>
+          </dgm:shape>
+          <dgm:presOf/>
+          <dgm:constrLst/>
+          <dgm:ruleLst/>
+        </dgm:layoutNode>
+      </dgm:forEach>
+    </dgm:forEach>
+  </dgm:layoutNode>
+</dgm:layoutDef>
+</file>
+
 <file path=ppt/diagrams/quickStyle1.xml><?xml version="1.0" encoding="utf-8"?>
+<dgm:styleDef xmlns:dgm="http://schemas.openxmlformats.org/drawingml/2006/diagram" xmlns:a="http://schemas.openxmlformats.org/drawingml/2006/main" uniqueId="urn:microsoft.com/office/officeart/2005/8/quickstyle/simple1">
+  <dgm:title val=""/>
+  <dgm:desc val=""/>
+  <dgm:catLst>
+    <dgm:cat type="simple" pri="10100"/>
+  </dgm:catLst>
+  <dgm:scene3d>
+    <a:camera prst="orthographicFront"/>
+    <a:lightRig rig="threePt" dir="t"/>
+  </dgm:scene3d>
+  <dgm:styleLbl name="node0">
+    <dgm:scene3d>
+      <a:camera prst="orthographicFront"/>
+      <a:lightRig rig="threePt" dir="t"/>
+    </dgm:scene3d>
+    <dgm:sp3d/>
+    <dgm:txPr/>
+    <dgm:style>
+      <a:lnRef idx="2">
+        <a:scrgbClr r="0" g="0" b="0"/>
+      </a:lnRef>
+      <a:fillRef idx="1">
+        <a:scrgbClr r="0" g="0" b="0"/>
+      </a:fillRef>
+      <a:effectRef idx="0">
+        <a:scrgbClr r="0" g="0" b="0"/>
+      </a:effectRef>
+      <a:fontRef idx="minor">
+        <a:schemeClr val="lt1"/>
+      </a:fontRef>
+    </dgm:style>
+  </dgm:styleLbl>
+  <dgm:styleLbl name="lnNode1">
+    <dgm:scene3d>
+      <a:camera prst="orthographicFront"/>
+      <a:lightRig rig="threePt" dir="t"/>
+    </dgm:scene3d>
+    <dgm:sp3d/>
+    <dgm:txPr/>
+    <dgm:style>
+      <a:lnRef idx="2">
+        <a:scrgbClr r="0" g="0" b="0"/>
+      </a:lnRef>
+      <a:fillRef idx="1">
+        <a:scrgbClr r="0" g="0" b="0"/>
+      </a:fillRef>
+      <a:effectRef idx="0">
+        <a:scrgbClr r="0" g="0" b="0"/>
+      </a:effectRef>
+      <a:fontRef idx="minor">
+        <a:schemeClr val="lt1"/>
+      </a:fontRef>
+    </dgm:style>
+  </dgm:styleLbl>
+  <dgm:styleLbl name="vennNode1">
+    <dgm:scene3d>
+      <a:camera prst="orthographicFront"/>
+      <a:lightRig rig="threePt" dir="t"/>
+    </dgm:scene3d>
+    <dgm:sp3d/>
+    <dgm:txPr/>
+    <dgm:style>
+      <a:lnRef idx="2">
+        <a:scrgbClr r="0" g="0" b="0"/>
+      </a:lnRef>
+      <a:fillRef idx="1">
+        <a:scrgbClr r="0" g="0" b="0"/>
+      </a:fillRef>
+      <a:effectRef idx="0">
+        <a:scrgbClr r="0" g="0" b="0"/>
+      </a:effectRef>
+      <a:fontRef idx="minor">
+        <a:schemeClr val="tx1"/>
+      </a:fontRef>
+    </dgm:style>
+  </dgm:styleLbl>
+  <dgm:styleLbl name="alignNode1">
+    <dgm:scene3d>
+      <a:camera prst="orthographicFront"/>
+      <a:lightRig rig="threePt" dir="t"/>
+    </dgm:scene3d>
+    <dgm:sp3d/>
+    <dgm:txPr/>
+    <dgm:style>
+      <a:lnRef idx="2">
+        <a:scrgbClr r="0" g="0" b="0"/>
+      </a:lnRef>
+      <a:fillRef idx="1">
+        <a:scrgbClr r="0" g="0" b="0"/>
+      </a:fillRef>
+      <a:effectRef idx="0">
+        <a:scrgbClr r="0" g="0" b="0"/>
+      </a:effectRef>
+      <a:fontRef idx="minor">
+        <a:schemeClr val="lt1"/>
+      </a:fontRef>
+    </dgm:style>
+  </dgm:styleLbl>
+  <dgm:styleLbl name="node1">
+    <dgm:scene3d>
+      <a:camera prst="orthographicFront"/>
+      <a:lightRig rig="threePt" dir="t"/>
+    </dgm:scene3d>
+    <dgm:sp3d/>
+    <dgm:txPr/>
+    <dgm:style>
+      <a:lnRef idx="2">
+        <a:scrgbClr r="0" g="0" b="0"/>
+      </a:lnRef>
+      <a:fillRef idx="1">
+        <a:scrgbClr r="0" g="0" b="0"/>
+      </a:fillRef>
+      <a:effectRef idx="0">
+        <a:scrgbClr r="0" g="0" b="0"/>
+      </a:effectRef>
+      <a:fontRef idx="minor">
+        <a:schemeClr val="lt1"/>
+      </a:fontRef>
+    </dgm:style>
+  </dgm:styleLbl>
+  <dgm:styleLbl name="node2">
+    <dgm:scene3d>
+      <a:camera prst="orthographicFront"/>
+      <a:lightRig rig="threePt" dir="t"/>
+    </dgm:scene3d>
+    <dgm:sp3d/>
+    <dgm:txPr/>
+    <dgm:style>
+      <a:lnRef idx="2">
+        <a:scrgbClr r="0" g="0" b="0"/>
+      </a:lnRef>
+      <a:fillRef idx="1">
+        <a:scrgbClr r="0" g="0" b="0"/>
+      </a:fillRef>
+      <a:effectRef idx="0">
+        <a:scrgbClr r="0" g="0" b="0"/>
+      </a:effectRef>
+      <a:fontRef idx="minor">
+        <a:schemeClr val="lt1"/>
+      </a:fontRef>
+    </dgm:style>
+  </dgm:styleLbl>
+  <dgm:styleLbl name="node3">
+    <dgm:scene3d>
+      <a:camera prst="orthographicFront"/>
+      <a:lightRig rig="threePt" dir="t"/>
+    </dgm:scene3d>
+    <dgm:sp3d/>
+    <dgm:txPr/>
+    <dgm:style>
+      <a:lnRef idx="2">
+        <a:scrgbClr r="0" g="0" b="0"/>
+      </a:lnRef>
+      <a:fillRef idx="1">
+        <a:scrgbClr r="0" g="0" b="0"/>
+      </a:fillRef>
+      <a:effectRef idx="0">
+        <a:scrgbClr r="0" g="0" b="0"/>
+      </a:effectRef>
+      <a:fontRef idx="minor">
+        <a:schemeClr val="lt1"/>
+      </a:fontRef>
+    </dgm:style>
+  </dgm:styleLbl>
+  <dgm:styleLbl name="node4">
+    <dgm:scene3d>
+      <a:camera prst="orthographicFront"/>
+      <a:lightRig rig="threePt" dir="t"/>
+    </dgm:scene3d>
+    <dgm:sp3d/>
+    <dgm:txPr/>
+    <dgm:style>
+      <a:lnRef idx="2">
+        <a:scrgbClr r="0" g="0" b="0"/>
+      </a:lnRef>
+      <a:fillRef idx="1">
+        <a:scrgbClr r="0" g="0" b="0"/>
+      </a:fillRef>
+      <a:effectRef idx="0">
+        <a:scrgbClr r="0" g="0" b="0"/>
+      </a:effectRef>
+      <a:fontRef idx="minor">
+        <a:schemeClr val="lt1"/>
+      </a:fontRef>
+    </dgm:style>
+  </dgm:styleLbl>
+  <dgm:styleLbl name="fgImgPlace1">
+    <dgm:scene3d>
+      <a:camera prst="orthographicFront"/>
+      <a:lightRig rig="threePt" dir="t"/>
+    </dgm:scene3d>
+    <dgm:sp3d/>
+    <dgm:txPr/>
+    <dgm:style>
+      <a:lnRef idx="2">
+        <a:scrgbClr r="0" g="0" b="0"/>
+      </a:lnRef>
+      <a:fillRef idx="1">
+        <a:scrgbClr r="0" g="0" b="0"/>
+      </a:fillRef>
+      <a:effectRef idx="0">
+        <a:scrgbClr r="0" g="0" b="0"/>
+      </a:effectRef>
+      <a:fontRef idx="minor"/>
+    </dgm:style>
+  </dgm:styleLbl>
+  <dgm:styleLbl name="alignImgPlace1">
+    <dgm:scene3d>
+      <a:camera prst="orthographicFront"/>
+      <a:lightRig rig="threePt" dir="t"/>
+    </dgm:scene3d>
+    <dgm:sp3d/>
+    <dgm:txPr/>
+    <dgm:style>
+      <a:lnRef idx="2">
+        <a:scrgbClr r="0" g="0" b="0"/>
+      </a:lnRef>
+      <a:fillRef idx="1">
+        <a:scrgbClr r="0" g="0" b="0"/>
+      </a:fillRef>
+      <a:effectRef idx="0">
+        <a:scrgbClr r="0" g="0" b="0"/>
+      </a:effectRef>
+      <a:fontRef idx="minor"/>
+    </dgm:style>
+  </dgm:styleLbl>
+  <dgm:styleLbl name="bgImgPlace1">
+    <dgm:scene3d>
+      <a:camera prst="orthographicFront"/>
+      <a:lightRig rig="threePt" dir="t"/>
+    </dgm:scene3d>
+    <dgm:sp3d/>
+    <dgm:txPr/>
+    <dgm:style>
+      <a:lnRef idx="2">
+        <a:scrgbClr r="0" g="0" b="0"/>
+      </a:lnRef>
+      <a:fillRef idx="1">
+        <a:scrgbClr r="0" g="0" b="0"/>
+      </a:fillRef>
+      <a:effectRef idx="0">
+        <a:scrgbClr r="0" g="0" b="0"/>
+      </a:effectRef>
+      <a:fontRef idx="minor"/>
+    </dgm:style>
+  </dgm:styleLbl>
+  <dgm:styleLbl name="sibTrans2D1">
+    <dgm:scene3d>
+      <a:camera prst="orthographicFront"/>
+      <a:lightRig rig="threePt" dir="t"/>
+    </dgm:scene3d>
+    <dgm:sp3d/>
+    <dgm:txPr/>
+    <dgm:style>
+      <a:lnRef idx="0">
+        <a:scrgbClr r="0" g="0" b="0"/>
+      </a:lnRef>
+      <a:fillRef idx="1">
+        <a:scrgbClr r="0" g="0" b="0"/>
+      </a:fillRef>
+      <a:effectRef idx="0">
+        <a:scrgbClr r="0" g="0" b="0"/>
+      </a:effectRef>
+      <a:fontRef idx="minor">
+        <a:schemeClr val="lt1"/>
+      </a:fontRef>
+    </dgm:style>
+  </dgm:styleLbl>
+  <dgm:styleLbl name="fgSibTrans2D1">
+    <dgm:scene3d>
+      <a:camera prst="orthographicFront"/>
+      <a:lightRig rig="threePt" dir="t"/>
+    </dgm:scene3d>
+    <dgm:sp3d/>
+    <dgm:txPr/>
+    <dgm:style>
+      <a:lnRef idx="0">
+        <a:scrgbClr r="0" g="0" b="0"/>
+      </a:lnRef>
+      <a:fillRef idx="1">
+        <a:scrgbClr r="0" g="0" b="0"/>
+      </a:fillRef>
+      <a:effectRef idx="0">
+        <a:scrgbClr r="0" g="0" b="0"/>
+      </a:effectRef>
+      <a:fontRef idx="minor">
+        <a:schemeClr val="lt1"/>
+      </a:fontRef>
+    </dgm:style>
+  </dgm:styleLbl>
+  <dgm:styleLbl name="bgSibTrans2D1">
+    <dgm:scene3d>
+      <a:camera prst="orthographicFront"/>
+      <a:lightRig rig="threePt" dir="t"/>
+    </dgm:scene3d>
+    <dgm:sp3d/>
+    <dgm:txPr/>
+    <dgm:style>
+      <a:lnRef idx="0">
+        <a:scrgbClr r="0" g="0" b="0"/>
+      </a:lnRef>
+      <a:fillRef idx="1">
+        <a:scrgbClr r="0" g="0" b="0"/>
+      </a:fillRef>
+      <a:effectRef idx="0">
+        <a:scrgbClr r="0" g="0" b="0"/>
+      </a:effectRef>
+      <a:fontRef idx="minor">
+        <a:schemeClr val="lt1"/>
+      </a:fontRef>
+    </dgm:style>
+  </dgm:styleLbl>
+  <dgm:styleLbl name="sibTrans1D1">
+    <dgm:scene3d>
+      <a:camera prst="orthographicFront"/>
+      <a:lightRig rig="threePt" dir="t"/>
+    </dgm:scene3d>
+    <dgm:sp3d/>
+    <dgm:txPr/>
+    <dgm:style>
+      <a:lnRef idx="1">
+        <a:scrgbClr r="0" g="0" b="0"/>
+      </a:lnRef>
+      <a:fillRef idx="0">
+        <a:scrgbClr r="0" g="0" b="0"/>
+      </a:fillRef>
+      <a:effectRef idx="0">
+        <a:scrgbClr r="0" g="0" b="0"/>
+      </a:effectRef>
+      <a:fontRef idx="minor"/>
+    </dgm:style>
+  </dgm:styleLbl>
+  <dgm:styleLbl name="callout">
+    <dgm:scene3d>
+      <a:camera prst="orthographicFront"/>
+      <a:lightRig rig="threePt" dir="t"/>
+    </dgm:scene3d>
+    <dgm:sp3d/>
+    <dgm:txPr/>
+    <dgm:style>
+      <a:lnRef idx="2">
+        <a:scrgbClr r="0" g="0" b="0"/>
+      </a:lnRef>
+      <a:fillRef idx="1">
+        <a:scrgbClr r="0" g="0" b="0"/>
+      </a:fillRef>
+      <a:effectRef idx="0">
+        <a:scrgbClr r="0" g="0" b="0"/>
+      </a:effectRef>
+      <a:fontRef idx="minor"/>
+    </dgm:style>
+  </dgm:styleLbl>
+  <dgm:styleLbl name="asst0">
+    <dgm:scene3d>
+      <a:camera prst="orthographicFront"/>
+      <a:lightRig rig="threePt" dir="t"/>
+    </dgm:scene3d>
+    <dgm:sp3d/>
+    <dgm:txPr/>
+    <dgm:style>
+      <a:lnRef idx="2">
+        <a:scrgbClr r="0" g="0" b="0"/>
+      </a:lnRef>
+      <a:fillRef idx="1">
+        <a:scrgbClr r="0" g="0" b="0"/>
+      </a:fillRef>
+      <a:effectRef idx="0">
+        <a:scrgbClr r="0" g="0" b="0"/>
+      </a:effectRef>
+      <a:fontRef idx="minor">
+        <a:schemeClr val="lt1"/>
+      </a:fontRef>
+    </dgm:style>
+  </dgm:styleLbl>
+  <dgm:styleLbl name="asst1">
+    <dgm:scene3d>
+      <a:camera prst="orthographicFront"/>
+      <a:lightRig rig="threePt" dir="t"/>
+    </dgm:scene3d>
+    <dgm:sp3d/>
+    <dgm:txPr/>
+    <dgm:style>
+      <a:lnRef idx="2">
+        <a:scrgbClr r="0" g="0" b="0"/>
+      </a:lnRef>
+      <a:fillRef idx="1">
+        <a:scrgbClr r="0" g="0" b="0"/>
+      </a:fillRef>
+      <a:effectRef idx="0">
+        <a:scrgbClr r="0" g="0" b="0"/>
+      </a:effectRef>
+      <a:fontRef idx="minor">
+        <a:schemeClr val="lt1"/>
+      </a:fontRef>
+    </dgm:style>
+  </dgm:styleLbl>
+  <dgm:styleLbl name="asst2">
+    <dgm:scene3d>
+      <a:camera prst="orthographicFront"/>
+      <a:lightRig rig="threePt" dir="t"/>
+    </dgm:scene3d>
+    <dgm:sp3d/>
+    <dgm:txPr/>
+    <dgm:style>
+      <a:lnRef idx="2">
+        <a:scrgbClr r="0" g="0" b="0"/>
+      </a:lnRef>
+      <a:fillRef idx="1">
+        <a:scrgbClr r="0" g="0" b="0"/>
+      </a:fillRef>
+      <a:effectRef idx="0">
+        <a:scrgbClr r="0" g="0" b="0"/>
+      </a:effectRef>
+      <a:fontRef idx="minor">
+        <a:schemeClr val="lt1"/>
+      </a:fontRef>
+    </dgm:style>
+  </dgm:styleLbl>
+  <dgm:styleLbl name="asst3">
+    <dgm:scene3d>
+      <a:camera prst="orthographicFront"/>
+      <a:lightRig rig="threePt" dir="t"/>
+    </dgm:scene3d>
+    <dgm:sp3d/>
+    <dgm:txPr/>
+    <dgm:style>
+      <a:lnRef idx="2">
+        <a:scrgbClr r="0" g="0" b="0"/>
+      </a:lnRef>
+      <a:fillRef idx="1">
+        <a:scrgbClr r="0" g="0" b="0"/>
+      </a:fillRef>
+      <a:effectRef idx="0">
+        <a:scrgbClr r="0" g="0" b="0"/>
+      </a:effectRef>
+      <a:fontRef idx="minor">
+        <a:schemeClr val="lt1"/>
+      </a:fontRef>
+    </dgm:style>
+  </dgm:styleLbl>
+  <dgm:styleLbl name="asst4">
+    <dgm:scene3d>
+      <a:camera prst="orthographicFront"/>
+      <a:lightRig rig="threePt" dir="t"/>
+    </dgm:scene3d>
+    <dgm:sp3d/>
+    <dgm:txPr/>
+    <dgm:style>
+      <a:lnRef idx="2">
+        <a:scrgbClr r="0" g="0" b="0"/>
+      </a:lnRef>
+      <a:fillRef idx="1">
+        <a:scrgbClr r="0" g="0" b="0"/>
+      </a:fillRef>
+      <a:effectRef idx="0">
+        <a:scrgbClr r="0" g="0" b="0"/>
+      </a:effectRef>
+      <a:fontRef idx="minor">
+        <a:schemeClr val="lt1"/>
+      </a:fontRef>
+    </dgm:style>
+  </dgm:styleLbl>
+  <dgm:styleLbl name="parChTrans2D1">
+    <dgm:scene3d>
+      <a:camera prst="orthographicFront"/>
+      <a:lightRig rig="threePt" dir="t"/>
+    </dgm:scene3d>
+    <dgm:sp3d/>
+    <dgm:txPr/>
+    <dgm:style>
+      <a:lnRef idx="2">
+        <a:scrgbClr r="0" g="0" b="0"/>
+      </a:lnRef>
+      <a:fillRef idx="1">
+        <a:scrgbClr r="0" g="0" b="0"/>
+      </a:fillRef>
+      <a:effectRef idx="0">
+        <a:scrgbClr r="0" g="0" b="0"/>
+      </a:effectRef>
+      <a:fontRef idx="minor">
+        <a:schemeClr val="lt1"/>
+      </a:fontRef>
+    </dgm:style>
+  </dgm:styleLbl>
+  <dgm:styleLbl name="parChTrans2D2">
+    <dgm:scene3d>
+      <a:camera prst="orthographicFront"/>
+      <a:lightRig rig="threePt" dir="t"/>
+    </dgm:scene3d>
+    <dgm:sp3d/>
+    <dgm:txPr/>
+    <dgm:style>
+      <a:lnRef idx="2">
+        <a:scrgbClr r="0" g="0" b="0"/>
+      </a:lnRef>
+      <a:fillRef idx="1">
+        <a:scrgbClr r="0" g="0" b="0"/>
+      </a:fillRef>
+      <a:effectRef idx="0">
+        <a:scrgbClr r="0" g="0" b="0"/>
+      </a:effectRef>
+      <a:fontRef idx="minor">
+        <a:schemeClr val="lt1"/>
+      </a:fontRef>
+    </dgm:style>
+  </dgm:styleLbl>
+  <dgm:styleLbl name="parChTrans2D3">
+    <dgm:scene3d>
+      <a:camera prst="orthographicFront"/>
+      <a:lightRig rig="threePt" dir="t"/>
+    </dgm:scene3d>
+    <dgm:sp3d/>
+    <dgm:txPr/>
+    <dgm:style>
+      <a:lnRef idx="2">
+        <a:scrgbClr r="0" g="0" b="0"/>
+      </a:lnRef>
+      <a:fillRef idx="1">
+        <a:scrgbClr r="0" g="0" b="0"/>
+      </a:fillRef>
+      <a:effectRef idx="0">
+        <a:scrgbClr r="0" g="0" b="0"/>
+      </a:effectRef>
+      <a:fontRef idx="minor">
+        <a:schemeClr val="lt1"/>
+      </a:fontRef>
+    </dgm:style>
+  </dgm:styleLbl>
+  <dgm:styleLbl name="parChTrans2D4">
+    <dgm:scene3d>
+      <a:camera prst="orthographicFront"/>
+      <a:lightRig rig="threePt" dir="t"/>
+    </dgm:scene3d>
+    <dgm:sp3d/>
+    <dgm:txPr/>
+    <dgm:style>
+      <a:lnRef idx="2">
+        <a:scrgbClr r="0" g="0" b="0"/>
+      </a:lnRef>
+      <a:fillRef idx="1">
+        <a:scrgbClr r="0" g="0" b="0"/>
+      </a:fillRef>
+      <a:effectRef idx="0">
+        <a:scrgbClr r="0" g="0" b="0"/>
+      </a:effectRef>
+      <a:fontRef idx="minor">
+        <a:schemeClr val="lt1"/>
+      </a:fontRef>
+    </dgm:style>
+  </dgm:styleLbl>
+  <dgm:styleLbl name="parChTrans1D1">
+    <dgm:scene3d>
+      <a:camera prst="orthographicFront"/>
+      <a:lightRig rig="threePt" dir="t"/>
+    </dgm:scene3d>
+    <dgm:sp3d/>
+    <dgm:txPr/>
+    <dgm:style>
+      <a:lnRef idx="2">
+        <a:scrgbClr r="0" g="0" b="0"/>
+      </a:lnRef>
+      <a:fillRef idx="0">
+        <a:scrgbClr r="0" g="0" b="0"/>
+      </a:fillRef>
+      <a:effectRef idx="0">
+        <a:scrgbClr r="0" g="0" b="0"/>
+      </a:effectRef>
+      <a:fontRef idx="minor"/>
+    </dgm:style>
+  </dgm:styleLbl>
+  <dgm:styleLbl name="parChTrans1D2">
+    <dgm:scene3d>
+      <a:camera prst="orthographicFront"/>
+      <a:lightRig rig="threePt" dir="t"/>
+    </dgm:scene3d>
+    <dgm:sp3d/>
+    <dgm:txPr/>
+    <dgm:style>
+      <a:lnRef idx="2">
+        <a:scrgbClr r="0" g="0" b="0"/>
+      </a:lnRef>
+      <a:fillRef idx="0">
+        <a:scrgbClr r="0" g="0" b="0"/>
+      </a:fillRef>
+      <a:effectRef idx="0">
+        <a:scrgbClr r="0" g="0" b="0"/>
+      </a:effectRef>
+      <a:fontRef idx="minor"/>
+    </dgm:style>
+  </dgm:styleLbl>
+  <dgm:styleLbl name="parChTrans1D3">
+    <dgm:scene3d>
+      <a:camera prst="orthographicFront"/>
+      <a:lightRig rig="threePt" dir="t"/>
+    </dgm:scene3d>
+    <dgm:sp3d/>
+    <dgm:txPr/>
+    <dgm:style>
+      <a:lnRef idx="2">
+        <a:scrgbClr r="0" g="0" b="0"/>
+      </a:lnRef>
+      <a:fillRef idx="0">
+        <a:scrgbClr r="0" g="0" b="0"/>
+      </a:fillRef>
+      <a:effectRef idx="0">
+        <a:scrgbClr r="0" g="0" b="0"/>
+      </a:effectRef>
+      <a:fontRef idx="minor"/>
+    </dgm:style>
+  </dgm:styleLbl>
+  <dgm:styleLbl name="parChTrans1D4">
+    <dgm:scene3d>
+      <a:camera prst="orthographicFront"/>
+      <a:lightRig rig="threePt" dir="t"/>
+    </dgm:scene3d>
+    <dgm:sp3d/>
+    <dgm:txPr/>
+    <dgm:style>
+      <a:lnRef idx="2">
+        <a:scrgbClr r="0" g="0" b="0"/>
+      </a:lnRef>
+      <a:fillRef idx="0">
+        <a:scrgbClr r="0" g="0" b="0"/>
+      </a:fillRef>
+      <a:effectRef idx="0">
+        <a:scrgbClr r="0" g="0" b="0"/>
+      </a:effectRef>
+      <a:fontRef idx="minor"/>
+    </dgm:style>
+  </dgm:styleLbl>
+  <dgm:styleLbl name="fgAcc1">
+    <dgm:scene3d>
+      <a:camera prst="orthographicFront"/>
+      <a:lightRig rig="threePt" dir="t"/>
+    </dgm:scene3d>
+    <dgm:sp3d/>
+    <dgm:txPr/>
+    <dgm:style>
+      <a:lnRef idx="2">
+        <a:scrgbClr r="0" g="0" b="0"/>
+      </a:lnRef>
+      <a:fillRef idx="1">
+        <a:scrgbClr r="0" g="0" b="0"/>
+      </a:fillRef>
+      <a:effectRef idx="0">
+        <a:scrgbClr r="0" g="0" b="0"/>
+      </a:effectRef>
+      <a:fontRef idx="minor"/>
+    </dgm:style>
+  </dgm:styleLbl>
+  <dgm:styleLbl name="conFgAcc1">
+    <dgm:scene3d>
+      <a:camera prst="orthographicFront"/>
+      <a:lightRig rig="threePt" dir="t"/>
+    </dgm:scene3d>
+    <dgm:sp3d/>
+    <dgm:txPr/>
+    <dgm:style>
+      <a:lnRef idx="2">
+        <a:scrgbClr r="0" g="0" b="0"/>
+      </a:lnRef>
+      <a:fillRef idx="1">
+        <a:scrgbClr r="0" g="0" b="0"/>
+      </a:fillRef>
+      <a:effectRef idx="0">
+        <a:scrgbClr r="0" g="0" b="0"/>
+      </a:effectRef>
+      <a:fontRef idx="minor"/>
+    </dgm:style>
+  </dgm:styleLbl>
+  <dgm:styleLbl name="alignAcc1">
+    <dgm:scene3d>
+      <a:camera prst="orthographicFront"/>
+      <a:lightRig rig="threePt" dir="t"/>
+    </dgm:scene3d>
+    <dgm:sp3d/>
+    <dgm:txPr/>
+    <dgm:style>
+      <a:lnRef idx="2">
+        <a:scrgbClr r="0" g="0" b="0"/>
+      </a:lnRef>
+      <a:fillRef idx="1">
+        <a:scrgbClr r="0" g="0" b="0"/>
+      </a:fillRef>
+      <a:effectRef idx="0">
+        <a:scrgbClr r="0" g="0" b="0"/>
+      </a:effectRef>
+      <a:fontRef idx="minor"/>
+    </dgm:style>
+  </dgm:styleLbl>
+  <dgm:styleLbl name="trAlignAcc1">
+    <dgm:scene3d>
+      <a:camera prst="orthographicFront"/>
+      <a:lightRig rig="threePt" dir="t"/>
+    </dgm:scene3d>
+    <dgm:sp3d/>
+    <dgm:txPr/>
+    <dgm:style>
+      <a:lnRef idx="1">
+        <a:scrgbClr r="0" g="0" b="0"/>
+      </a:lnRef>
+      <a:fillRef idx="1">
+        <a:scrgbClr r="0" g="0" b="0"/>
+      </a:fillRef>
+      <a:effectRef idx="0">
+        <a:scrgbClr r="0" g="0" b="0"/>
+      </a:effectRef>
+      <a:fontRef idx="minor"/>
+    </dgm:style>
+  </dgm:styleLbl>
+  <dgm:styleLbl name="bgAcc1">
+    <dgm:scene3d>
+      <a:camera prst="orthographicFront"/>
+      <a:lightRig rig="threePt" dir="t"/>
+    </dgm:scene3d>
+    <dgm:sp3d/>
+    <dgm:txPr/>
+    <dgm:style>
+      <a:lnRef idx="2">
+        <a:scrgbClr r="0" g="0" b="0"/>
+      </a:lnRef>
+      <a:fillRef idx="1">
+        <a:scrgbClr r="0" g="0" b="0"/>
+      </a:fillRef>
+      <a:effectRef idx="0">
+        <a:scrgbClr r="0" g="0" b="0"/>
+      </a:effectRef>
+      <a:fontRef idx="minor"/>
+    </dgm:style>
+  </dgm:styleLbl>
+  <dgm:styleLbl name="solidFgAcc1">
+    <dgm:scene3d>
+      <a:camera prst="orthographicFront"/>
+      <a:lightRig rig="threePt" dir="t"/>
+    </dgm:scene3d>
+    <dgm:sp3d/>
+    <dgm:txPr/>
+    <dgm:style>
+      <a:lnRef idx="2">
+        <a:scrgbClr r="0" g="0" b="0"/>
+      </a:lnRef>
+      <a:fillRef idx="1">
+        <a:scrgbClr r="0" g="0" b="0"/>
+      </a:fillRef>
+      <a:effectRef idx="0">
+        <a:scrgbClr r="0" g="0" b="0"/>
+      </a:effectRef>
+      <a:fontRef idx="minor"/>
+    </dgm:style>
+  </dgm:styleLbl>
+  <dgm:styleLbl name="solidAlignAcc1">
+    <dgm:scene3d>
+      <a:camera prst="orthographicFront"/>
+      <a:lightRig rig="threePt" dir="t"/>
+    </dgm:scene3d>
+    <dgm:sp3d/>
+    <dgm:txPr/>
+    <dgm:style>
+      <a:lnRef idx="2">
+        <a:scrgbClr r="0" g="0" b="0"/>
+      </a:lnRef>
+      <a:fillRef idx="1">
+        <a:scrgbClr r="0" g="0" b="0"/>
+      </a:fillRef>
+      <a:effectRef idx="0">
+        <a:scrgbClr r="0" g="0" b="0"/>
+      </a:effectRef>
+      <a:fontRef idx="minor"/>
+    </dgm:style>
+  </dgm:styleLbl>
+  <dgm:styleLbl name="solidBgAcc1">
+    <dgm:scene3d>
+      <a:camera prst="orthographicFront"/>
+      <a:lightRig rig="threePt" dir="t"/>
+    </dgm:scene3d>
+    <dgm:sp3d/>
+    <dgm:txPr/>
+    <dgm:style>
+      <a:lnRef idx="2">
+        <a:scrgbClr r="0" g="0" b="0"/>
+      </a:lnRef>
+      <a:fillRef idx="1">
+        <a:scrgbClr r="0" g="0" b="0"/>
+      </a:fillRef>
+      <a:effectRef idx="0">
+        <a:scrgbClr r="0" g="0" b="0"/>
+      </a:effectRef>
+      <a:fontRef idx="minor"/>
+    </dgm:style>
+  </dgm:styleLbl>
+  <dgm:styleLbl name="fgAccFollowNode1">
+    <dgm:scene3d>
+      <a:camera prst="orthographicFront"/>
+      <a:lightRig rig="threePt" dir="t"/>
+    </dgm:scene3d>
+    <dgm:sp3d/>
+    <dgm:txPr/>
+    <dgm:style>
+      <a:lnRef idx="2">
+        <a:scrgbClr r="0" g="0" b="0"/>
+      </a:lnRef>
+      <a:fillRef idx="1">
+        <a:scrgbClr r="0" g="0" b="0"/>
+      </a:fillRef>
+      <a:effectRef idx="0">
+        <a:scrgbClr r="0" g="0" b="0"/>
+      </a:effectRef>
+      <a:fontRef idx="minor"/>
+    </dgm:style>
+  </dgm:styleLbl>
+  <dgm:styleLbl name="alignAccFollowNode1">
+    <dgm:scene3d>
+      <a:camera prst="orthographicFront"/>
+      <a:lightRig rig="threePt" dir="t"/>
+    </dgm:scene3d>
+    <dgm:sp3d/>
+    <dgm:txPr/>
+    <dgm:style>
+      <a:lnRef idx="2">
+        <a:scrgbClr r="0" g="0" b="0"/>
+      </a:lnRef>
+      <a:fillRef idx="1">
+        <a:scrgbClr r="0" g="0" b="0"/>
+      </a:fillRef>
+      <a:effectRef idx="0">
+        <a:scrgbClr r="0" g="0" b="0"/>
+      </a:effectRef>
+      <a:fontRef idx="minor"/>
+    </dgm:style>
+  </dgm:styleLbl>
+  <dgm:styleLbl name="bgAccFollowNode1">
+    <dgm:scene3d>
+      <a:camera prst="orthographicFront"/>
+      <a:lightRig rig="threePt" dir="t"/>
+    </dgm:scene3d>
+    <dgm:sp3d/>
+    <dgm:txPr/>
+    <dgm:style>
+      <a:lnRef idx="2">
+        <a:scrgbClr r="0" g="0" b="0"/>
+      </a:lnRef>
+      <a:fillRef idx="1">
+        <a:scrgbClr r="0" g="0" b="0"/>
+      </a:fillRef>
+      <a:effectRef idx="0">
+        <a:scrgbClr r="0" g="0" b="0"/>
+      </a:effectRef>
+      <a:fontRef idx="minor"/>
+    </dgm:style>
+  </dgm:styleLbl>
+  <dgm:styleLbl name="fgAcc0">
+    <dgm:scene3d>
+      <a:camera prst="orthographicFront"/>
+      <a:lightRig rig="threePt" dir="t"/>
+    </dgm:scene3d>
+    <dgm:sp3d/>
+    <dgm:txPr/>
+    <dgm:style>
+      <a:lnRef idx="2">
+        <a:scrgbClr r="0" g="0" b="0"/>
+      </a:lnRef>
+      <a:fillRef idx="1">
+        <a:scrgbClr r="0" g="0" b="0"/>
+      </a:fillRef>
+      <a:effectRef idx="0">
+        <a:scrgbClr r="0" g="0" b="0"/>
+      </a:effectRef>
+      <a:fontRef idx="minor"/>
+    </dgm:style>
+  </dgm:styleLbl>
+  <dgm:styleLbl name="fgAcc2">
+    <dgm:scene3d>
+      <a:camera prst="orthographicFront"/>
+      <a:lightRig rig="threePt" dir="t"/>
+    </dgm:scene3d>
+    <dgm:sp3d/>
+    <dgm:txPr/>
+    <dgm:style>
+      <a:lnRef idx="2">
+        <a:scrgbClr r="0" g="0" b="0"/>
+      </a:lnRef>
+      <a:fillRef idx="1">
+        <a:scrgbClr r="0" g="0" b="0"/>
+      </a:fillRef>
+      <a:effectRef idx="0">
+        <a:scrgbClr r="0" g="0" b="0"/>
+      </a:effectRef>
+      <a:fontRef idx="minor"/>
+    </dgm:style>
+  </dgm:styleLbl>
+  <dgm:styleLbl name="fgAcc3">
+    <dgm:scene3d>
+      <a:camera prst="orthographicFront"/>
+      <a:lightRig rig="threePt" dir="t"/>
+    </dgm:scene3d>
+    <dgm:sp3d/>
+    <dgm:txPr/>
+    <dgm:style>
+      <a:lnRef idx="2">
+        <a:scrgbClr r="0" g="0" b="0"/>
+      </a:lnRef>
+      <a:fillRef idx="1">
+        <a:scrgbClr r="0" g="0" b="0"/>
+      </a:fillRef>
+      <a:effectRef idx="0">
+        <a:scrgbClr r="0" g="0" b="0"/>
+      </a:effectRef>
+      <a:fontRef idx="minor"/>
+    </dgm:style>
+  </dgm:styleLbl>
+  <dgm:styleLbl name="fgAcc4">
+    <dgm:scene3d>
+      <a:camera prst="orthographicFront"/>
+      <a:lightRig rig="threePt" dir="t"/>
+    </dgm:scene3d>
+    <dgm:sp3d/>
+    <dgm:txPr/>
+    <dgm:style>
+      <a:lnRef idx="2">
+        <a:scrgbClr r="0" g="0" b="0"/>
+      </a:lnRef>
+      <a:fillRef idx="1">
+        <a:scrgbClr r="0" g="0" b="0"/>
+      </a:fillRef>
+      <a:effectRef idx="0">
+        <a:scrgbClr r="0" g="0" b="0"/>
+      </a:effectRef>
+      <a:fontRef idx="minor"/>
+    </dgm:style>
+  </dgm:styleLbl>
+  <dgm:styleLbl name="bgShp">
+    <dgm:scene3d>
+      <a:camera prst="orthographicFront"/>
+      <a:lightRig rig="threePt" dir="t"/>
+    </dgm:scene3d>
+    <dgm:sp3d/>
+    <dgm:txPr/>
+    <dgm:style>
+      <a:lnRef idx="0">
+        <a:scrgbClr r="0" g="0" b="0"/>
+      </a:lnRef>
+      <a:fillRef idx="1">
+        <a:scrgbClr r="0" g="0" b="0"/>
+      </a:fillRef>
+      <a:effectRef idx="0">
+        <a:scrgbClr r="0" g="0" b="0"/>
+      </a:effectRef>
+      <a:fontRef idx="minor"/>
+    </dgm:style>
+  </dgm:styleLbl>
+  <dgm:styleLbl name="dkBgShp">
+    <dgm:scene3d>
+      <a:camera prst="orthographicFront"/>
+      <a:lightRig rig="threePt" dir="t"/>
+    </dgm:scene3d>
+    <dgm:sp3d/>
+    <dgm:txPr/>
+    <dgm:style>
+      <a:lnRef idx="0">
+        <a:scrgbClr r="0" g="0" b="0"/>
+      </a:lnRef>
+      <a:fillRef idx="1">
+        <a:scrgbClr r="0" g="0" b="0"/>
+      </a:fillRef>
+      <a:effectRef idx="0">
+        <a:scrgbClr r="0" g="0" b="0"/>
+      </a:effectRef>
+      <a:fontRef idx="minor"/>
+    </dgm:style>
+  </dgm:styleLbl>
+  <dgm:styleLbl name="trBgShp">
+    <dgm:scene3d>
+      <a:camera prst="orthographicFront"/>
+      <a:lightRig rig="threePt" dir="t"/>
+    </dgm:scene3d>
+    <dgm:sp3d/>
+    <dgm:txPr/>
+    <dgm:style>
+      <a:lnRef idx="0">
+        <a:scrgbClr r="0" g="0" b="0"/>
+      </a:lnRef>
+      <a:fillRef idx="1">
+        <a:scrgbClr r="0" g="0" b="0"/>
+      </a:fillRef>
+      <a:effectRef idx="0">
+        <a:scrgbClr r="0" g="0" b="0"/>
+      </a:effectRef>
+      <a:fontRef idx="minor"/>
+    </dgm:style>
+  </dgm:styleLbl>
+  <dgm:styleLbl name="fgShp">
+    <dgm:scene3d>
+      <a:camera prst="orthographicFront"/>
+      <a:lightRig rig="threePt" dir="t"/>
+    </dgm:scene3d>
+    <dgm:sp3d/>
+    <dgm:txPr/>
+    <dgm:style>
+      <a:lnRef idx="2">
+        <a:scrgbClr r="0" g="0" b="0"/>
+      </a:lnRef>
+      <a:fillRef idx="1">
+        <a:scrgbClr r="0" g="0" b="0"/>
+      </a:fillRef>
+      <a:effectRef idx="0">
+        <a:scrgbClr r="0" g="0" b="0"/>
+      </a:effectRef>
+      <a:fontRef idx="minor"/>
+    </dgm:style>
+  </dgm:styleLbl>
+  <dgm:styleLbl name="revTx">
+    <dgm:scene3d>
+      <a:camera prst="orthographicFront"/>
+      <a:lightRig rig="threePt" dir="t"/>
+    </dgm:scene3d>
+    <dgm:sp3d/>
+    <dgm:txPr/>
+    <dgm:style>
+      <a:lnRef idx="0">
+        <a:scrgbClr r="0" g="0" b="0"/>
+      </a:lnRef>
+      <a:fillRef idx="0">
+        <a:scrgbClr r="0" g="0" b="0"/>
+      </a:fillRef>
+      <a:effectRef idx="0">
+        <a:scrgbClr r="0" g="0" b="0"/>
+      </a:effectRef>
+      <a:fontRef idx="minor"/>
+    </dgm:style>
+  </dgm:styleLbl>
+</dgm:styleDef>
+</file>
+
+<file path=ppt/diagrams/quickStyle2.xml><?xml version="1.0" encoding="utf-8"?>
+<dgm:styleDef xmlns:dgm="http://schemas.openxmlformats.org/drawingml/2006/diagram" xmlns:a="http://schemas.openxmlformats.org/drawingml/2006/main" uniqueId="urn:microsoft.com/office/officeart/2005/8/quickstyle/simple1">
+  <dgm:title val=""/>
+  <dgm:desc val=""/>
+  <dgm:catLst>
+    <dgm:cat type="simple" pri="10100"/>
+  </dgm:catLst>
+  <dgm:scene3d>
+    <a:camera prst="orthographicFront"/>
+    <a:lightRig rig="threePt" dir="t"/>
+  </dgm:scene3d>
+  <dgm:styleLbl name="node0">
+    <dgm:scene3d>
+      <a:camera prst="orthographicFront"/>
+      <a:lightRig rig="threePt" dir="t"/>
+    </dgm:scene3d>
+    <dgm:sp3d/>
+    <dgm:txPr/>
+    <dgm:style>
+      <a:lnRef idx="2">
+        <a:scrgbClr r="0" g="0" b="0"/>
+      </a:lnRef>
+      <a:fillRef idx="1">
+        <a:scrgbClr r="0" g="0" b="0"/>
+      </a:fillRef>
+      <a:effectRef idx="0">
+        <a:scrgbClr r="0" g="0" b="0"/>
+      </a:effectRef>
+      <a:fontRef idx="minor">
+        <a:schemeClr val="lt1"/>
+      </a:fontRef>
+    </dgm:style>
+  </dgm:styleLbl>
+  <dgm:styleLbl name="lnNode1">
+    <dgm:scene3d>
+      <a:camera prst="orthographicFront"/>
+      <a:lightRig rig="threePt" dir="t"/>
+    </dgm:scene3d>
+    <dgm:sp3d/>
+    <dgm:txPr/>
+    <dgm:style>
+      <a:lnRef idx="2">
+        <a:scrgbClr r="0" g="0" b="0"/>
+      </a:lnRef>
+      <a:fillRef idx="1">
+        <a:scrgbClr r="0" g="0" b="0"/>
+      </a:fillRef>
+      <a:effectRef idx="0">
+        <a:scrgbClr r="0" g="0" b="0"/>
+      </a:effectRef>
+      <a:fontRef idx="minor">
+        <a:schemeClr val="lt1"/>
+      </a:fontRef>
+    </dgm:style>
+  </dgm:styleLbl>
+  <dgm:styleLbl name="vennNode1">
+    <dgm:scene3d>
+      <a:camera prst="orthographicFront"/>
+      <a:lightRig rig="threePt" dir="t"/>
+    </dgm:scene3d>
+    <dgm:sp3d/>
+    <dgm:txPr/>
+    <dgm:style>
+      <a:lnRef idx="2">
+        <a:scrgbClr r="0" g="0" b="0"/>
+      </a:lnRef>
+      <a:fillRef idx="1">
+        <a:scrgbClr r="0" g="0" b="0"/>
+      </a:fillRef>
+      <a:effectRef idx="0">
+        <a:scrgbClr r="0" g="0" b="0"/>
+      </a:effectRef>
+      <a:fontRef idx="minor">
+        <a:schemeClr val="tx1"/>
+      </a:fontRef>
+    </dgm:style>
+  </dgm:styleLbl>
+  <dgm:styleLbl name="alignNode1">
+    <dgm:scene3d>
+      <a:camera prst="orthographicFront"/>
+      <a:lightRig rig="threePt" dir="t"/>
+    </dgm:scene3d>
+    <dgm:sp3d/>
+    <dgm:txPr/>
+    <dgm:style>
+      <a:lnRef idx="2">
+        <a:scrgbClr r="0" g="0" b="0"/>
+      </a:lnRef>
+      <a:fillRef idx="1">
+        <a:scrgbClr r="0" g="0" b="0"/>
+      </a:fillRef>
+      <a:effectRef idx="0">
+        <a:scrgbClr r="0" g="0" b="0"/>
+      </a:effectRef>
+      <a:fontRef idx="minor">
+        <a:schemeClr val="lt1"/>
+      </a:fontRef>
+    </dgm:style>
+  </dgm:styleLbl>
+  <dgm:styleLbl name="node1">
+    <dgm:scene3d>
+      <a:camera prst="orthographicFront"/>
+      <a:lightRig rig="threePt" dir="t"/>
+    </dgm:scene3d>
+    <dgm:sp3d/>
+    <dgm:txPr/>
+    <dgm:style>
+      <a:lnRef idx="2">
+        <a:scrgbClr r="0" g="0" b="0"/>
+      </a:lnRef>
+      <a:fillRef idx="1">
+        <a:scrgbClr r="0" g="0" b="0"/>
+      </a:fillRef>
+      <a:effectRef idx="0">
+        <a:scrgbClr r="0" g="0" b="0"/>
+      </a:effectRef>
+      <a:fontRef idx="minor">
+        <a:schemeClr val="lt1"/>
+      </a:fontRef>
+    </dgm:style>
+  </dgm:styleLbl>
+  <dgm:styleLbl name="node2">
+    <dgm:scene3d>
+      <a:camera prst="orthographicFront"/>
+      <a:lightRig rig="threePt" dir="t"/>
+    </dgm:scene3d>
+    <dgm:sp3d/>
+    <dgm:txPr/>
+    <dgm:style>
+      <a:lnRef idx="2">
+        <a:scrgbClr r="0" g="0" b="0"/>
+      </a:lnRef>
+      <a:fillRef idx="1">
+        <a:scrgbClr r="0" g="0" b="0"/>
+      </a:fillRef>
+      <a:effectRef idx="0">
+        <a:scrgbClr r="0" g="0" b="0"/>
+      </a:effectRef>
+      <a:fontRef idx="minor">
+        <a:schemeClr val="lt1"/>
+      </a:fontRef>
+    </dgm:style>
+  </dgm:styleLbl>
+  <dgm:styleLbl name="node3">
+    <dgm:scene3d>
+      <a:camera prst="orthographicFront"/>
+      <a:lightRig rig="threePt" dir="t"/>
+    </dgm:scene3d>
+    <dgm:sp3d/>
+    <dgm:txPr/>
+    <dgm:style>
+      <a:lnRef idx="2">
+        <a:scrgbClr r="0" g="0" b="0"/>
+      </a:lnRef>
+      <a:fillRef idx="1">
+        <a:scrgbClr r="0" g="0" b="0"/>
+      </a:fillRef>
+      <a:effectRef idx="0">
+        <a:scrgbClr r="0" g="0" b="0"/>
+      </a:effectRef>
+      <a:fontRef idx="minor">
+        <a:schemeClr val="lt1"/>
+      </a:fontRef>
+    </dgm:style>
+  </dgm:styleLbl>
+  <dgm:styleLbl name="node4">
+    <dgm:scene3d>
+      <a:camera prst="orthographicFront"/>
+      <a:lightRig rig="threePt" dir="t"/>
+    </dgm:scene3d>
+    <dgm:sp3d/>
+    <dgm:txPr/>
+    <dgm:style>
+      <a:lnRef idx="2">
+        <a:scrgbClr r="0" g="0" b="0"/>
+      </a:lnRef>
+      <a:fillRef idx="1">
+        <a:scrgbClr r="0" g="0" b="0"/>
+      </a:fillRef>
+      <a:effectRef idx="0">
+        <a:scrgbClr r="0" g="0" b="0"/>
+      </a:effectRef>
+      <a:fontRef idx="minor">
+        <a:schemeClr val="lt1"/>
+      </a:fontRef>
+    </dgm:style>
+  </dgm:styleLbl>
+  <dgm:styleLbl name="fgImgPlace1">
+    <dgm:scene3d>
+      <a:camera prst="orthographicFront"/>
+      <a:lightRig rig="threePt" dir="t"/>
+    </dgm:scene3d>
+    <dgm:sp3d/>
+    <dgm:txPr/>
+    <dgm:style>
+      <a:lnRef idx="2">
+        <a:scrgbClr r="0" g="0" b="0"/>
+      </a:lnRef>
+      <a:fillRef idx="1">
+        <a:scrgbClr r="0" g="0" b="0"/>
+      </a:fillRef>
+      <a:effectRef idx="0">
+        <a:scrgbClr r="0" g="0" b="0"/>
+      </a:effectRef>
+      <a:fontRef idx="minor"/>
+    </dgm:style>
+  </dgm:styleLbl>
+  <dgm:styleLbl name="alignImgPlace1">
+    <dgm:scene3d>
+      <a:camera prst="orthographicFront"/>
+      <a:lightRig rig="threePt" dir="t"/>
+    </dgm:scene3d>
+    <dgm:sp3d/>
+    <dgm:txPr/>
+    <dgm:style>
+      <a:lnRef idx="2">
+        <a:scrgbClr r="0" g="0" b="0"/>
+      </a:lnRef>
+      <a:fillRef idx="1">
+        <a:scrgbClr r="0" g="0" b="0"/>
+      </a:fillRef>
+      <a:effectRef idx="0">
+        <a:scrgbClr r="0" g="0" b="0"/>
+      </a:effectRef>
+      <a:fontRef idx="minor"/>
+    </dgm:style>
+  </dgm:styleLbl>
+  <dgm:styleLbl name="bgImgPlace1">
+    <dgm:scene3d>
+      <a:camera prst="orthographicFront"/>
+      <a:lightRig rig="threePt" dir="t"/>
+    </dgm:scene3d>
+    <dgm:sp3d/>
+    <dgm:txPr/>
+    <dgm:style>
+      <a:lnRef idx="2">
+        <a:scrgbClr r="0" g="0" b="0"/>
+      </a:lnRef>
+      <a:fillRef idx="1">
+        <a:scrgbClr r="0" g="0" b="0"/>
+      </a:fillRef>
+      <a:effectRef idx="0">
+        <a:scrgbClr r="0" g="0" b="0"/>
+      </a:effectRef>
+      <a:fontRef idx="minor"/>
+    </dgm:style>
+  </dgm:styleLbl>
+  <dgm:styleLbl name="sibTrans2D1">
+    <dgm:scene3d>
+      <a:camera prst="orthographicFront"/>
+      <a:lightRig rig="threePt" dir="t"/>
+    </dgm:scene3d>
+    <dgm:sp3d/>
+    <dgm:txPr/>
+    <dgm:style>
+      <a:lnRef idx="0">
+        <a:scrgbClr r="0" g="0" b="0"/>
+      </a:lnRef>
+      <a:fillRef idx="1">
+        <a:scrgbClr r="0" g="0" b="0"/>
+      </a:fillRef>
+      <a:effectRef idx="0">
+        <a:scrgbClr r="0" g="0" b="0"/>
+      </a:effectRef>
+      <a:fontRef idx="minor">
+        <a:schemeClr val="lt1"/>
+      </a:fontRef>
+    </dgm:style>
+  </dgm:styleLbl>
+  <dgm:styleLbl name="fgSibTrans2D1">
+    <dgm:scene3d>
+      <a:camera prst="orthographicFront"/>
+      <a:lightRig rig="threePt" dir="t"/>
+    </dgm:scene3d>
+    <dgm:sp3d/>
+    <dgm:txPr/>
+    <dgm:style>
+      <a:lnRef idx="0">
+        <a:scrgbClr r="0" g="0" b="0"/>
+      </a:lnRef>
+      <a:fillRef idx="1">
+        <a:scrgbClr r="0" g="0" b="0"/>
+      </a:fillRef>
+      <a:effectRef idx="0">
+        <a:scrgbClr r="0" g="0" b="0"/>
+      </a:effectRef>
+      <a:fontRef idx="minor">
+        <a:schemeClr val="lt1"/>
+      </a:fontRef>
+    </dgm:style>
+  </dgm:styleLbl>
+  <dgm:styleLbl name="bgSibTrans2D1">
+    <dgm:scene3d>
+      <a:camera prst="orthographicFront"/>
+      <a:lightRig rig="threePt" dir="t"/>
+    </dgm:scene3d>
+    <dgm:sp3d/>
+    <dgm:txPr/>
+    <dgm:style>
+      <a:lnRef idx="0">
+        <a:scrgbClr r="0" g="0" b="0"/>
+      </a:lnRef>
+      <a:fillRef idx="1">
+        <a:scrgbClr r="0" g="0" b="0"/>
+      </a:fillRef>
+      <a:effectRef idx="0">
+        <a:scrgbClr r="0" g="0" b="0"/>
+      </a:effectRef>
+      <a:fontRef idx="minor">
+        <a:schemeClr val="lt1"/>
+      </a:fontRef>
+    </dgm:style>
+  </dgm:styleLbl>
+  <dgm:styleLbl name="sibTrans1D1">
+    <dgm:scene3d>
+      <a:camera prst="orthographicFront"/>
+      <a:lightRig rig="threePt" dir="t"/>
+    </dgm:scene3d>
+    <dgm:sp3d/>
+    <dgm:txPr/>
+    <dgm:style>
+      <a:lnRef idx="1">
+        <a:scrgbClr r="0" g="0" b="0"/>
+      </a:lnRef>
+      <a:fillRef idx="0">
+        <a:scrgbClr r="0" g="0" b="0"/>
+      </a:fillRef>
+      <a:effectRef idx="0">
+        <a:scrgbClr r="0" g="0" b="0"/>
+      </a:effectRef>
+      <a:fontRef idx="minor"/>
+    </dgm:style>
+  </dgm:styleLbl>
+  <dgm:styleLbl name="callout">
+    <dgm:scene3d>
+      <a:camera prst="orthographicFront"/>
+      <a:lightRig rig="threePt" dir="t"/>
+    </dgm:scene3d>
+    <dgm:sp3d/>
+    <dgm:txPr/>
+    <dgm:style>
+      <a:lnRef idx="2">
+        <a:scrgbClr r="0" g="0" b="0"/>
+      </a:lnRef>
+      <a:fillRef idx="1">
+        <a:scrgbClr r="0" g="0" b="0"/>
+      </a:fillRef>
+      <a:effectRef idx="0">
+        <a:scrgbClr r="0" g="0" b="0"/>
+      </a:effectRef>
+      <a:fontRef idx="minor"/>
+    </dgm:style>
+  </dgm:styleLbl>
+  <dgm:styleLbl name="asst0">
+    <dgm:scene3d>
+      <a:camera prst="orthographicFront"/>
+      <a:lightRig rig="threePt" dir="t"/>
+    </dgm:scene3d>
+    <dgm:sp3d/>
+    <dgm:txPr/>
+    <dgm:style>
+      <a:lnRef idx="2">
+        <a:scrgbClr r="0" g="0" b="0"/>
+      </a:lnRef>
+      <a:fillRef idx="1">
+        <a:scrgbClr r="0" g="0" b="0"/>
+      </a:fillRef>
+      <a:effectRef idx="0">
+        <a:scrgbClr r="0" g="0" b="0"/>
+      </a:effectRef>
+      <a:fontRef idx="minor">
+        <a:schemeClr val="lt1"/>
+      </a:fontRef>
+    </dgm:style>
+  </dgm:styleLbl>
+  <dgm:styleLbl name="asst1">
+    <dgm:scene3d>
+      <a:camera prst="orthographicFront"/>
+      <a:lightRig rig="threePt" dir="t"/>
+    </dgm:scene3d>
+    <dgm:sp3d/>
+    <dgm:txPr/>
+    <dgm:style>
+      <a:lnRef idx="2">
+        <a:scrgbClr r="0" g="0" b="0"/>
+      </a:lnRef>
+      <a:fillRef idx="1">
+        <a:scrgbClr r="0" g="0" b="0"/>
+      </a:fillRef>
+      <a:effectRef idx="0">
+        <a:scrgbClr r="0" g="0" b="0"/>
+      </a:effectRef>
+      <a:fontRef idx="minor">
+        <a:schemeClr val="lt1"/>
+      </a:fontRef>
+    </dgm:style>
+  </dgm:styleLbl>
+  <dgm:styleLbl name="asst2">
+    <dgm:scene3d>
+      <a:camera prst="orthographicFront"/>
+      <a:lightRig rig="threePt" dir="t"/>
+    </dgm:scene3d>
+    <dgm:sp3d/>
+    <dgm:txPr/>
+    <dgm:style>
+      <a:lnRef idx="2">
+        <a:scrgbClr r="0" g="0" b="0"/>
+      </a:lnRef>
+      <a:fillRef idx="1">
+        <a:scrgbClr r="0" g="0" b="0"/>
+      </a:fillRef>
+      <a:effectRef idx="0">
+        <a:scrgbClr r="0" g="0" b="0"/>
+      </a:effectRef>
+      <a:fontRef idx="minor">
+        <a:schemeClr val="lt1"/>
+      </a:fontRef>
+    </dgm:style>
+  </dgm:styleLbl>
+  <dgm:styleLbl name="asst3">
+    <dgm:scene3d>
+      <a:camera prst="orthographicFront"/>
+      <a:lightRig rig="threePt" dir="t"/>
+    </dgm:scene3d>
+    <dgm:sp3d/>
+    <dgm:txPr/>
+    <dgm:style>
+      <a:lnRef idx="2">
+        <a:scrgbClr r="0" g="0" b="0"/>
+      </a:lnRef>
+      <a:fillRef idx="1">
+        <a:scrgbClr r="0" g="0" b="0"/>
+      </a:fillRef>
+      <a:effectRef idx="0">
+        <a:scrgbClr r="0" g="0" b="0"/>
+      </a:effectRef>
+      <a:fontRef idx="minor">
+        <a:schemeClr val="lt1"/>
+      </a:fontRef>
+    </dgm:style>
+  </dgm:styleLbl>
+  <dgm:styleLbl name="asst4">
+    <dgm:scene3d>
+      <a:camera prst="orthographicFront"/>
+      <a:lightRig rig="threePt" dir="t"/>
+    </dgm:scene3d>
+    <dgm:sp3d/>
+    <dgm:txPr/>
+    <dgm:style>
+      <a:lnRef idx="2">
+        <a:scrgbClr r="0" g="0" b="0"/>
+      </a:lnRef>
+      <a:fillRef idx="1">
+        <a:scrgbClr r="0" g="0" b="0"/>
+      </a:fillRef>
+      <a:effectRef idx="0">
+        <a:scrgbClr r="0" g="0" b="0"/>
+      </a:effectRef>
+      <a:fontRef idx="minor">
+        <a:schemeClr val="lt1"/>
+      </a:fontRef>
+    </dgm:style>
+  </dgm:styleLbl>
+  <dgm:styleLbl name="parChTrans2D1">
+    <dgm:scene3d>
+      <a:camera prst="orthographicFront"/>
+      <a:lightRig rig="threePt" dir="t"/>
+    </dgm:scene3d>
+    <dgm:sp3d/>
+    <dgm:txPr/>
+    <dgm:style>
+      <a:lnRef idx="2">
+        <a:scrgbClr r="0" g="0" b="0"/>
+      </a:lnRef>
+      <a:fillRef idx="1">
+        <a:scrgbClr r="0" g="0" b="0"/>
+      </a:fillRef>
+      <a:effectRef idx="0">
+        <a:scrgbClr r="0" g="0" b="0"/>
+      </a:effectRef>
+      <a:fontRef idx="minor">
+        <a:schemeClr val="lt1"/>
+      </a:fontRef>
+    </dgm:style>
+  </dgm:styleLbl>
+  <dgm:styleLbl name="parChTrans2D2">
+    <dgm:scene3d>
+      <a:camera prst="orthographicFront"/>
+      <a:lightRig rig="threePt" dir="t"/>
+    </dgm:scene3d>
+    <dgm:sp3d/>
+    <dgm:txPr/>
+    <dgm:style>
+      <a:lnRef idx="2">
+        <a:scrgbClr r="0" g="0" b="0"/>
+      </a:lnRef>
+      <a:fillRef idx="1">
+        <a:scrgbClr r="0" g="0" b="0"/>
+      </a:fillRef>
+      <a:effectRef idx="0">
+        <a:scrgbClr r="0" g="0" b="0"/>
+      </a:effectRef>
+      <a:fontRef idx="minor">
+        <a:schemeClr val="lt1"/>
+      </a:fontRef>
+    </dgm:style>
+  </dgm:styleLbl>
+  <dgm:styleLbl name="parChTrans2D3">
+    <dgm:scene3d>
+      <a:camera prst="orthographicFront"/>
+      <a:lightRig rig="threePt" dir="t"/>
+    </dgm:scene3d>
+    <dgm:sp3d/>
+    <dgm:txPr/>
+    <dgm:style>
+      <a:lnRef idx="2">
+        <a:scrgbClr r="0" g="0" b="0"/>
+      </a:lnRef>
+      <a:fillRef idx="1">
+        <a:scrgbClr r="0" g="0" b="0"/>
+      </a:fillRef>
+      <a:effectRef idx="0">
+        <a:scrgbClr r="0" g="0" b="0"/>
+      </a:effectRef>
+      <a:fontRef idx="minor">
+        <a:schemeClr val="lt1"/>
+      </a:fontRef>
+    </dgm:style>
+  </dgm:styleLbl>
+  <dgm:styleLbl name="parChTrans2D4">
+    <dgm:scene3d>
+      <a:camera prst="orthographicFront"/>
+      <a:lightRig rig="threePt" dir="t"/>
+    </dgm:scene3d>
+    <dgm:sp3d/>
+    <dgm:txPr/>
+    <dgm:style>
+      <a:lnRef idx="2">
+        <a:scrgbClr r="0" g="0" b="0"/>
+      </a:lnRef>
+      <a:fillRef idx="1">
+        <a:scrgbClr r="0" g="0" b="0"/>
+      </a:fillRef>
+      <a:effectRef idx="0">
+        <a:scrgbClr r="0" g="0" b="0"/>
+      </a:effectRef>
+      <a:fontRef idx="minor">
+        <a:schemeClr val="lt1"/>
+      </a:fontRef>
+    </dgm:style>
+  </dgm:styleLbl>
+  <dgm:styleLbl name="parChTrans1D1">
+    <dgm:scene3d>
+      <a:camera prst="orthographicFront"/>
+      <a:lightRig rig="threePt" dir="t"/>
+    </dgm:scene3d>
+    <dgm:sp3d/>
+    <dgm:txPr/>
+    <dgm:style>
+      <a:lnRef idx="2">
+        <a:scrgbClr r="0" g="0" b="0"/>
+      </a:lnRef>
+      <a:fillRef idx="0">
+        <a:scrgbClr r="0" g="0" b="0"/>
+      </a:fillRef>
+      <a:effectRef idx="0">
+        <a:scrgbClr r="0" g="0" b="0"/>
+      </a:effectRef>
+      <a:fontRef idx="minor"/>
+    </dgm:style>
+  </dgm:styleLbl>
+  <dgm:styleLbl name="parChTrans1D2">
+    <dgm:scene3d>
+      <a:camera prst="orthographicFront"/>
+      <a:lightRig rig="threePt" dir="t"/>
+    </dgm:scene3d>
+    <dgm:sp3d/>
+    <dgm:txPr/>
+    <dgm:style>
+      <a:lnRef idx="2">
+        <a:scrgbClr r="0" g="0" b="0"/>
+      </a:lnRef>
+      <a:fillRef idx="0">
+        <a:scrgbClr r="0" g="0" b="0"/>
+      </a:fillRef>
+      <a:effectRef idx="0">
+        <a:scrgbClr r="0" g="0" b="0"/>
+      </a:effectRef>
+      <a:fontRef idx="minor"/>
+    </dgm:style>
+  </dgm:styleLbl>
+  <dgm:styleLbl name="parChTrans1D3">
+    <dgm:scene3d>
+      <a:camera prst="orthographicFront"/>
+      <a:lightRig rig="threePt" dir="t"/>
+    </dgm:scene3d>
+    <dgm:sp3d/>
+    <dgm:txPr/>
+    <dgm:style>
+      <a:lnRef idx="2">
+        <a:scrgbClr r="0" g="0" b="0"/>
+      </a:lnRef>
+      <a:fillRef idx="0">
+        <a:scrgbClr r="0" g="0" b="0"/>
+      </a:fillRef>
+      <a:effectRef idx="0">
+        <a:scrgbClr r="0" g="0" b="0"/>
+      </a:effectRef>
+      <a:fontRef idx="minor"/>
+    </dgm:style>
+  </dgm:styleLbl>
+  <dgm:styleLbl name="parChTrans1D4">
+    <dgm:scene3d>
+      <a:camera prst="orthographicFront"/>
+      <a:lightRig rig="threePt" dir="t"/>
+    </dgm:scene3d>
+    <dgm:sp3d/>
+    <dgm:txPr/>
+    <dgm:style>
+      <a:lnRef idx="2">
+        <a:scrgbClr r="0" g="0" b="0"/>
+      </a:lnRef>
+      <a:fillRef idx="0">
+        <a:scrgbClr r="0" g="0" b="0"/>
+      </a:fillRef>
+      <a:effectRef idx="0">
+        <a:scrgbClr r="0" g="0" b="0"/>
+      </a:effectRef>
+      <a:fontRef idx="minor"/>
+    </dgm:style>
+  </dgm:styleLbl>
+  <dgm:styleLbl name="fgAcc1">
+    <dgm:scene3d>
+      <a:camera prst="orthographicFront"/>
+      <a:lightRig rig="threePt" dir="t"/>
+    </dgm:scene3d>
+    <dgm:sp3d/>
+    <dgm:txPr/>
+    <dgm:style>
+      <a:lnRef idx="2">
+        <a:scrgbClr r="0" g="0" b="0"/>
+      </a:lnRef>
+      <a:fillRef idx="1">
+        <a:scrgbClr r="0" g="0" b="0"/>
+      </a:fillRef>
+      <a:effectRef idx="0">
+        <a:scrgbClr r="0" g="0" b="0"/>
+      </a:effectRef>
+      <a:fontRef idx="minor"/>
+    </dgm:style>
+  </dgm:styleLbl>
+  <dgm:styleLbl name="conFgAcc1">
+    <dgm:scene3d>
+      <a:camera prst="orthographicFront"/>
+      <a:lightRig rig="threePt" dir="t"/>
+    </dgm:scene3d>
+    <dgm:sp3d/>
+    <dgm:txPr/>
+    <dgm:style>
+      <a:lnRef idx="2">
+        <a:scrgbClr r="0" g="0" b="0"/>
+      </a:lnRef>
+      <a:fillRef idx="1">
+        <a:scrgbClr r="0" g="0" b="0"/>
+      </a:fillRef>
+      <a:effectRef idx="0">
+        <a:scrgbClr r="0" g="0" b="0"/>
+      </a:effectRef>
+      <a:fontRef idx="minor"/>
+    </dgm:style>
+  </dgm:styleLbl>
+  <dgm:styleLbl name="alignAcc1">
+    <dgm:scene3d>
+      <a:camera prst="orthographicFront"/>
+      <a:lightRig rig="threePt" dir="t"/>
+    </dgm:scene3d>
+    <dgm:sp3d/>
+    <dgm:txPr/>
+    <dgm:style>
+      <a:lnRef idx="2">
+        <a:scrgbClr r="0" g="0" b="0"/>
+      </a:lnRef>
+      <a:fillRef idx="1">
+        <a:scrgbClr r="0" g="0" b="0"/>
+      </a:fillRef>
+      <a:effectRef idx="0">
+        <a:scrgbClr r="0" g="0" b="0"/>
+      </a:effectRef>
+      <a:fontRef idx="minor"/>
+    </dgm:style>
+  </dgm:styleLbl>
+  <dgm:styleLbl name="trAlignAcc1">
+    <dgm:scene3d>
+      <a:camera prst="orthographicFront"/>
+      <a:lightRig rig="threePt" dir="t"/>
+    </dgm:scene3d>
+    <dgm:sp3d/>
+    <dgm:txPr/>
+    <dgm:style>
+      <a:lnRef idx="1">
+        <a:scrgbClr r="0" g="0" b="0"/>
+      </a:lnRef>
+      <a:fillRef idx="1">
+        <a:scrgbClr r="0" g="0" b="0"/>
+      </a:fillRef>
+      <a:effectRef idx="0">
+        <a:scrgbClr r="0" g="0" b="0"/>
+      </a:effectRef>
+      <a:fontRef idx="minor"/>
+    </dgm:style>
+  </dgm:styleLbl>
+  <dgm:styleLbl name="bgAcc1">
+    <dgm:scene3d>
+      <a:camera prst="orthographicFront"/>
+      <a:lightRig rig="threePt" dir="t"/>
+    </dgm:scene3d>
+    <dgm:sp3d/>
+    <dgm:txPr/>
+    <dgm:style>
+      <a:lnRef idx="2">
+        <a:scrgbClr r="0" g="0" b="0"/>
+      </a:lnRef>
+      <a:fillRef idx="1">
+        <a:scrgbClr r="0" g="0" b="0"/>
+      </a:fillRef>
+      <a:effectRef idx="0">
+        <a:scrgbClr r="0" g="0" b="0"/>
+      </a:effectRef>
+      <a:fontRef idx="minor"/>
+    </dgm:style>
+  </dgm:styleLbl>
+  <dgm:styleLbl name="solidFgAcc1">
+    <dgm:scene3d>
+      <a:camera prst="orthographicFront"/>
+      <a:lightRig rig="threePt" dir="t"/>
+    </dgm:scene3d>
+    <dgm:sp3d/>
+    <dgm:txPr/>
+    <dgm:style>
+      <a:lnRef idx="2">
+        <a:scrgbClr r="0" g="0" b="0"/>
+      </a:lnRef>
+      <a:fillRef idx="1">
+        <a:scrgbClr r="0" g="0" b="0"/>
+      </a:fillRef>
+      <a:effectRef idx="0">
+        <a:scrgbClr r="0" g="0" b="0"/>
+      </a:effectRef>
+      <a:fontRef idx="minor"/>
+    </dgm:style>
+  </dgm:styleLbl>
+  <dgm:styleLbl name="solidAlignAcc1">
+    <dgm:scene3d>
+      <a:camera prst="orthographicFront"/>
+      <a:lightRig rig="threePt" dir="t"/>
+    </dgm:scene3d>
+    <dgm:sp3d/>
+    <dgm:txPr/>
+    <dgm:style>
+      <a:lnRef idx="2">
+        <a:scrgbClr r="0" g="0" b="0"/>
+      </a:lnRef>
+      <a:fillRef idx="1">
+        <a:scrgbClr r="0" g="0" b="0"/>
+      </a:fillRef>
+      <a:effectRef idx="0">
+        <a:scrgbClr r="0" g="0" b="0"/>
+      </a:effectRef>
+      <a:fontRef idx="minor"/>
+    </dgm:style>
+  </dgm:styleLbl>
+  <dgm:styleLbl name="solidBgAcc1">
+    <dgm:scene3d>
+      <a:camera prst="orthographicFront"/>
+      <a:lightRig rig="threePt" dir="t"/>
+    </dgm:scene3d>
+    <dgm:sp3d/>
+    <dgm:txPr/>
+    <dgm:style>
+      <a:lnRef idx="2">
+        <a:scrgbClr r="0" g="0" b="0"/>
+      </a:lnRef>
+      <a:fillRef idx="1">
+        <a:scrgbClr r="0" g="0" b="0"/>
+      </a:fillRef>
+      <a:effectRef idx="0">
+        <a:scrgbClr r="0" g="0" b="0"/>
+      </a:effectRef>
+      <a:fontRef idx="minor"/>
+    </dgm:style>
+  </dgm:styleLbl>
+  <dgm:styleLbl name="fgAccFollowNode1">
+    <dgm:scene3d>
+      <a:camera prst="orthographicFront"/>
+      <a:lightRig rig="threePt" dir="t"/>
+    </dgm:scene3d>
+    <dgm:sp3d/>
+    <dgm:txPr/>
+    <dgm:style>
+      <a:lnRef idx="2">
+        <a:scrgbClr r="0" g="0" b="0"/>
+      </a:lnRef>
+      <a:fillRef idx="1">
+        <a:scrgbClr r="0" g="0" b="0"/>
+      </a:fillRef>
+      <a:effectRef idx="0">
+        <a:scrgbClr r="0" g="0" b="0"/>
+      </a:effectRef>
+      <a:fontRef idx="minor"/>
+    </dgm:style>
+  </dgm:styleLbl>
+  <dgm:styleLbl name="alignAccFollowNode1">
+    <dgm:scene3d>
+      <a:camera prst="orthographicFront"/>
+      <a:lightRig rig="threePt" dir="t"/>
+    </dgm:scene3d>
+    <dgm:sp3d/>
+    <dgm:txPr/>
+    <dgm:style>
+      <a:lnRef idx="2">
+        <a:scrgbClr r="0" g="0" b="0"/>
+      </a:lnRef>
+      <a:fillRef idx="1">
+        <a:scrgbClr r="0" g="0" b="0"/>
+      </a:fillRef>
+      <a:effectRef idx="0">
+        <a:scrgbClr r="0" g="0" b="0"/>
+      </a:effectRef>
+      <a:fontRef idx="minor"/>
+    </dgm:style>
+  </dgm:styleLbl>
+  <dgm:styleLbl name="bgAccFollowNode1">
+    <dgm:scene3d>
+      <a:camera prst="orthographicFront"/>
+      <a:lightRig rig="threePt" dir="t"/>
+    </dgm:scene3d>
+    <dgm:sp3d/>
+    <dgm:txPr/>
+    <dgm:style>
+      <a:lnRef idx="2">
+        <a:scrgbClr r="0" g="0" b="0"/>
+      </a:lnRef>
+      <a:fillRef idx="1">
+        <a:scrgbClr r="0" g="0" b="0"/>
+      </a:fillRef>
+      <a:effectRef idx="0">
+        <a:scrgbClr r="0" g="0" b="0"/>
+      </a:effectRef>
+      <a:fontRef idx="minor"/>
+    </dgm:style>
+  </dgm:styleLbl>
+  <dgm:styleLbl name="fgAcc0">
+    <dgm:scene3d>
+      <a:camera prst="orthographicFront"/>
+      <a:lightRig rig="threePt" dir="t"/>
+    </dgm:scene3d>
+    <dgm:sp3d/>
+    <dgm:txPr/>
+    <dgm:style>
+      <a:lnRef idx="2">
+        <a:scrgbClr r="0" g="0" b="0"/>
+      </a:lnRef>
+      <a:fillRef idx="1">
+        <a:scrgbClr r="0" g="0" b="0"/>
+      </a:fillRef>
+      <a:effectRef idx="0">
+        <a:scrgbClr r="0" g="0" b="0"/>
+      </a:effectRef>
+      <a:fontRef idx="minor"/>
+    </dgm:style>
+  </dgm:styleLbl>
+  <dgm:styleLbl name="fgAcc2">
+    <dgm:scene3d>
+      <a:camera prst="orthographicFront"/>
+      <a:lightRig rig="threePt" dir="t"/>
+    </dgm:scene3d>
+    <dgm:sp3d/>
+    <dgm:txPr/>
+    <dgm:style>
+      <a:lnRef idx="2">
+        <a:scrgbClr r="0" g="0" b="0"/>
+      </a:lnRef>
+      <a:fillRef idx="1">
+        <a:scrgbClr r="0" g="0" b="0"/>
+      </a:fillRef>
+      <a:effectRef idx="0">
+        <a:scrgbClr r="0" g="0" b="0"/>
+      </a:effectRef>
+      <a:fontRef idx="minor"/>
+    </dgm:style>
+  </dgm:styleLbl>
+  <dgm:styleLbl name="fgAcc3">
+    <dgm:scene3d>
+      <a:camera prst="orthographicFront"/>
+      <a:lightRig rig="threePt" dir="t"/>
+    </dgm:scene3d>
+    <dgm:sp3d/>
+    <dgm:txPr/>
+    <dgm:style>
+      <a:lnRef idx="2">
+        <a:scrgbClr r="0" g="0" b="0"/>
+      </a:lnRef>
+      <a:fillRef idx="1">
+        <a:scrgbClr r="0" g="0" b="0"/>
+      </a:fillRef>
+      <a:effectRef idx="0">
+        <a:scrgbClr r="0" g="0" b="0"/>
+      </a:effectRef>
+      <a:fontRef idx="minor"/>
+    </dgm:style>
+  </dgm:styleLbl>
+  <dgm:styleLbl name="fgAcc4">
+    <dgm:scene3d>
+      <a:camera prst="orthographicFront"/>
+      <a:lightRig rig="threePt" dir="t"/>
+    </dgm:scene3d>
+    <dgm:sp3d/>
+    <dgm:txPr/>
+    <dgm:style>
+      <a:lnRef idx="2">
+        <a:scrgbClr r="0" g="0" b="0"/>
+      </a:lnRef>
+      <a:fillRef idx="1">
+        <a:scrgbClr r="0" g="0" b="0"/>
+      </a:fillRef>
+      <a:effectRef idx="0">
+        <a:scrgbClr r="0" g="0" b="0"/>
+      </a:effectRef>
+      <a:fontRef idx="minor"/>
+    </dgm:style>
+  </dgm:styleLbl>
+  <dgm:styleLbl name="bgShp">
+    <dgm:scene3d>
+      <a:camera prst="orthographicFront"/>
+      <a:lightRig rig="threePt" dir="t"/>
+    </dgm:scene3d>
+    <dgm:sp3d/>
+    <dgm:txPr/>
+    <dgm:style>
+      <a:lnRef idx="0">
+        <a:scrgbClr r="0" g="0" b="0"/>
+      </a:lnRef>
+      <a:fillRef idx="1">
+        <a:scrgbClr r="0" g="0" b="0"/>
+      </a:fillRef>
+      <a:effectRef idx="0">
+        <a:scrgbClr r="0" g="0" b="0"/>
+      </a:effectRef>
+      <a:fontRef idx="minor"/>
+    </dgm:style>
+  </dgm:styleLbl>
+  <dgm:styleLbl name="dkBgShp">
+    <dgm:scene3d>
+      <a:camera prst="orthographicFront"/>
+      <a:lightRig rig="threePt" dir="t"/>
+    </dgm:scene3d>
+    <dgm:sp3d/>
+    <dgm:txPr/>
+    <dgm:style>
+      <a:lnRef idx="0">
+        <a:scrgbClr r="0" g="0" b="0"/>
+      </a:lnRef>
+      <a:fillRef idx="1">
+        <a:scrgbClr r="0" g="0" b="0"/>
+      </a:fillRef>
+      <a:effectRef idx="0">
+        <a:scrgbClr r="0" g="0" b="0"/>
+      </a:effectRef>
+      <a:fontRef idx="minor"/>
+    </dgm:style>
+  </dgm:styleLbl>
+  <dgm:styleLbl name="trBgShp">
+    <dgm:scene3d>
+      <a:camera prst="orthographicFront"/>
+      <a:lightRig rig="threePt" dir="t"/>
+    </dgm:scene3d>
+    <dgm:sp3d/>
+    <dgm:txPr/>
+    <dgm:style>
+      <a:lnRef idx="0">
+        <a:scrgbClr r="0" g="0" b="0"/>
+      </a:lnRef>
+      <a:fillRef idx="1">
+        <a:scrgbClr r="0" g="0" b="0"/>
+      </a:fillRef>
+      <a:effectRef idx="0">
+        <a:scrgbClr r="0" g="0" b="0"/>
+      </a:effectRef>
+      <a:fontRef idx="minor"/>
+    </dgm:style>
+  </dgm:styleLbl>
+  <dgm:styleLbl name="fgShp">
+    <dgm:scene3d>
+      <a:camera prst="orthographicFront"/>
+      <a:lightRig rig="threePt" dir="t"/>
+    </dgm:scene3d>
+    <dgm:sp3d/>
+    <dgm:txPr/>
+    <dgm:style>
+      <a:lnRef idx="2">
+        <a:scrgbClr r="0" g="0" b="0"/>
+      </a:lnRef>
+      <a:fillRef idx="1">
+        <a:scrgbClr r="0" g="0" b="0"/>
+      </a:fillRef>
+      <a:effectRef idx="0">
+        <a:scrgbClr r="0" g="0" b="0"/>
+      </a:effectRef>
+      <a:fontRef idx="minor"/>
+    </dgm:style>
+  </dgm:styleLbl>
+  <dgm:styleLbl name="revTx">
+    <dgm:scene3d>
+      <a:camera prst="orthographicFront"/>
+      <a:lightRig rig="threePt" dir="t"/>
+    </dgm:scene3d>
+    <dgm:sp3d/>
+    <dgm:txPr/>
+    <dgm:style>
+      <a:lnRef idx="0">
+        <a:scrgbClr r="0" g="0" b="0"/>
+      </a:lnRef>
+      <a:fillRef idx="0">
+        <a:scrgbClr r="0" g="0" b="0"/>
+      </a:fillRef>
+      <a:effectRef idx="0">
+        <a:scrgbClr r="0" g="0" b="0"/>
+      </a:effectRef>
+      <a:fontRef idx="minor"/>
+    </dgm:style>
+  </dgm:styleLbl>
+</dgm:styleDef>
+</file>
+
+<file path=ppt/diagrams/quickStyle3.xml><?xml version="1.0" encoding="utf-8"?>
 <dgm:styleDef xmlns:dgm="http://schemas.openxmlformats.org/drawingml/2006/diagram" xmlns:a="http://schemas.openxmlformats.org/drawingml/2006/main" uniqueId="urn:microsoft.com/office/officeart/2005/8/quickstyle/simple1">
   <dgm:title val=""/>
   <dgm:desc val=""/>
@@ -9964,12 +15754,908 @@
           <a:chExt cx="0" cy="0"/>
         </a:xfrm>
       </p:grpSpPr>
+      <p:pic>
+        <p:nvPicPr>
+          <p:cNvPr id="6" name="Picture 5" descr="A colorful city with a green background&#10;&#10;Description automatically generated">
+            <a:extLst>
+              <a:ext uri="{FF2B5EF4-FFF2-40B4-BE49-F238E27FC236}">
+                <a16:creationId xmlns:a16="http://schemas.microsoft.com/office/drawing/2014/main" id="{5A3F5894-2520-A58E-6585-47617ECE7172}"/>
+              </a:ext>
+            </a:extLst>
+          </p:cNvPr>
+          <p:cNvPicPr>
+            <a:picLocks noChangeAspect="1"/>
+          </p:cNvPicPr>
+          <p:nvPr/>
+        </p:nvPicPr>
+        <p:blipFill>
+          <a:blip r:embed="rId4">
+            <a:duotone>
+              <a:prstClr val="black"/>
+              <a:schemeClr val="accent5">
+                <a:tint val="45000"/>
+                <a:satMod val="400000"/>
+              </a:schemeClr>
+            </a:duotone>
+            <a:alphaModFix amt="25000"/>
+          </a:blip>
+          <a:srcRect t="48864" r="9091"/>
+          <a:stretch/>
+        </p:blipFill>
+        <p:spPr>
+          <a:xfrm>
+            <a:off x="20" y="10"/>
+            <a:ext cx="12191980" cy="6857990"/>
+          </a:xfrm>
+          <a:prstGeom prst="rect">
+            <a:avLst/>
+          </a:prstGeom>
+        </p:spPr>
+      </p:pic>
       <p:sp>
         <p:nvSpPr>
-          <p:cNvPr id="10" name="Rectangle 9">
+          <p:cNvPr id="3" name="Title 2">
             <a:extLst>
               <a:ext uri="{FF2B5EF4-FFF2-40B4-BE49-F238E27FC236}">
-                <a16:creationId xmlns:a16="http://schemas.microsoft.com/office/drawing/2014/main" id="{C6A81905-F480-46A4-BC10-215D24EA1AE6}"/>
+                <a16:creationId xmlns:a16="http://schemas.microsoft.com/office/drawing/2014/main" id="{8B84A219-08CE-C1C0-BC5C-D722D437C00F}"/>
+              </a:ext>
+            </a:extLst>
+          </p:cNvPr>
+          <p:cNvSpPr>
+            <a:spLocks noGrp="1"/>
+          </p:cNvSpPr>
+          <p:nvPr>
+            <p:ph type="ctrTitle"/>
+          </p:nvPr>
+        </p:nvSpPr>
+        <p:spPr>
+          <a:xfrm>
+            <a:off x="1154955" y="1447800"/>
+            <a:ext cx="8825658" cy="3329581"/>
+          </a:xfrm>
+        </p:spPr>
+        <p:txBody>
+          <a:bodyPr>
+            <a:normAutofit/>
+          </a:bodyPr>
+          <a:lstStyle/>
+          <a:p>
+            <a:r>
+              <a:rPr lang="en-US" dirty="0"/>
+              <a:t>Sales AI</a:t>
+            </a:r>
+          </a:p>
+        </p:txBody>
+      </p:sp>
+      <p:sp>
+        <p:nvSpPr>
+          <p:cNvPr id="4" name="Subtitle 3">
+            <a:extLst>
+              <a:ext uri="{FF2B5EF4-FFF2-40B4-BE49-F238E27FC236}">
+                <a16:creationId xmlns:a16="http://schemas.microsoft.com/office/drawing/2014/main" id="{BDF6A64B-7E64-84AF-35EC-928C6970A898}"/>
+              </a:ext>
+            </a:extLst>
+          </p:cNvPr>
+          <p:cNvSpPr>
+            <a:spLocks noGrp="1"/>
+          </p:cNvSpPr>
+          <p:nvPr>
+            <p:ph type="subTitle" idx="1"/>
+          </p:nvPr>
+        </p:nvSpPr>
+        <p:spPr>
+          <a:xfrm>
+            <a:off x="1154955" y="4777380"/>
+            <a:ext cx="8825658" cy="861420"/>
+          </a:xfrm>
+        </p:spPr>
+        <p:txBody>
+          <a:bodyPr>
+            <a:normAutofit/>
+          </a:bodyPr>
+          <a:lstStyle/>
+          <a:p>
+            <a:r>
+              <a:rPr lang="en-US" b="0" cap="none" spc="0">
+                <a:ln w="0"/>
+                <a:effectLst>
+                  <a:outerShdw blurRad="38100" dist="19050" dir="2700000" algn="tl" rotWithShape="0">
+                    <a:schemeClr val="dk1">
+                      <a:alpha val="40000"/>
+                    </a:schemeClr>
+                  </a:outerShdw>
+                </a:effectLst>
+              </a:rPr>
+              <a:t>Empowering Salespeople with AI</a:t>
+            </a:r>
+          </a:p>
+          <a:p>
+            <a:endParaRPr lang="en-US"/>
+          </a:p>
+        </p:txBody>
+      </p:sp>
+      <p:sp>
+        <p:nvSpPr>
+          <p:cNvPr id="19" name="Rectangle 18">
+            <a:extLst>
+              <a:ext uri="{FF2B5EF4-FFF2-40B4-BE49-F238E27FC236}">
+                <a16:creationId xmlns:a16="http://schemas.microsoft.com/office/drawing/2014/main" id="{C885E190-58DD-42DD-A4A8-401E15C92A52}"/>
+              </a:ext>
+              <a:ext uri="{C183D7F6-B498-43B3-948B-1728B52AA6E4}">
+                <adec:decorative xmlns:adec="http://schemas.microsoft.com/office/drawing/2017/decorative" val="1"/>
+              </a:ext>
+            </a:extLst>
+          </p:cNvPr>
+          <p:cNvSpPr>
+            <a:spLocks noGrp="1" noRot="1" noChangeAspect="1" noMove="1" noResize="1" noEditPoints="1" noAdjustHandles="1" noChangeArrowheads="1" noChangeShapeType="1" noTextEdit="1"/>
+          </p:cNvSpPr>
+          <p:nvPr>
+            <p:extLst>
+              <p:ext uri="{386F3935-93C4-4BCD-93E2-E3B085C9AB24}">
+                <p16:designElem xmlns:p16="http://schemas.microsoft.com/office/powerpoint/2015/main" val="1"/>
+              </p:ext>
+            </p:extLst>
+          </p:nvPr>
+        </p:nvSpPr>
+        <p:spPr>
+          <a:xfrm>
+            <a:off x="10437812" y="0"/>
+            <a:ext cx="685800" cy="1143000"/>
+          </a:xfrm>
+          <a:prstGeom prst="rect">
+            <a:avLst/>
+          </a:prstGeom>
+          <a:solidFill>
+            <a:schemeClr val="accent1"/>
+          </a:solidFill>
+          <a:ln>
+            <a:noFill/>
+          </a:ln>
+        </p:spPr>
+        <p:style>
+          <a:lnRef idx="1">
+            <a:schemeClr val="accent1"/>
+          </a:lnRef>
+          <a:fillRef idx="3">
+            <a:schemeClr val="accent1"/>
+          </a:fillRef>
+          <a:effectRef idx="2">
+            <a:schemeClr val="accent1"/>
+          </a:effectRef>
+          <a:fontRef idx="minor">
+            <a:schemeClr val="lt1"/>
+          </a:fontRef>
+        </p:style>
+        <p:txBody>
+          <a:bodyPr/>
+          <a:lstStyle/>
+          <a:p>
+            <a:endParaRPr lang="en-US"/>
+          </a:p>
+        </p:txBody>
+      </p:sp>
+    </p:spTree>
+  </p:cSld>
+  <p:clrMapOvr>
+    <a:masterClrMapping/>
+  </p:clrMapOvr>
+  <p:timing>
+    <p:tnLst>
+      <p:par>
+        <p:cTn id="1" dur="indefinite" restart="never" nodeType="tmRoot">
+          <p:childTnLst>
+            <p:seq concurrent="1" nextAc="seek">
+              <p:cTn id="2" dur="indefinite" nodeType="mainSeq">
+                <p:childTnLst>
+                  <p:par>
+                    <p:cTn id="3" fill="hold">
+                      <p:stCondLst>
+                        <p:cond delay="indefinite"/>
+                        <p:cond evt="onBegin" delay="0">
+                          <p:tn val="2"/>
+                        </p:cond>
+                      </p:stCondLst>
+                      <p:childTnLst>
+                        <p:par>
+                          <p:cTn id="4" fill="hold">
+                            <p:stCondLst>
+                              <p:cond delay="0"/>
+                            </p:stCondLst>
+                            <p:childTnLst>
+                              <p:par>
+                                <p:cTn id="5" presetID="10" presetClass="entr" presetSubtype="0" fill="hold" grpId="0" nodeType="withEffect">
+                                  <p:stCondLst>
+                                    <p:cond delay="1000"/>
+                                  </p:stCondLst>
+                                  <p:iterate>
+                                    <p:tmPct val="10000"/>
+                                  </p:iterate>
+                                  <p:childTnLst>
+                                    <p:set>
+                                      <p:cBhvr>
+                                        <p:cTn id="6" dur="1" fill="hold">
+                                          <p:stCondLst>
+                                            <p:cond delay="0"/>
+                                          </p:stCondLst>
+                                        </p:cTn>
+                                        <p:tgtEl>
+                                          <p:spTgt spid="3"/>
+                                        </p:tgtEl>
+                                        <p:attrNameLst>
+                                          <p:attrName>style.visibility</p:attrName>
+                                        </p:attrNameLst>
+                                      </p:cBhvr>
+                                      <p:to>
+                                        <p:strVal val="visible"/>
+                                      </p:to>
+                                    </p:set>
+                                    <p:animEffect transition="in" filter="fade">
+                                      <p:cBhvr>
+                                        <p:cTn id="7" dur="700"/>
+                                        <p:tgtEl>
+                                          <p:spTgt spid="3"/>
+                                        </p:tgtEl>
+                                      </p:cBhvr>
+                                    </p:animEffect>
+                                  </p:childTnLst>
+                                </p:cTn>
+                              </p:par>
+                              <p:par>
+                                <p:cTn id="8" presetID="10" presetClass="entr" presetSubtype="0" fill="hold" grpId="0" nodeType="withEffect">
+                                  <p:stCondLst>
+                                    <p:cond delay="1500"/>
+                                  </p:stCondLst>
+                                  <p:iterate>
+                                    <p:tmPct val="10000"/>
+                                  </p:iterate>
+                                  <p:childTnLst>
+                                    <p:set>
+                                      <p:cBhvr>
+                                        <p:cTn id="9" dur="1" fill="hold">
+                                          <p:stCondLst>
+                                            <p:cond delay="0"/>
+                                          </p:stCondLst>
+                                        </p:cTn>
+                                        <p:tgtEl>
+                                          <p:spTgt spid="4">
+                                            <p:txEl>
+                                              <p:pRg st="0" end="0"/>
+                                            </p:txEl>
+                                          </p:spTgt>
+                                        </p:tgtEl>
+                                        <p:attrNameLst>
+                                          <p:attrName>style.visibility</p:attrName>
+                                        </p:attrNameLst>
+                                      </p:cBhvr>
+                                      <p:to>
+                                        <p:strVal val="visible"/>
+                                      </p:to>
+                                    </p:set>
+                                    <p:animEffect transition="in" filter="fade">
+                                      <p:cBhvr>
+                                        <p:cTn id="10" dur="700"/>
+                                        <p:tgtEl>
+                                          <p:spTgt spid="4">
+                                            <p:txEl>
+                                              <p:pRg st="0" end="0"/>
+                                            </p:txEl>
+                                          </p:spTgt>
+                                        </p:tgtEl>
+                                      </p:cBhvr>
+                                    </p:animEffect>
+                                  </p:childTnLst>
+                                </p:cTn>
+                              </p:par>
+                            </p:childTnLst>
+                          </p:cTn>
+                        </p:par>
+                      </p:childTnLst>
+                    </p:cTn>
+                  </p:par>
+                </p:childTnLst>
+              </p:cTn>
+              <p:prevCondLst>
+                <p:cond evt="onPrev" delay="0">
+                  <p:tgtEl>
+                    <p:sldTgt/>
+                  </p:tgtEl>
+                </p:cond>
+              </p:prevCondLst>
+              <p:nextCondLst>
+                <p:cond evt="onNext" delay="0">
+                  <p:tgtEl>
+                    <p:sldTgt/>
+                  </p:tgtEl>
+                </p:cond>
+              </p:nextCondLst>
+            </p:seq>
+          </p:childTnLst>
+        </p:cTn>
+      </p:par>
+    </p:tnLst>
+    <p:bldLst>
+      <p:bldP spid="3" grpId="0"/>
+      <p:bldP spid="4" grpId="0" build="p"/>
+    </p:bldLst>
+  </p:timing>
+</p:sld>
+</file>
+
+<file path=ppt/slides/slide2.xml><?xml version="1.0" encoding="utf-8"?>
+<p:sld xmlns:a="http://schemas.openxmlformats.org/drawingml/2006/main" xmlns:r="http://schemas.openxmlformats.org/officeDocument/2006/relationships" xmlns:p="http://schemas.openxmlformats.org/presentationml/2006/main">
+  <p:cSld>
+    <p:spTree>
+      <p:nvGrpSpPr>
+        <p:cNvPr id="1" name=""/>
+        <p:cNvGrpSpPr/>
+        <p:nvPr/>
+      </p:nvGrpSpPr>
+      <p:grpSpPr>
+        <a:xfrm>
+          <a:off x="0" y="0"/>
+          <a:ext cx="0" cy="0"/>
+          <a:chOff x="0" y="0"/>
+          <a:chExt cx="0" cy="0"/>
+        </a:xfrm>
+      </p:grpSpPr>
+      <p:sp>
+        <p:nvSpPr>
+          <p:cNvPr id="2" name="Title 1">
+            <a:extLst>
+              <a:ext uri="{FF2B5EF4-FFF2-40B4-BE49-F238E27FC236}">
+                <a16:creationId xmlns:a16="http://schemas.microsoft.com/office/drawing/2014/main" id="{9428A797-5579-479B-8A22-78DDED13B9B9}"/>
+              </a:ext>
+            </a:extLst>
+          </p:cNvPr>
+          <p:cNvSpPr>
+            <a:spLocks noGrp="1"/>
+          </p:cNvSpPr>
+          <p:nvPr>
+            <p:ph type="title"/>
+          </p:nvPr>
+        </p:nvSpPr>
+        <p:spPr/>
+        <p:txBody>
+          <a:bodyPr/>
+          <a:lstStyle/>
+          <a:p>
+            <a:r>
+              <a:rPr lang="en-US" dirty="0"/>
+              <a:t>Challenges with current Sales Teams</a:t>
+            </a:r>
+          </a:p>
+        </p:txBody>
+      </p:sp>
+      <p:graphicFrame>
+        <p:nvGraphicFramePr>
+          <p:cNvPr id="5" name="Diagram 4">
+            <a:extLst>
+              <a:ext uri="{FF2B5EF4-FFF2-40B4-BE49-F238E27FC236}">
+                <a16:creationId xmlns:a16="http://schemas.microsoft.com/office/drawing/2014/main" id="{25949DE9-024F-ACB5-466B-4C8B6D32BD9F}"/>
+              </a:ext>
+            </a:extLst>
+          </p:cNvPr>
+          <p:cNvGraphicFramePr/>
+          <p:nvPr>
+            <p:extLst>
+              <p:ext uri="{D42A27DB-BD31-4B8C-83A1-F6EECF244321}">
+                <p14:modId xmlns:p14="http://schemas.microsoft.com/office/powerpoint/2010/main" val="556986920"/>
+              </p:ext>
+            </p:extLst>
+          </p:nvPr>
+        </p:nvGraphicFramePr>
+        <p:xfrm>
+          <a:off x="2032000" y="719666"/>
+          <a:ext cx="8128000" cy="5418667"/>
+        </p:xfrm>
+        <a:graphic>
+          <a:graphicData uri="http://schemas.openxmlformats.org/drawingml/2006/diagram">
+            <dgm:relIds xmlns:dgm="http://schemas.openxmlformats.org/drawingml/2006/diagram" xmlns:r="http://schemas.openxmlformats.org/officeDocument/2006/relationships" r:dm="rId2" r:lo="rId3" r:qs="rId4" r:cs="rId5"/>
+          </a:graphicData>
+        </a:graphic>
+      </p:graphicFrame>
+      <p:sp>
+        <p:nvSpPr>
+          <p:cNvPr id="3" name="Rectangle: Rounded Corners 2">
+            <a:extLst>
+              <a:ext uri="{FF2B5EF4-FFF2-40B4-BE49-F238E27FC236}">
+                <a16:creationId xmlns:a16="http://schemas.microsoft.com/office/drawing/2014/main" id="{0570224F-706A-7A62-B903-A63148182FAB}"/>
+              </a:ext>
+            </a:extLst>
+          </p:cNvPr>
+          <p:cNvSpPr/>
+          <p:nvPr/>
+        </p:nvSpPr>
+        <p:spPr>
+          <a:xfrm>
+            <a:off x="2032000" y="5847127"/>
+            <a:ext cx="8128000" cy="704675"/>
+          </a:xfrm>
+          <a:prstGeom prst="roundRect">
+            <a:avLst/>
+          </a:prstGeom>
+        </p:spPr>
+        <p:style>
+          <a:lnRef idx="2">
+            <a:schemeClr val="accent1">
+              <a:shade val="15000"/>
+            </a:schemeClr>
+          </a:lnRef>
+          <a:fillRef idx="1">
+            <a:schemeClr val="accent1"/>
+          </a:fillRef>
+          <a:effectRef idx="0">
+            <a:schemeClr val="accent1"/>
+          </a:effectRef>
+          <a:fontRef idx="minor">
+            <a:schemeClr val="lt1"/>
+          </a:fontRef>
+        </p:style>
+        <p:txBody>
+          <a:bodyPr rtlCol="0" anchor="ctr"/>
+          <a:lstStyle/>
+          <a:p>
+            <a:pPr algn="ctr"/>
+            <a:r>
+              <a:rPr lang="en-US" dirty="0"/>
+              <a:t>How do we use AI to bridge the gap between the performance of Jack and Timmy?</a:t>
+            </a:r>
+          </a:p>
+        </p:txBody>
+      </p:sp>
+    </p:spTree>
+    <p:extLst>
+      <p:ext uri="{BB962C8B-B14F-4D97-AF65-F5344CB8AC3E}">
+        <p14:creationId xmlns:p14="http://schemas.microsoft.com/office/powerpoint/2010/main" val="3251502316"/>
+      </p:ext>
+    </p:extLst>
+  </p:cSld>
+  <p:clrMapOvr>
+    <a:masterClrMapping/>
+  </p:clrMapOvr>
+</p:sld>
+</file>
+
+<file path=ppt/slides/slide3.xml><?xml version="1.0" encoding="utf-8"?>
+<p:sld xmlns:a="http://schemas.openxmlformats.org/drawingml/2006/main" xmlns:r="http://schemas.openxmlformats.org/officeDocument/2006/relationships" xmlns:p="http://schemas.openxmlformats.org/presentationml/2006/main">
+  <p:cSld>
+    <p:spTree>
+      <p:nvGrpSpPr>
+        <p:cNvPr id="1" name=""/>
+        <p:cNvGrpSpPr/>
+        <p:nvPr/>
+      </p:nvGrpSpPr>
+      <p:grpSpPr>
+        <a:xfrm>
+          <a:off x="0" y="0"/>
+          <a:ext cx="0" cy="0"/>
+          <a:chOff x="0" y="0"/>
+          <a:chExt cx="0" cy="0"/>
+        </a:xfrm>
+      </p:grpSpPr>
+      <p:sp>
+        <p:nvSpPr>
+          <p:cNvPr id="2" name="Title 1">
+            <a:extLst>
+              <a:ext uri="{FF2B5EF4-FFF2-40B4-BE49-F238E27FC236}">
+                <a16:creationId xmlns:a16="http://schemas.microsoft.com/office/drawing/2014/main" id="{5707A6EF-3214-6235-BCDD-0FD694CA3AAF}"/>
+              </a:ext>
+            </a:extLst>
+          </p:cNvPr>
+          <p:cNvSpPr>
+            <a:spLocks noGrp="1"/>
+          </p:cNvSpPr>
+          <p:nvPr>
+            <p:ph type="title"/>
+          </p:nvPr>
+        </p:nvSpPr>
+        <p:spPr/>
+        <p:txBody>
+          <a:bodyPr/>
+          <a:lstStyle/>
+          <a:p>
+            <a:r>
+              <a:rPr lang="en-US" dirty="0"/>
+              <a:t>How does Wolf AI reduce our dependence on Jack and improve Timmy’s performance</a:t>
+            </a:r>
+          </a:p>
+        </p:txBody>
+      </p:sp>
+      <p:graphicFrame>
+        <p:nvGraphicFramePr>
+          <p:cNvPr id="4" name="Diagram 3">
+            <a:extLst>
+              <a:ext uri="{FF2B5EF4-FFF2-40B4-BE49-F238E27FC236}">
+                <a16:creationId xmlns:a16="http://schemas.microsoft.com/office/drawing/2014/main" id="{D0F3FBE7-274E-6417-179F-CBA7D6FBD5E5}"/>
+              </a:ext>
+            </a:extLst>
+          </p:cNvPr>
+          <p:cNvGraphicFramePr/>
+          <p:nvPr>
+            <p:extLst>
+              <p:ext uri="{D42A27DB-BD31-4B8C-83A1-F6EECF244321}">
+                <p14:modId xmlns:p14="http://schemas.microsoft.com/office/powerpoint/2010/main" val="1560838307"/>
+              </p:ext>
+            </p:extLst>
+          </p:nvPr>
+        </p:nvGraphicFramePr>
+        <p:xfrm>
+          <a:off x="491613" y="1868130"/>
+          <a:ext cx="11316929" cy="4621160"/>
+        </p:xfrm>
+        <a:graphic>
+          <a:graphicData uri="http://schemas.openxmlformats.org/drawingml/2006/diagram">
+            <dgm:relIds xmlns:dgm="http://schemas.openxmlformats.org/drawingml/2006/diagram" xmlns:r="http://schemas.openxmlformats.org/officeDocument/2006/relationships" r:dm="rId2" r:lo="rId3" r:qs="rId4" r:cs="rId5"/>
+          </a:graphicData>
+        </a:graphic>
+      </p:graphicFrame>
+    </p:spTree>
+    <p:extLst>
+      <p:ext uri="{BB962C8B-B14F-4D97-AF65-F5344CB8AC3E}">
+        <p14:creationId xmlns:p14="http://schemas.microsoft.com/office/powerpoint/2010/main" val="2446567988"/>
+      </p:ext>
+    </p:extLst>
+  </p:cSld>
+  <p:clrMapOvr>
+    <a:masterClrMapping/>
+  </p:clrMapOvr>
+</p:sld>
+</file>
+
+<file path=ppt/slides/slide4.xml><?xml version="1.0" encoding="utf-8"?>
+<p:sld xmlns:a="http://schemas.openxmlformats.org/drawingml/2006/main" xmlns:r="http://schemas.openxmlformats.org/officeDocument/2006/relationships" xmlns:p="http://schemas.openxmlformats.org/presentationml/2006/main">
+  <p:cSld>
+    <p:bg>
+      <p:bgPr>
+        <a:solidFill>
+          <a:schemeClr val="bg1"/>
+        </a:solidFill>
+        <a:effectLst/>
+      </p:bgPr>
+    </p:bg>
+    <p:spTree>
+      <p:nvGrpSpPr>
+        <p:cNvPr id="1" name=""/>
+        <p:cNvGrpSpPr/>
+        <p:nvPr/>
+      </p:nvGrpSpPr>
+      <p:grpSpPr>
+        <a:xfrm>
+          <a:off x="0" y="0"/>
+          <a:ext cx="0" cy="0"/>
+          <a:chOff x="0" y="0"/>
+          <a:chExt cx="0" cy="0"/>
+        </a:xfrm>
+      </p:grpSpPr>
+      <p:pic>
+        <p:nvPicPr>
+          <p:cNvPr id="10" name="Picture 9">
+            <a:extLst>
+              <a:ext uri="{FF2B5EF4-FFF2-40B4-BE49-F238E27FC236}">
+                <a16:creationId xmlns:a16="http://schemas.microsoft.com/office/drawing/2014/main" id="{41B68C77-138E-4BF7-A276-BD0C78A4219F}"/>
+              </a:ext>
+              <a:ext uri="{C183D7F6-B498-43B3-948B-1728B52AA6E4}">
+                <adec:decorative xmlns:adec="http://schemas.microsoft.com/office/drawing/2017/decorative" val="1"/>
+              </a:ext>
+            </a:extLst>
+          </p:cNvPr>
+          <p:cNvPicPr>
+            <a:picLocks noGrp="1" noRot="1" noChangeAspect="1" noMove="1" noResize="1" noEditPoints="1" noAdjustHandles="1" noChangeArrowheads="1" noChangeShapeType="1" noCrop="1"/>
+          </p:cNvPicPr>
+          <p:nvPr>
+            <p:extLst>
+              <p:ext uri="{386F3935-93C4-4BCD-93E2-E3B085C9AB24}">
+                <p16:designElem xmlns:p16="http://schemas.microsoft.com/office/powerpoint/2015/main" val="1"/>
+              </p:ext>
+            </p:extLst>
+          </p:nvPr>
+        </p:nvPicPr>
+        <p:blipFill rotWithShape="1">
+          <a:blip r:embed="rId2">
+            <a:extLst>
+              <a:ext uri="{28A0092B-C50C-407E-A947-70E740481C1C}">
+                <a14:useLocalDpi xmlns:a14="http://schemas.microsoft.com/office/drawing/2010/main" val="0"/>
+              </a:ext>
+            </a:extLst>
+          </a:blip>
+          <a:srcRect l="3613"/>
+          <a:stretch/>
+        </p:blipFill>
+        <p:spPr>
+          <a:xfrm>
+            <a:off x="0" y="2669685"/>
+            <a:ext cx="4037012" cy="4188315"/>
+          </a:xfrm>
+          <a:prstGeom prst="rect">
+            <a:avLst/>
+          </a:prstGeom>
+        </p:spPr>
+      </p:pic>
+      <p:pic>
+        <p:nvPicPr>
+          <p:cNvPr id="12" name="Picture 11">
+            <a:extLst>
+              <a:ext uri="{FF2B5EF4-FFF2-40B4-BE49-F238E27FC236}">
+                <a16:creationId xmlns:a16="http://schemas.microsoft.com/office/drawing/2014/main" id="{7C268552-D473-46ED-B1B8-422042C4DEF1}"/>
+              </a:ext>
+              <a:ext uri="{C183D7F6-B498-43B3-948B-1728B52AA6E4}">
+                <adec:decorative xmlns:adec="http://schemas.microsoft.com/office/drawing/2017/decorative" val="1"/>
+              </a:ext>
+            </a:extLst>
+          </p:cNvPr>
+          <p:cNvPicPr>
+            <a:picLocks noGrp="1" noRot="1" noChangeAspect="1" noMove="1" noResize="1" noEditPoints="1" noAdjustHandles="1" noChangeArrowheads="1" noChangeShapeType="1" noCrop="1"/>
+          </p:cNvPicPr>
+          <p:nvPr>
+            <p:extLst>
+              <p:ext uri="{386F3935-93C4-4BCD-93E2-E3B085C9AB24}">
+                <p16:designElem xmlns:p16="http://schemas.microsoft.com/office/powerpoint/2015/main" val="1"/>
+              </p:ext>
+            </p:extLst>
+          </p:nvPr>
+        </p:nvPicPr>
+        <p:blipFill rotWithShape="1">
+          <a:blip r:embed="rId3">
+            <a:extLst>
+              <a:ext uri="{28A0092B-C50C-407E-A947-70E740481C1C}">
+                <a14:useLocalDpi xmlns:a14="http://schemas.microsoft.com/office/drawing/2010/main" val="0"/>
+              </a:ext>
+            </a:extLst>
+          </a:blip>
+          <a:srcRect l="35640"/>
+          <a:stretch/>
+        </p:blipFill>
+        <p:spPr>
+          <a:xfrm>
+            <a:off x="0" y="2892347"/>
+            <a:ext cx="1522412" cy="2365453"/>
+          </a:xfrm>
+          <a:prstGeom prst="rect">
+            <a:avLst/>
+          </a:prstGeom>
+        </p:spPr>
+      </p:pic>
+      <p:sp>
+        <p:nvSpPr>
+          <p:cNvPr id="14" name="Oval 13">
+            <a:extLst>
+              <a:ext uri="{FF2B5EF4-FFF2-40B4-BE49-F238E27FC236}">
+                <a16:creationId xmlns:a16="http://schemas.microsoft.com/office/drawing/2014/main" id="{4AC0CD9D-7610-4620-93B4-798CCD9AB581}"/>
+              </a:ext>
+              <a:ext uri="{C183D7F6-B498-43B3-948B-1728B52AA6E4}">
+                <adec:decorative xmlns:adec="http://schemas.microsoft.com/office/drawing/2017/decorative" val="1"/>
+              </a:ext>
+            </a:extLst>
+          </p:cNvPr>
+          <p:cNvSpPr>
+            <a:spLocks noGrp="1" noRot="1" noChangeAspect="1" noMove="1" noResize="1" noEditPoints="1" noAdjustHandles="1" noChangeArrowheads="1" noChangeShapeType="1" noTextEdit="1"/>
+          </p:cNvSpPr>
+          <p:nvPr>
+            <p:extLst>
+              <p:ext uri="{386F3935-93C4-4BCD-93E2-E3B085C9AB24}">
+                <p16:designElem xmlns:p16="http://schemas.microsoft.com/office/powerpoint/2015/main" val="1"/>
+              </p:ext>
+            </p:extLst>
+          </p:nvPr>
+        </p:nvSpPr>
+        <p:spPr>
+          <a:xfrm>
+            <a:off x="8609012" y="1676400"/>
+            <a:ext cx="2819400" cy="2819400"/>
+          </a:xfrm>
+          <a:prstGeom prst="ellipse">
+            <a:avLst/>
+          </a:prstGeom>
+          <a:gradFill flip="none" rotWithShape="1">
+            <a:gsLst>
+              <a:gs pos="0">
+                <a:schemeClr val="bg2">
+                  <a:lumMod val="60000"/>
+                  <a:lumOff val="40000"/>
+                  <a:alpha val="7000"/>
+                </a:schemeClr>
+              </a:gs>
+              <a:gs pos="69000">
+                <a:schemeClr val="bg2">
+                  <a:lumMod val="60000"/>
+                  <a:lumOff val="40000"/>
+                  <a:alpha val="0"/>
+                </a:schemeClr>
+              </a:gs>
+              <a:gs pos="36000">
+                <a:schemeClr val="bg2">
+                  <a:lumMod val="60000"/>
+                  <a:lumOff val="40000"/>
+                  <a:alpha val="6000"/>
+                </a:schemeClr>
+              </a:gs>
+            </a:gsLst>
+            <a:path path="circle">
+              <a:fillToRect l="50000" t="50000" r="50000" b="50000"/>
+            </a:path>
+            <a:tileRect/>
+          </a:gradFill>
+          <a:ln>
+            <a:noFill/>
+          </a:ln>
+          <a:effectLst/>
+        </p:spPr>
+        <p:style>
+          <a:lnRef idx="1">
+            <a:schemeClr val="accent1"/>
+          </a:lnRef>
+          <a:fillRef idx="3">
+            <a:schemeClr val="accent1"/>
+          </a:fillRef>
+          <a:effectRef idx="2">
+            <a:schemeClr val="accent1"/>
+          </a:effectRef>
+          <a:fontRef idx="minor">
+            <a:schemeClr val="lt1"/>
+          </a:fontRef>
+        </p:style>
+        <p:txBody>
+          <a:bodyPr/>
+          <a:lstStyle/>
+          <a:p>
+            <a:endParaRPr lang="en-US"/>
+          </a:p>
+        </p:txBody>
+      </p:sp>
+      <p:pic>
+        <p:nvPicPr>
+          <p:cNvPr id="16" name="Picture 15">
+            <a:extLst>
+              <a:ext uri="{FF2B5EF4-FFF2-40B4-BE49-F238E27FC236}">
+                <a16:creationId xmlns:a16="http://schemas.microsoft.com/office/drawing/2014/main" id="{B9238B3E-24AA-439A-B527-6C5DF6D72145}"/>
+              </a:ext>
+              <a:ext uri="{C183D7F6-B498-43B3-948B-1728B52AA6E4}">
+                <adec:decorative xmlns:adec="http://schemas.microsoft.com/office/drawing/2017/decorative" val="1"/>
+              </a:ext>
+            </a:extLst>
+          </p:cNvPr>
+          <p:cNvPicPr>
+            <a:picLocks noGrp="1" noRot="1" noChangeAspect="1" noMove="1" noResize="1" noEditPoints="1" noAdjustHandles="1" noChangeArrowheads="1" noChangeShapeType="1" noCrop="1"/>
+          </p:cNvPicPr>
+          <p:nvPr>
+            <p:extLst>
+              <p:ext uri="{386F3935-93C4-4BCD-93E2-E3B085C9AB24}">
+                <p16:designElem xmlns:p16="http://schemas.microsoft.com/office/powerpoint/2015/main" val="1"/>
+              </p:ext>
+            </p:extLst>
+          </p:nvPr>
+        </p:nvPicPr>
+        <p:blipFill rotWithShape="1">
+          <a:blip r:embed="rId4">
+            <a:extLst>
+              <a:ext uri="{28A0092B-C50C-407E-A947-70E740481C1C}">
+                <a14:useLocalDpi xmlns:a14="http://schemas.microsoft.com/office/drawing/2010/main" val="0"/>
+              </a:ext>
+            </a:extLst>
+          </a:blip>
+          <a:srcRect t="28813"/>
+          <a:stretch/>
+        </p:blipFill>
+        <p:spPr>
+          <a:xfrm>
+            <a:off x="7999412" y="0"/>
+            <a:ext cx="1603387" cy="1141407"/>
+          </a:xfrm>
+          <a:prstGeom prst="rect">
+            <a:avLst/>
+          </a:prstGeom>
+        </p:spPr>
+      </p:pic>
+      <p:pic>
+        <p:nvPicPr>
+          <p:cNvPr id="18" name="Picture 17">
+            <a:extLst>
+              <a:ext uri="{FF2B5EF4-FFF2-40B4-BE49-F238E27FC236}">
+                <a16:creationId xmlns:a16="http://schemas.microsoft.com/office/drawing/2014/main" id="{69F01145-BEA3-4CBF-AA21-10077B948CA8}"/>
+              </a:ext>
+              <a:ext uri="{C183D7F6-B498-43B3-948B-1728B52AA6E4}">
+                <adec:decorative xmlns:adec="http://schemas.microsoft.com/office/drawing/2017/decorative" val="1"/>
+              </a:ext>
+            </a:extLst>
+          </p:cNvPr>
+          <p:cNvPicPr>
+            <a:picLocks noGrp="1" noRot="1" noChangeAspect="1" noMove="1" noResize="1" noEditPoints="1" noAdjustHandles="1" noChangeArrowheads="1" noChangeShapeType="1" noCrop="1"/>
+          </p:cNvPicPr>
+          <p:nvPr>
+            <p:extLst>
+              <p:ext uri="{386F3935-93C4-4BCD-93E2-E3B085C9AB24}">
+                <p16:designElem xmlns:p16="http://schemas.microsoft.com/office/powerpoint/2015/main" val="1"/>
+              </p:ext>
+            </p:extLst>
+          </p:nvPr>
+        </p:nvPicPr>
+        <p:blipFill rotWithShape="1">
+          <a:blip r:embed="rId5">
+            <a:extLst>
+              <a:ext uri="{28A0092B-C50C-407E-A947-70E740481C1C}">
+                <a14:useLocalDpi xmlns:a14="http://schemas.microsoft.com/office/drawing/2010/main" val="0"/>
+              </a:ext>
+            </a:extLst>
+          </a:blip>
+          <a:srcRect b="23320"/>
+          <a:stretch/>
+        </p:blipFill>
+        <p:spPr>
+          <a:xfrm>
+            <a:off x="8605878" y="6096000"/>
+            <a:ext cx="993734" cy="762000"/>
+          </a:xfrm>
+          <a:prstGeom prst="rect">
+            <a:avLst/>
+          </a:prstGeom>
+        </p:spPr>
+      </p:pic>
+      <p:sp>
+        <p:nvSpPr>
+          <p:cNvPr id="20" name="Rectangle 19">
+            <a:extLst>
+              <a:ext uri="{FF2B5EF4-FFF2-40B4-BE49-F238E27FC236}">
+                <a16:creationId xmlns:a16="http://schemas.microsoft.com/office/drawing/2014/main" id="{DE4D62F9-188E-4530-84C2-24BDEE4BEB82}"/>
+              </a:ext>
+              <a:ext uri="{C183D7F6-B498-43B3-948B-1728B52AA6E4}">
+                <adec:decorative xmlns:adec="http://schemas.microsoft.com/office/drawing/2017/decorative" val="1"/>
+              </a:ext>
+            </a:extLst>
+          </p:cNvPr>
+          <p:cNvSpPr>
+            <a:spLocks noGrp="1" noRot="1" noChangeAspect="1" noMove="1" noResize="1" noEditPoints="1" noAdjustHandles="1" noChangeArrowheads="1" noChangeShapeType="1" noTextEdit="1"/>
+          </p:cNvSpPr>
+          <p:nvPr>
+            <p:extLst>
+              <p:ext uri="{386F3935-93C4-4BCD-93E2-E3B085C9AB24}">
+                <p16:designElem xmlns:p16="http://schemas.microsoft.com/office/powerpoint/2015/main" val="1"/>
+              </p:ext>
+            </p:extLst>
+          </p:nvPr>
+        </p:nvSpPr>
+        <p:spPr>
+          <a:xfrm>
+            <a:off x="10437812" y="0"/>
+            <a:ext cx="685800" cy="1143000"/>
+          </a:xfrm>
+          <a:prstGeom prst="rect">
+            <a:avLst/>
+          </a:prstGeom>
+          <a:solidFill>
+            <a:schemeClr val="accent1"/>
+          </a:solidFill>
+          <a:ln>
+            <a:noFill/>
+          </a:ln>
+        </p:spPr>
+        <p:style>
+          <a:lnRef idx="1">
+            <a:schemeClr val="accent1"/>
+          </a:lnRef>
+          <a:fillRef idx="3">
+            <a:schemeClr val="accent1"/>
+          </a:fillRef>
+          <a:effectRef idx="2">
+            <a:schemeClr val="accent1"/>
+          </a:effectRef>
+          <a:fontRef idx="minor">
+            <a:schemeClr val="lt1"/>
+          </a:fontRef>
+        </p:style>
+        <p:txBody>
+          <a:bodyPr/>
+          <a:lstStyle/>
+          <a:p>
+            <a:endParaRPr lang="en-US"/>
+          </a:p>
+        </p:txBody>
+      </p:sp>
+      <p:sp>
+        <p:nvSpPr>
+          <p:cNvPr id="22" name="Rectangle 21">
+            <a:extLst>
+              <a:ext uri="{FF2B5EF4-FFF2-40B4-BE49-F238E27FC236}">
+                <a16:creationId xmlns:a16="http://schemas.microsoft.com/office/drawing/2014/main" id="{B4AAD3FD-83A5-4B89-9F8F-01B8870865BE}"/>
               </a:ext>
               <a:ext uri="{C183D7F6-B498-43B3-948B-1728B52AA6E4}">
                 <adec:decorative xmlns:adec="http://schemas.microsoft.com/office/drawing/2017/decorative" val="1"/>
@@ -10026,10 +16712,10 @@
       </p:sp>
       <p:sp>
         <p:nvSpPr>
-          <p:cNvPr id="3" name="Title 2">
+          <p:cNvPr id="2" name="Title 1">
             <a:extLst>
               <a:ext uri="{FF2B5EF4-FFF2-40B4-BE49-F238E27FC236}">
-                <a16:creationId xmlns:a16="http://schemas.microsoft.com/office/drawing/2014/main" id="{8B84A219-08CE-C1C0-BC5C-D722D437C00F}"/>
+                <a16:creationId xmlns:a16="http://schemas.microsoft.com/office/drawing/2014/main" id="{5C7BDF9E-4B8F-EDDB-37B7-4DC5F05243F6}"/>
               </a:ext>
             </a:extLst>
           </p:cNvPr>
@@ -10037,98 +16723,46 @@
             <a:spLocks noGrp="1"/>
           </p:cNvSpPr>
           <p:nvPr>
-            <p:ph type="ctrTitle"/>
+            <p:ph type="title"/>
           </p:nvPr>
         </p:nvSpPr>
         <p:spPr>
           <a:xfrm>
-            <a:off x="4872012" y="1447800"/>
-            <a:ext cx="5222325" cy="3329581"/>
+            <a:off x="648931" y="629266"/>
+            <a:ext cx="4166510" cy="1622321"/>
           </a:xfrm>
         </p:spPr>
         <p:txBody>
-          <a:bodyPr>
+          <a:bodyPr vert="horz" lIns="91440" tIns="45720" rIns="91440" bIns="45720" rtlCol="0" anchor="t">
             <a:normAutofit/>
           </a:bodyPr>
           <a:lstStyle/>
           <a:p>
+            <a:pPr>
+              <a:spcBef>
+                <a:spcPct val="0"/>
+              </a:spcBef>
+            </a:pPr>
             <a:r>
-              <a:rPr lang="en-US">
+              <a:rPr lang="en-US" sz="4200" b="0" i="0" kern="1200">
                 <a:solidFill>
                   <a:srgbClr val="EBEBEB"/>
                 </a:solidFill>
+                <a:latin typeface="+mj-lt"/>
+                <a:ea typeface="+mj-ea"/>
+                <a:cs typeface="+mj-cs"/>
               </a:rPr>
-              <a:t>Sales AI</a:t>
+              <a:t>Solution Architecture</a:t>
             </a:r>
           </a:p>
         </p:txBody>
       </p:sp>
       <p:sp>
         <p:nvSpPr>
-          <p:cNvPr id="4" name="Subtitle 3">
+          <p:cNvPr id="24" name="Freeform 31">
             <a:extLst>
               <a:ext uri="{FF2B5EF4-FFF2-40B4-BE49-F238E27FC236}">
-                <a16:creationId xmlns:a16="http://schemas.microsoft.com/office/drawing/2014/main" id="{BDF6A64B-7E64-84AF-35EC-928C6970A898}"/>
-              </a:ext>
-            </a:extLst>
-          </p:cNvPr>
-          <p:cNvSpPr>
-            <a:spLocks noGrp="1"/>
-          </p:cNvSpPr>
-          <p:nvPr>
-            <p:ph type="subTitle" idx="1"/>
-          </p:nvPr>
-        </p:nvSpPr>
-        <p:spPr>
-          <a:xfrm>
-            <a:off x="4872012" y="4777380"/>
-            <a:ext cx="5222326" cy="861420"/>
-          </a:xfrm>
-        </p:spPr>
-        <p:txBody>
-          <a:bodyPr>
-            <a:normAutofit/>
-          </a:bodyPr>
-          <a:lstStyle/>
-          <a:p>
-            <a:r>
-              <a:rPr lang="en-US" b="0" cap="none" spc="0">
-                <a:ln w="0"/>
-                <a:solidFill>
-                  <a:schemeClr val="tx2">
-                    <a:lumMod val="40000"/>
-                    <a:lumOff val="60000"/>
-                  </a:schemeClr>
-                </a:solidFill>
-                <a:effectLst>
-                  <a:outerShdw blurRad="38100" dist="19050" dir="2700000" algn="tl" rotWithShape="0">
-                    <a:schemeClr val="dk1">
-                      <a:alpha val="40000"/>
-                    </a:schemeClr>
-                  </a:outerShdw>
-                </a:effectLst>
-              </a:rPr>
-              <a:t>Empowering Salespeople with AI</a:t>
-            </a:r>
-          </a:p>
-          <a:p>
-            <a:endParaRPr lang="en-US">
-              <a:solidFill>
-                <a:schemeClr val="tx2">
-                  <a:lumMod val="40000"/>
-                  <a:lumOff val="60000"/>
-                </a:schemeClr>
-              </a:solidFill>
-            </a:endParaRPr>
-          </a:p>
-        </p:txBody>
-      </p:sp>
-      <p:sp>
-        <p:nvSpPr>
-          <p:cNvPr id="12" name="Freeform 8">
-            <a:extLst>
-              <a:ext uri="{FF2B5EF4-FFF2-40B4-BE49-F238E27FC236}">
-                <a16:creationId xmlns:a16="http://schemas.microsoft.com/office/drawing/2014/main" id="{36FD4D9D-3784-41E8-8405-A42B72F51331}"/>
+                <a16:creationId xmlns:a16="http://schemas.microsoft.com/office/drawing/2014/main" id="{61752F1D-FC0F-4103-9584-630E643CCDA6}"/>
               </a:ext>
               <a:ext uri="{C183D7F6-B498-43B3-948B-1728B52AA6E4}">
                 <adec:decorative xmlns:adec="http://schemas.microsoft.com/office/drawing/2017/decorative" val="1"/>
@@ -10147,8 +16781,8 @@
           </p:nvPr>
         </p:nvSpPr>
         <p:spPr>
-          <a:xfrm flipH="1">
-            <a:off x="4135692" y="-1"/>
+          <a:xfrm>
+            <a:off x="4994020" y="-1"/>
             <a:ext cx="559472" cy="3709642"/>
           </a:xfrm>
           <a:custGeom>
@@ -10458,7 +17092,7 @@
             </a:pathLst>
           </a:custGeom>
           <a:solidFill>
-            <a:schemeClr val="tx1">
+            <a:schemeClr val="bg1">
               <a:alpha val="20000"/>
             </a:schemeClr>
           </a:solidFill>
@@ -10475,12 +17109,482 @@
           </a:p>
         </p:txBody>
       </p:sp>
+      <p:sp useBgFill="1">
+        <p:nvSpPr>
+          <p:cNvPr id="26" name="Freeform: Shape 25">
+            <a:extLst>
+              <a:ext uri="{FF2B5EF4-FFF2-40B4-BE49-F238E27FC236}">
+                <a16:creationId xmlns:a16="http://schemas.microsoft.com/office/drawing/2014/main" id="{70151CB7-E7DE-4917-B831-01DF9CE01306}"/>
+              </a:ext>
+              <a:ext uri="{C183D7F6-B498-43B3-948B-1728B52AA6E4}">
+                <adec:decorative xmlns:adec="http://schemas.microsoft.com/office/drawing/2017/decorative" val="1"/>
+              </a:ext>
+            </a:extLst>
+          </p:cNvPr>
+          <p:cNvSpPr>
+            <a:spLocks noGrp="1" noRot="1" noChangeAspect="1" noMove="1" noResize="1" noEditPoints="1" noAdjustHandles="1" noChangeArrowheads="1" noChangeShapeType="1" noTextEdit="1"/>
+          </p:cNvSpPr>
+          <p:nvPr>
+            <p:extLst>
+              <p:ext uri="{386F3935-93C4-4BCD-93E2-E3B085C9AB24}">
+                <p16:designElem xmlns:p16="http://schemas.microsoft.com/office/powerpoint/2015/main" val="1"/>
+              </p:ext>
+            </p:extLst>
+          </p:nvPr>
+        </p:nvSpPr>
+        <p:spPr bwMode="gray">
+          <a:xfrm rot="16200000">
+            <a:off x="5270819" y="-63600"/>
+            <a:ext cx="6858001" cy="6985200"/>
+          </a:xfrm>
+          <a:custGeom>
+            <a:avLst/>
+            <a:gdLst>
+              <a:gd name="connsiteX0" fmla="*/ 6858001 w 6858001"/>
+              <a:gd name="connsiteY0" fmla="*/ 1177 h 6985200"/>
+              <a:gd name="connsiteX1" fmla="*/ 6858001 w 6858001"/>
+              <a:gd name="connsiteY1" fmla="*/ 1344715 h 6985200"/>
+              <a:gd name="connsiteX2" fmla="*/ 6858000 w 6858001"/>
+              <a:gd name="connsiteY2" fmla="*/ 1344715 h 6985200"/>
+              <a:gd name="connsiteX3" fmla="*/ 6858000 w 6858001"/>
+              <a:gd name="connsiteY3" fmla="*/ 6985200 h 6985200"/>
+              <a:gd name="connsiteX4" fmla="*/ 0 w 6858001"/>
+              <a:gd name="connsiteY4" fmla="*/ 6985199 h 6985200"/>
+              <a:gd name="connsiteX5" fmla="*/ 0 w 6858001"/>
+              <a:gd name="connsiteY5" fmla="*/ 886772 h 6985200"/>
+              <a:gd name="connsiteX6" fmla="*/ 1 w 6858001"/>
+              <a:gd name="connsiteY6" fmla="*/ 886772 h 6985200"/>
+              <a:gd name="connsiteX7" fmla="*/ 1 w 6858001"/>
+              <a:gd name="connsiteY7" fmla="*/ 0 h 6985200"/>
+              <a:gd name="connsiteX8" fmla="*/ 40463 w 6858001"/>
+              <a:gd name="connsiteY8" fmla="*/ 5883 h 6985200"/>
+              <a:gd name="connsiteX9" fmla="*/ 159107 w 6858001"/>
+              <a:gd name="connsiteY9" fmla="*/ 23196 h 6985200"/>
+              <a:gd name="connsiteX10" fmla="*/ 245518 w 6858001"/>
+              <a:gd name="connsiteY10" fmla="*/ 35299 h 6985200"/>
+              <a:gd name="connsiteX11" fmla="*/ 348388 w 6858001"/>
+              <a:gd name="connsiteY11" fmla="*/ 48073 h 6985200"/>
+              <a:gd name="connsiteX12" fmla="*/ 470460 w 6858001"/>
+              <a:gd name="connsiteY12" fmla="*/ 63369 h 6985200"/>
+              <a:gd name="connsiteX13" fmla="*/ 605563 w 6858001"/>
+              <a:gd name="connsiteY13" fmla="*/ 79506 h 6985200"/>
+              <a:gd name="connsiteX14" fmla="*/ 757810 w 6858001"/>
+              <a:gd name="connsiteY14" fmla="*/ 96483 h 6985200"/>
+              <a:gd name="connsiteX15" fmla="*/ 923774 w 6858001"/>
+              <a:gd name="connsiteY15" fmla="*/ 114469 h 6985200"/>
+              <a:gd name="connsiteX16" fmla="*/ 1104139 w 6858001"/>
+              <a:gd name="connsiteY16" fmla="*/ 132454 h 6985200"/>
+              <a:gd name="connsiteX17" fmla="*/ 1296163 w 6858001"/>
+              <a:gd name="connsiteY17" fmla="*/ 150776 h 6985200"/>
+              <a:gd name="connsiteX18" fmla="*/ 1503275 w 6858001"/>
+              <a:gd name="connsiteY18" fmla="*/ 167753 h 6985200"/>
+              <a:gd name="connsiteX19" fmla="*/ 1719988 w 6858001"/>
+              <a:gd name="connsiteY19" fmla="*/ 184058 h 6985200"/>
+              <a:gd name="connsiteX20" fmla="*/ 1949045 w 6858001"/>
+              <a:gd name="connsiteY20" fmla="*/ 198849 h 6985200"/>
+              <a:gd name="connsiteX21" fmla="*/ 2187703 w 6858001"/>
+              <a:gd name="connsiteY21" fmla="*/ 212969 h 6985200"/>
+              <a:gd name="connsiteX22" fmla="*/ 2436649 w 6858001"/>
+              <a:gd name="connsiteY22" fmla="*/ 226248 h 6985200"/>
+              <a:gd name="connsiteX23" fmla="*/ 2564208 w 6858001"/>
+              <a:gd name="connsiteY23" fmla="*/ 230955 h 6985200"/>
+              <a:gd name="connsiteX24" fmla="*/ 2694509 w 6858001"/>
+              <a:gd name="connsiteY24" fmla="*/ 236165 h 6985200"/>
+              <a:gd name="connsiteX25" fmla="*/ 2826869 w 6858001"/>
+              <a:gd name="connsiteY25" fmla="*/ 241040 h 6985200"/>
+              <a:gd name="connsiteX26" fmla="*/ 2959914 w 6858001"/>
+              <a:gd name="connsiteY26" fmla="*/ 244234 h 6985200"/>
+              <a:gd name="connsiteX27" fmla="*/ 3095702 w 6858001"/>
+              <a:gd name="connsiteY27" fmla="*/ 247091 h 6985200"/>
+              <a:gd name="connsiteX28" fmla="*/ 3232862 w 6858001"/>
+              <a:gd name="connsiteY28" fmla="*/ 250117 h 6985200"/>
+              <a:gd name="connsiteX29" fmla="*/ 3372766 w 6858001"/>
+              <a:gd name="connsiteY29" fmla="*/ 252134 h 6985200"/>
+              <a:gd name="connsiteX30" fmla="*/ 3514040 w 6858001"/>
+              <a:gd name="connsiteY30" fmla="*/ 252134 h 6985200"/>
+              <a:gd name="connsiteX31" fmla="*/ 3656686 w 6858001"/>
+              <a:gd name="connsiteY31" fmla="*/ 253142 h 6985200"/>
+              <a:gd name="connsiteX32" fmla="*/ 3800705 w 6858001"/>
+              <a:gd name="connsiteY32" fmla="*/ 252134 h 6985200"/>
+              <a:gd name="connsiteX33" fmla="*/ 3946780 w 6858001"/>
+              <a:gd name="connsiteY33" fmla="*/ 250117 h 6985200"/>
+              <a:gd name="connsiteX34" fmla="*/ 4092856 w 6858001"/>
+              <a:gd name="connsiteY34" fmla="*/ 248268 h 6985200"/>
+              <a:gd name="connsiteX35" fmla="*/ 4240988 w 6858001"/>
+              <a:gd name="connsiteY35" fmla="*/ 244234 h 6985200"/>
+              <a:gd name="connsiteX36" fmla="*/ 4390492 w 6858001"/>
+              <a:gd name="connsiteY36" fmla="*/ 240032 h 6985200"/>
+              <a:gd name="connsiteX37" fmla="*/ 4539997 w 6858001"/>
+              <a:gd name="connsiteY37" fmla="*/ 235157 h 6985200"/>
+              <a:gd name="connsiteX38" fmla="*/ 4690873 w 6858001"/>
+              <a:gd name="connsiteY38" fmla="*/ 228266 h 6985200"/>
+              <a:gd name="connsiteX39" fmla="*/ 4843120 w 6858001"/>
+              <a:gd name="connsiteY39" fmla="*/ 220029 h 6985200"/>
+              <a:gd name="connsiteX40" fmla="*/ 4996054 w 6858001"/>
+              <a:gd name="connsiteY40" fmla="*/ 212129 h 6985200"/>
+              <a:gd name="connsiteX41" fmla="*/ 5148987 w 6858001"/>
+              <a:gd name="connsiteY41" fmla="*/ 202044 h 6985200"/>
+              <a:gd name="connsiteX42" fmla="*/ 5303978 w 6858001"/>
+              <a:gd name="connsiteY42" fmla="*/ 189941 h 6985200"/>
+              <a:gd name="connsiteX43" fmla="*/ 5456911 w 6858001"/>
+              <a:gd name="connsiteY43" fmla="*/ 177839 h 6985200"/>
+              <a:gd name="connsiteX44" fmla="*/ 5612588 w 6858001"/>
+              <a:gd name="connsiteY44" fmla="*/ 163887 h 6985200"/>
+              <a:gd name="connsiteX45" fmla="*/ 5768950 w 6858001"/>
+              <a:gd name="connsiteY45" fmla="*/ 148591 h 6985200"/>
+              <a:gd name="connsiteX46" fmla="*/ 5923255 w 6858001"/>
+              <a:gd name="connsiteY46" fmla="*/ 132455 h 6985200"/>
+              <a:gd name="connsiteX47" fmla="*/ 6079618 w 6858001"/>
+              <a:gd name="connsiteY47" fmla="*/ 113629 h 6985200"/>
+              <a:gd name="connsiteX48" fmla="*/ 6235294 w 6858001"/>
+              <a:gd name="connsiteY48" fmla="*/ 93458 h 6985200"/>
+              <a:gd name="connsiteX49" fmla="*/ 6391657 w 6858001"/>
+              <a:gd name="connsiteY49" fmla="*/ 73455 h 6985200"/>
+              <a:gd name="connsiteX50" fmla="*/ 6547333 w 6858001"/>
+              <a:gd name="connsiteY50" fmla="*/ 50091 h 6985200"/>
+              <a:gd name="connsiteX51" fmla="*/ 6702324 w 6858001"/>
+              <a:gd name="connsiteY51" fmla="*/ 26222 h 6985200"/>
+            </a:gdLst>
+            <a:ahLst/>
+            <a:cxnLst>
+              <a:cxn ang="0">
+                <a:pos x="connsiteX0" y="connsiteY0"/>
+              </a:cxn>
+              <a:cxn ang="0">
+                <a:pos x="connsiteX1" y="connsiteY1"/>
+              </a:cxn>
+              <a:cxn ang="0">
+                <a:pos x="connsiteX2" y="connsiteY2"/>
+              </a:cxn>
+              <a:cxn ang="0">
+                <a:pos x="connsiteX3" y="connsiteY3"/>
+              </a:cxn>
+              <a:cxn ang="0">
+                <a:pos x="connsiteX4" y="connsiteY4"/>
+              </a:cxn>
+              <a:cxn ang="0">
+                <a:pos x="connsiteX5" y="connsiteY5"/>
+              </a:cxn>
+              <a:cxn ang="0">
+                <a:pos x="connsiteX6" y="connsiteY6"/>
+              </a:cxn>
+              <a:cxn ang="0">
+                <a:pos x="connsiteX7" y="connsiteY7"/>
+              </a:cxn>
+              <a:cxn ang="0">
+                <a:pos x="connsiteX8" y="connsiteY8"/>
+              </a:cxn>
+              <a:cxn ang="0">
+                <a:pos x="connsiteX9" y="connsiteY9"/>
+              </a:cxn>
+              <a:cxn ang="0">
+                <a:pos x="connsiteX10" y="connsiteY10"/>
+              </a:cxn>
+              <a:cxn ang="0">
+                <a:pos x="connsiteX11" y="connsiteY11"/>
+              </a:cxn>
+              <a:cxn ang="0">
+                <a:pos x="connsiteX12" y="connsiteY12"/>
+              </a:cxn>
+              <a:cxn ang="0">
+                <a:pos x="connsiteX13" y="connsiteY13"/>
+              </a:cxn>
+              <a:cxn ang="0">
+                <a:pos x="connsiteX14" y="connsiteY14"/>
+              </a:cxn>
+              <a:cxn ang="0">
+                <a:pos x="connsiteX15" y="connsiteY15"/>
+              </a:cxn>
+              <a:cxn ang="0">
+                <a:pos x="connsiteX16" y="connsiteY16"/>
+              </a:cxn>
+              <a:cxn ang="0">
+                <a:pos x="connsiteX17" y="connsiteY17"/>
+              </a:cxn>
+              <a:cxn ang="0">
+                <a:pos x="connsiteX18" y="connsiteY18"/>
+              </a:cxn>
+              <a:cxn ang="0">
+                <a:pos x="connsiteX19" y="connsiteY19"/>
+              </a:cxn>
+              <a:cxn ang="0">
+                <a:pos x="connsiteX20" y="connsiteY20"/>
+              </a:cxn>
+              <a:cxn ang="0">
+                <a:pos x="connsiteX21" y="connsiteY21"/>
+              </a:cxn>
+              <a:cxn ang="0">
+                <a:pos x="connsiteX22" y="connsiteY22"/>
+              </a:cxn>
+              <a:cxn ang="0">
+                <a:pos x="connsiteX23" y="connsiteY23"/>
+              </a:cxn>
+              <a:cxn ang="0">
+                <a:pos x="connsiteX24" y="connsiteY24"/>
+              </a:cxn>
+              <a:cxn ang="0">
+                <a:pos x="connsiteX25" y="connsiteY25"/>
+              </a:cxn>
+              <a:cxn ang="0">
+                <a:pos x="connsiteX26" y="connsiteY26"/>
+              </a:cxn>
+              <a:cxn ang="0">
+                <a:pos x="connsiteX27" y="connsiteY27"/>
+              </a:cxn>
+              <a:cxn ang="0">
+                <a:pos x="connsiteX28" y="connsiteY28"/>
+              </a:cxn>
+              <a:cxn ang="0">
+                <a:pos x="connsiteX29" y="connsiteY29"/>
+              </a:cxn>
+              <a:cxn ang="0">
+                <a:pos x="connsiteX30" y="connsiteY30"/>
+              </a:cxn>
+              <a:cxn ang="0">
+                <a:pos x="connsiteX31" y="connsiteY31"/>
+              </a:cxn>
+              <a:cxn ang="0">
+                <a:pos x="connsiteX32" y="connsiteY32"/>
+              </a:cxn>
+              <a:cxn ang="0">
+                <a:pos x="connsiteX33" y="connsiteY33"/>
+              </a:cxn>
+              <a:cxn ang="0">
+                <a:pos x="connsiteX34" y="connsiteY34"/>
+              </a:cxn>
+              <a:cxn ang="0">
+                <a:pos x="connsiteX35" y="connsiteY35"/>
+              </a:cxn>
+              <a:cxn ang="0">
+                <a:pos x="connsiteX36" y="connsiteY36"/>
+              </a:cxn>
+              <a:cxn ang="0">
+                <a:pos x="connsiteX37" y="connsiteY37"/>
+              </a:cxn>
+              <a:cxn ang="0">
+                <a:pos x="connsiteX38" y="connsiteY38"/>
+              </a:cxn>
+              <a:cxn ang="0">
+                <a:pos x="connsiteX39" y="connsiteY39"/>
+              </a:cxn>
+              <a:cxn ang="0">
+                <a:pos x="connsiteX40" y="connsiteY40"/>
+              </a:cxn>
+              <a:cxn ang="0">
+                <a:pos x="connsiteX41" y="connsiteY41"/>
+              </a:cxn>
+              <a:cxn ang="0">
+                <a:pos x="connsiteX42" y="connsiteY42"/>
+              </a:cxn>
+              <a:cxn ang="0">
+                <a:pos x="connsiteX43" y="connsiteY43"/>
+              </a:cxn>
+              <a:cxn ang="0">
+                <a:pos x="connsiteX44" y="connsiteY44"/>
+              </a:cxn>
+              <a:cxn ang="0">
+                <a:pos x="connsiteX45" y="connsiteY45"/>
+              </a:cxn>
+              <a:cxn ang="0">
+                <a:pos x="connsiteX46" y="connsiteY46"/>
+              </a:cxn>
+              <a:cxn ang="0">
+                <a:pos x="connsiteX47" y="connsiteY47"/>
+              </a:cxn>
+              <a:cxn ang="0">
+                <a:pos x="connsiteX48" y="connsiteY48"/>
+              </a:cxn>
+              <a:cxn ang="0">
+                <a:pos x="connsiteX49" y="connsiteY49"/>
+              </a:cxn>
+              <a:cxn ang="0">
+                <a:pos x="connsiteX50" y="connsiteY50"/>
+              </a:cxn>
+              <a:cxn ang="0">
+                <a:pos x="connsiteX51" y="connsiteY51"/>
+              </a:cxn>
+            </a:cxnLst>
+            <a:rect l="l" t="t" r="r" b="b"/>
+            <a:pathLst>
+              <a:path w="6858001" h="6985200">
+                <a:moveTo>
+                  <a:pt x="6858001" y="1177"/>
+                </a:moveTo>
+                <a:lnTo>
+                  <a:pt x="6858001" y="1344715"/>
+                </a:lnTo>
+                <a:lnTo>
+                  <a:pt x="6858000" y="1344715"/>
+                </a:lnTo>
+                <a:lnTo>
+                  <a:pt x="6858000" y="6985200"/>
+                </a:lnTo>
+                <a:lnTo>
+                  <a:pt x="0" y="6985199"/>
+                </a:lnTo>
+                <a:lnTo>
+                  <a:pt x="0" y="886772"/>
+                </a:lnTo>
+                <a:lnTo>
+                  <a:pt x="1" y="886772"/>
+                </a:lnTo>
+                <a:lnTo>
+                  <a:pt x="1" y="0"/>
+                </a:lnTo>
+                <a:lnTo>
+                  <a:pt x="40463" y="5883"/>
+                </a:lnTo>
+                <a:lnTo>
+                  <a:pt x="159107" y="23196"/>
+                </a:lnTo>
+                <a:lnTo>
+                  <a:pt x="245518" y="35299"/>
+                </a:lnTo>
+                <a:lnTo>
+                  <a:pt x="348388" y="48073"/>
+                </a:lnTo>
+                <a:lnTo>
+                  <a:pt x="470460" y="63369"/>
+                </a:lnTo>
+                <a:lnTo>
+                  <a:pt x="605563" y="79506"/>
+                </a:lnTo>
+                <a:lnTo>
+                  <a:pt x="757810" y="96483"/>
+                </a:lnTo>
+                <a:lnTo>
+                  <a:pt x="923774" y="114469"/>
+                </a:lnTo>
+                <a:lnTo>
+                  <a:pt x="1104139" y="132454"/>
+                </a:lnTo>
+                <a:lnTo>
+                  <a:pt x="1296163" y="150776"/>
+                </a:lnTo>
+                <a:lnTo>
+                  <a:pt x="1503275" y="167753"/>
+                </a:lnTo>
+                <a:lnTo>
+                  <a:pt x="1719988" y="184058"/>
+                </a:lnTo>
+                <a:lnTo>
+                  <a:pt x="1949045" y="198849"/>
+                </a:lnTo>
+                <a:lnTo>
+                  <a:pt x="2187703" y="212969"/>
+                </a:lnTo>
+                <a:lnTo>
+                  <a:pt x="2436649" y="226248"/>
+                </a:lnTo>
+                <a:lnTo>
+                  <a:pt x="2564208" y="230955"/>
+                </a:lnTo>
+                <a:lnTo>
+                  <a:pt x="2694509" y="236165"/>
+                </a:lnTo>
+                <a:lnTo>
+                  <a:pt x="2826869" y="241040"/>
+                </a:lnTo>
+                <a:lnTo>
+                  <a:pt x="2959914" y="244234"/>
+                </a:lnTo>
+                <a:lnTo>
+                  <a:pt x="3095702" y="247091"/>
+                </a:lnTo>
+                <a:lnTo>
+                  <a:pt x="3232862" y="250117"/>
+                </a:lnTo>
+                <a:lnTo>
+                  <a:pt x="3372766" y="252134"/>
+                </a:lnTo>
+                <a:lnTo>
+                  <a:pt x="3514040" y="252134"/>
+                </a:lnTo>
+                <a:lnTo>
+                  <a:pt x="3656686" y="253142"/>
+                </a:lnTo>
+                <a:lnTo>
+                  <a:pt x="3800705" y="252134"/>
+                </a:lnTo>
+                <a:lnTo>
+                  <a:pt x="3946780" y="250117"/>
+                </a:lnTo>
+                <a:lnTo>
+                  <a:pt x="4092856" y="248268"/>
+                </a:lnTo>
+                <a:lnTo>
+                  <a:pt x="4240988" y="244234"/>
+                </a:lnTo>
+                <a:lnTo>
+                  <a:pt x="4390492" y="240032"/>
+                </a:lnTo>
+                <a:lnTo>
+                  <a:pt x="4539997" y="235157"/>
+                </a:lnTo>
+                <a:lnTo>
+                  <a:pt x="4690873" y="228266"/>
+                </a:lnTo>
+                <a:lnTo>
+                  <a:pt x="4843120" y="220029"/>
+                </a:lnTo>
+                <a:lnTo>
+                  <a:pt x="4996054" y="212129"/>
+                </a:lnTo>
+                <a:lnTo>
+                  <a:pt x="5148987" y="202044"/>
+                </a:lnTo>
+                <a:lnTo>
+                  <a:pt x="5303978" y="189941"/>
+                </a:lnTo>
+                <a:lnTo>
+                  <a:pt x="5456911" y="177839"/>
+                </a:lnTo>
+                <a:lnTo>
+                  <a:pt x="5612588" y="163887"/>
+                </a:lnTo>
+                <a:lnTo>
+                  <a:pt x="5768950" y="148591"/>
+                </a:lnTo>
+                <a:lnTo>
+                  <a:pt x="5923255" y="132455"/>
+                </a:lnTo>
+                <a:lnTo>
+                  <a:pt x="6079618" y="113629"/>
+                </a:lnTo>
+                <a:lnTo>
+                  <a:pt x="6235294" y="93458"/>
+                </a:lnTo>
+                <a:lnTo>
+                  <a:pt x="6391657" y="73455"/>
+                </a:lnTo>
+                <a:lnTo>
+                  <a:pt x="6547333" y="50091"/>
+                </a:lnTo>
+                <a:lnTo>
+                  <a:pt x="6702324" y="26222"/>
+                </a:lnTo>
+                <a:close/>
+              </a:path>
+            </a:pathLst>
+          </a:custGeom>
+          <a:ln>
+            <a:noFill/>
+          </a:ln>
+        </p:spPr>
+        <p:txBody>
+          <a:bodyPr/>
+          <a:lstStyle/>
+          <a:p>
+            <a:endParaRPr lang="en-US"/>
+          </a:p>
+        </p:txBody>
+      </p:sp>
       <p:pic>
         <p:nvPicPr>
-          <p:cNvPr id="6" name="Picture 5" descr="A colorful city with a green background&#10;&#10;Description automatically generated">
+          <p:cNvPr id="7" name="Graphic 6" descr="Subtitles">
             <a:extLst>
               <a:ext uri="{FF2B5EF4-FFF2-40B4-BE49-F238E27FC236}">
-                <a16:creationId xmlns:a16="http://schemas.microsoft.com/office/drawing/2014/main" id="{5A3F5894-2520-A58E-6585-47617ECE7172}"/>
+                <a16:creationId xmlns:a16="http://schemas.microsoft.com/office/drawing/2014/main" id="{E51D70E6-F5EA-CDDC-75AC-A216F73882F5}"/>
               </a:ext>
             </a:extLst>
           </p:cNvPr>
@@ -10490,185 +17594,497 @@
           <p:nvPr/>
         </p:nvPicPr>
         <p:blipFill>
-          <a:blip r:embed="rId4"/>
-          <a:srcRect l="18317" r="16329"/>
+          <a:blip r:embed="rId6">
+            <a:extLst>
+              <a:ext uri="{28A0092B-C50C-407E-A947-70E740481C1C}">
+                <a14:useLocalDpi xmlns:a14="http://schemas.microsoft.com/office/drawing/2010/main" val="0"/>
+              </a:ext>
+              <a:ext uri="{96DAC541-7B7A-43D3-8B79-37D633B846F1}">
+                <asvg:svgBlip xmlns:asvg="http://schemas.microsoft.com/office/drawing/2016/SVG/main" r:embed="rId7"/>
+              </a:ext>
+            </a:extLst>
+          </a:blip>
+          <a:stretch>
+            <a:fillRect/>
+          </a:stretch>
+        </p:blipFill>
+        <p:spPr>
+          <a:xfrm>
+            <a:off x="6093992" y="704054"/>
+            <a:ext cx="5449889" cy="5449889"/>
+          </a:xfrm>
+          <a:prstGeom prst="rect">
+            <a:avLst/>
+          </a:prstGeom>
+          <a:effectLst/>
+        </p:spPr>
+      </p:pic>
+      <p:sp>
+        <p:nvSpPr>
+          <p:cNvPr id="28" name="Rectangle 27">
+            <a:extLst>
+              <a:ext uri="{FF2B5EF4-FFF2-40B4-BE49-F238E27FC236}">
+                <a16:creationId xmlns:a16="http://schemas.microsoft.com/office/drawing/2014/main" id="{A92A1116-1C84-41DF-B803-1F7B0883EC82}"/>
+              </a:ext>
+              <a:ext uri="{C183D7F6-B498-43B3-948B-1728B52AA6E4}">
+                <adec:decorative xmlns:adec="http://schemas.microsoft.com/office/drawing/2017/decorative" val="1"/>
+              </a:ext>
+            </a:extLst>
+          </p:cNvPr>
+          <p:cNvSpPr>
+            <a:spLocks noGrp="1" noRot="1" noChangeAspect="1" noMove="1" noResize="1" noEditPoints="1" noAdjustHandles="1" noChangeArrowheads="1" noChangeShapeType="1" noTextEdit="1"/>
+          </p:cNvSpPr>
+          <p:nvPr>
+            <p:extLst>
+              <p:ext uri="{386F3935-93C4-4BCD-93E2-E3B085C9AB24}">
+                <p16:designElem xmlns:p16="http://schemas.microsoft.com/office/powerpoint/2015/main" val="1"/>
+              </p:ext>
+            </p:extLst>
+          </p:nvPr>
+        </p:nvSpPr>
+        <p:spPr>
+          <a:xfrm>
+            <a:off x="10442448" y="0"/>
+            <a:ext cx="685800" cy="1143000"/>
+          </a:xfrm>
+          <a:prstGeom prst="rect">
+            <a:avLst/>
+          </a:prstGeom>
+          <a:solidFill>
+            <a:schemeClr val="accent1"/>
+          </a:solidFill>
+          <a:ln>
+            <a:noFill/>
+          </a:ln>
+        </p:spPr>
+        <p:style>
+          <a:lnRef idx="1">
+            <a:schemeClr val="accent1"/>
+          </a:lnRef>
+          <a:fillRef idx="3">
+            <a:schemeClr val="accent1"/>
+          </a:fillRef>
+          <a:effectRef idx="2">
+            <a:schemeClr val="accent1"/>
+          </a:effectRef>
+          <a:fontRef idx="minor">
+            <a:schemeClr val="lt1"/>
+          </a:fontRef>
+        </p:style>
+        <p:txBody>
+          <a:bodyPr/>
+          <a:lstStyle/>
+          <a:p>
+            <a:endParaRPr lang="en-US"/>
+          </a:p>
+        </p:txBody>
+      </p:sp>
+      <p:sp>
+        <p:nvSpPr>
+          <p:cNvPr id="3" name="Text Placeholder 2">
+            <a:extLst>
+              <a:ext uri="{FF2B5EF4-FFF2-40B4-BE49-F238E27FC236}">
+                <a16:creationId xmlns:a16="http://schemas.microsoft.com/office/drawing/2014/main" id="{D780C32B-4E1B-1B54-5093-D9865C2B16AC}"/>
+              </a:ext>
+            </a:extLst>
+          </p:cNvPr>
+          <p:cNvSpPr>
+            <a:spLocks noGrp="1"/>
+          </p:cNvSpPr>
+          <p:nvPr>
+            <p:ph type="body" idx="1"/>
+          </p:nvPr>
+        </p:nvSpPr>
+        <p:spPr>
+          <a:xfrm>
+            <a:off x="648931" y="2438400"/>
+            <a:ext cx="4166509" cy="3785419"/>
+          </a:xfrm>
+        </p:spPr>
+        <p:txBody>
+          <a:bodyPr vert="horz" lIns="91440" tIns="45720" rIns="91440" bIns="45720" rtlCol="0">
+            <a:normAutofit/>
+          </a:bodyPr>
+          <a:lstStyle/>
+          <a:p>
+            <a:pPr>
+              <a:spcBef>
+                <a:spcPts val="1000"/>
+              </a:spcBef>
+              <a:buSzPct val="80000"/>
+              <a:buFont typeface="Wingdings 3" charset="2"/>
+              <a:buChar char=""/>
+            </a:pPr>
+            <a:r>
+              <a:rPr lang="en-US" dirty="0">
+                <a:solidFill>
+                  <a:srgbClr val="EBEBEB"/>
+                </a:solidFill>
+              </a:rPr>
+              <a:t>Sales calls stored in text file format.</a:t>
+            </a:r>
+          </a:p>
+          <a:p>
+            <a:pPr>
+              <a:spcBef>
+                <a:spcPts val="1000"/>
+              </a:spcBef>
+              <a:buSzPct val="80000"/>
+              <a:buFont typeface="Wingdings 3" charset="2"/>
+              <a:buChar char=""/>
+            </a:pPr>
+            <a:r>
+              <a:rPr lang="en-US" dirty="0">
+                <a:solidFill>
+                  <a:srgbClr val="EBEBEB"/>
+                </a:solidFill>
+              </a:rPr>
+              <a:t>Answers retrieved using the ‘</a:t>
+            </a:r>
+            <a:r>
+              <a:rPr lang="en-US" dirty="0" err="1">
+                <a:solidFill>
+                  <a:srgbClr val="EBEBEB"/>
+                </a:solidFill>
+              </a:rPr>
+              <a:t>distilbert.uncased</a:t>
+            </a:r>
+            <a:r>
+              <a:rPr lang="en-US" dirty="0">
+                <a:solidFill>
+                  <a:srgbClr val="EBEBEB"/>
+                </a:solidFill>
+              </a:rPr>
+              <a:t>’ model.</a:t>
+            </a:r>
+          </a:p>
+          <a:p>
+            <a:pPr>
+              <a:spcBef>
+                <a:spcPts val="1000"/>
+              </a:spcBef>
+              <a:buSzPct val="80000"/>
+              <a:buFont typeface="Wingdings 3" charset="2"/>
+              <a:buChar char=""/>
+            </a:pPr>
+            <a:r>
+              <a:rPr lang="en-US" dirty="0">
+                <a:solidFill>
+                  <a:srgbClr val="EBEBEB"/>
+                </a:solidFill>
+              </a:rPr>
+              <a:t>Responses generated using the ‘gpt-2’ model.</a:t>
+            </a:r>
+          </a:p>
+        </p:txBody>
+      </p:sp>
+    </p:spTree>
+    <p:extLst>
+      <p:ext uri="{BB962C8B-B14F-4D97-AF65-F5344CB8AC3E}">
+        <p14:creationId xmlns:p14="http://schemas.microsoft.com/office/powerpoint/2010/main" val="2511349996"/>
+      </p:ext>
+    </p:extLst>
+  </p:cSld>
+  <p:clrMapOvr>
+    <a:overrideClrMapping bg1="lt1" tx1="dk1" bg2="lt2" tx2="dk2" accent1="accent1" accent2="accent2" accent3="accent3" accent4="accent4" accent5="accent5" accent6="accent6" hlink="hlink" folHlink="folHlink"/>
+  </p:clrMapOvr>
+</p:sld>
+</file>
+
+<file path=ppt/slides/slide5.xml><?xml version="1.0" encoding="utf-8"?>
+<p:sld xmlns:a="http://schemas.openxmlformats.org/drawingml/2006/main" xmlns:r="http://schemas.openxmlformats.org/officeDocument/2006/relationships" xmlns:p="http://schemas.openxmlformats.org/presentationml/2006/main">
+  <p:cSld>
+    <p:bg>
+      <p:bgPr>
+        <a:solidFill>
+          <a:schemeClr val="bg1"/>
+        </a:solidFill>
+        <a:effectLst/>
+      </p:bgPr>
+    </p:bg>
+    <p:spTree>
+      <p:nvGrpSpPr>
+        <p:cNvPr id="1" name=""/>
+        <p:cNvGrpSpPr/>
+        <p:nvPr/>
+      </p:nvGrpSpPr>
+      <p:grpSpPr>
+        <a:xfrm>
+          <a:off x="0" y="0"/>
+          <a:ext cx="0" cy="0"/>
+          <a:chOff x="0" y="0"/>
+          <a:chExt cx="0" cy="0"/>
+        </a:xfrm>
+      </p:grpSpPr>
+      <p:pic>
+        <p:nvPicPr>
+          <p:cNvPr id="9" name="Picture 8">
+            <a:extLst>
+              <a:ext uri="{FF2B5EF4-FFF2-40B4-BE49-F238E27FC236}">
+                <a16:creationId xmlns:a16="http://schemas.microsoft.com/office/drawing/2014/main" id="{F1B8F9CB-890B-4CB8-B503-188A763E2FC1}"/>
+              </a:ext>
+              <a:ext uri="{C183D7F6-B498-43B3-948B-1728B52AA6E4}">
+                <adec:decorative xmlns:adec="http://schemas.microsoft.com/office/drawing/2017/decorative" val="1"/>
+              </a:ext>
+            </a:extLst>
+          </p:cNvPr>
+          <p:cNvPicPr>
+            <a:picLocks noGrp="1" noRot="1" noChangeAspect="1" noMove="1" noResize="1" noEditPoints="1" noAdjustHandles="1" noChangeArrowheads="1" noChangeShapeType="1" noCrop="1"/>
+          </p:cNvPicPr>
+          <p:nvPr>
+            <p:extLst>
+              <p:ext uri="{386F3935-93C4-4BCD-93E2-E3B085C9AB24}">
+                <p16:designElem xmlns:p16="http://schemas.microsoft.com/office/powerpoint/2015/main" val="1"/>
+              </p:ext>
+            </p:extLst>
+          </p:nvPr>
+        </p:nvPicPr>
+        <p:blipFill rotWithShape="1">
+          <a:blip r:embed="rId2">
+            <a:extLst>
+              <a:ext uri="{28A0092B-C50C-407E-A947-70E740481C1C}">
+                <a14:useLocalDpi xmlns:a14="http://schemas.microsoft.com/office/drawing/2010/main" val="0"/>
+              </a:ext>
+            </a:extLst>
+          </a:blip>
+          <a:srcRect l="3613"/>
           <a:stretch/>
         </p:blipFill>
         <p:spPr>
           <a:xfrm>
-            <a:off x="20" y="10"/>
-            <a:ext cx="4481944" cy="6857990"/>
+            <a:off x="0" y="2669685"/>
+            <a:ext cx="4037012" cy="4188315"/>
           </a:xfrm>
-          <a:custGeom>
+          <a:prstGeom prst="rect">
             <a:avLst/>
-            <a:gdLst/>
-            <a:ahLst/>
-            <a:cxnLst/>
-            <a:rect l="l" t="t" r="r" b="b"/>
-            <a:pathLst>
-              <a:path w="4481964" h="6858000">
-                <a:moveTo>
-                  <a:pt x="0" y="0"/>
-                </a:moveTo>
-                <a:lnTo>
-                  <a:pt x="3137249" y="0"/>
-                </a:lnTo>
-                <a:lnTo>
-                  <a:pt x="4480787" y="0"/>
-                </a:lnTo>
-                <a:lnTo>
-                  <a:pt x="4455742" y="155676"/>
-                </a:lnTo>
-                <a:lnTo>
-                  <a:pt x="4431873" y="310667"/>
-                </a:lnTo>
-                <a:lnTo>
-                  <a:pt x="4408509" y="466344"/>
-                </a:lnTo>
-                <a:lnTo>
-                  <a:pt x="4388506" y="622706"/>
-                </a:lnTo>
-                <a:lnTo>
-                  <a:pt x="4368335" y="778383"/>
-                </a:lnTo>
-                <a:lnTo>
-                  <a:pt x="4349509" y="934745"/>
-                </a:lnTo>
-                <a:lnTo>
-                  <a:pt x="4333373" y="1089050"/>
-                </a:lnTo>
-                <a:lnTo>
-                  <a:pt x="4318077" y="1245413"/>
-                </a:lnTo>
-                <a:lnTo>
-                  <a:pt x="4304125" y="1401089"/>
-                </a:lnTo>
-                <a:lnTo>
-                  <a:pt x="4292023" y="1554023"/>
-                </a:lnTo>
-                <a:lnTo>
-                  <a:pt x="4279920" y="1709013"/>
-                </a:lnTo>
-                <a:lnTo>
-                  <a:pt x="4269835" y="1861947"/>
-                </a:lnTo>
-                <a:lnTo>
-                  <a:pt x="4261935" y="2014880"/>
-                </a:lnTo>
-                <a:lnTo>
-                  <a:pt x="4253698" y="2167128"/>
-                </a:lnTo>
-                <a:lnTo>
-                  <a:pt x="4246807" y="2318004"/>
-                </a:lnTo>
-                <a:lnTo>
-                  <a:pt x="4241932" y="2467508"/>
-                </a:lnTo>
-                <a:lnTo>
-                  <a:pt x="4237730" y="2617013"/>
-                </a:lnTo>
-                <a:lnTo>
-                  <a:pt x="4233696" y="2765145"/>
-                </a:lnTo>
-                <a:lnTo>
-                  <a:pt x="4231847" y="2911221"/>
-                </a:lnTo>
-                <a:lnTo>
-                  <a:pt x="4229830" y="3057296"/>
-                </a:lnTo>
-                <a:lnTo>
-                  <a:pt x="4228821" y="3201314"/>
-                </a:lnTo>
-                <a:lnTo>
-                  <a:pt x="4229830" y="3343960"/>
-                </a:lnTo>
-                <a:lnTo>
-                  <a:pt x="4229830" y="3485235"/>
-                </a:lnTo>
-                <a:lnTo>
-                  <a:pt x="4231847" y="3625138"/>
-                </a:lnTo>
-                <a:lnTo>
-                  <a:pt x="4234872" y="3762298"/>
-                </a:lnTo>
-                <a:lnTo>
-                  <a:pt x="4237730" y="3898087"/>
-                </a:lnTo>
-                <a:lnTo>
-                  <a:pt x="4240924" y="4031132"/>
-                </a:lnTo>
-                <a:lnTo>
-                  <a:pt x="4245798" y="4163491"/>
-                </a:lnTo>
-                <a:lnTo>
-                  <a:pt x="4251009" y="4293793"/>
-                </a:lnTo>
-                <a:lnTo>
-                  <a:pt x="4255715" y="4421352"/>
-                </a:lnTo>
-                <a:lnTo>
-                  <a:pt x="4268995" y="4670298"/>
-                </a:lnTo>
-                <a:lnTo>
-                  <a:pt x="4283114" y="4908956"/>
-                </a:lnTo>
-                <a:lnTo>
-                  <a:pt x="4297906" y="5138013"/>
-                </a:lnTo>
-                <a:lnTo>
-                  <a:pt x="4314211" y="5354726"/>
-                </a:lnTo>
-                <a:lnTo>
-                  <a:pt x="4331188" y="5561838"/>
-                </a:lnTo>
-                <a:lnTo>
-                  <a:pt x="4349509" y="5753862"/>
-                </a:lnTo>
-                <a:lnTo>
-                  <a:pt x="4367495" y="5934227"/>
-                </a:lnTo>
-                <a:lnTo>
-                  <a:pt x="4385480" y="6100191"/>
-                </a:lnTo>
-                <a:lnTo>
-                  <a:pt x="4402457" y="6252438"/>
-                </a:lnTo>
-                <a:lnTo>
-                  <a:pt x="4418594" y="6387541"/>
-                </a:lnTo>
-                <a:lnTo>
-                  <a:pt x="4433890" y="6509613"/>
-                </a:lnTo>
-                <a:lnTo>
-                  <a:pt x="4446665" y="6612483"/>
-                </a:lnTo>
-                <a:lnTo>
-                  <a:pt x="4458767" y="6698894"/>
-                </a:lnTo>
-                <a:lnTo>
-                  <a:pt x="4476081" y="6817538"/>
-                </a:lnTo>
-                <a:lnTo>
-                  <a:pt x="4481964" y="6858000"/>
-                </a:lnTo>
-                <a:lnTo>
-                  <a:pt x="3577807" y="6858000"/>
-                </a:lnTo>
-                <a:lnTo>
-                  <a:pt x="0" y="6858000"/>
-                </a:lnTo>
-                <a:close/>
-              </a:path>
-            </a:pathLst>
-          </a:custGeom>
+          </a:prstGeom>
+        </p:spPr>
+      </p:pic>
+      <p:pic>
+        <p:nvPicPr>
+          <p:cNvPr id="11" name="Picture 10">
+            <a:extLst>
+              <a:ext uri="{FF2B5EF4-FFF2-40B4-BE49-F238E27FC236}">
+                <a16:creationId xmlns:a16="http://schemas.microsoft.com/office/drawing/2014/main" id="{AA632AB4-3837-4FD0-8B62-0A18B573F46D}"/>
+              </a:ext>
+              <a:ext uri="{C183D7F6-B498-43B3-948B-1728B52AA6E4}">
+                <adec:decorative xmlns:adec="http://schemas.microsoft.com/office/drawing/2017/decorative" val="1"/>
+              </a:ext>
+            </a:extLst>
+          </p:cNvPr>
+          <p:cNvPicPr>
+            <a:picLocks noGrp="1" noRot="1" noChangeAspect="1" noMove="1" noResize="1" noEditPoints="1" noAdjustHandles="1" noChangeArrowheads="1" noChangeShapeType="1" noCrop="1"/>
+          </p:cNvPicPr>
+          <p:nvPr>
+            <p:extLst>
+              <p:ext uri="{386F3935-93C4-4BCD-93E2-E3B085C9AB24}">
+                <p16:designElem xmlns:p16="http://schemas.microsoft.com/office/powerpoint/2015/main" val="1"/>
+              </p:ext>
+            </p:extLst>
+          </p:nvPr>
+        </p:nvPicPr>
+        <p:blipFill rotWithShape="1">
+          <a:blip r:embed="rId3">
+            <a:extLst>
+              <a:ext uri="{28A0092B-C50C-407E-A947-70E740481C1C}">
+                <a14:useLocalDpi xmlns:a14="http://schemas.microsoft.com/office/drawing/2010/main" val="0"/>
+              </a:ext>
+            </a:extLst>
+          </a:blip>
+          <a:srcRect l="35640"/>
+          <a:stretch/>
+        </p:blipFill>
+        <p:spPr>
+          <a:xfrm>
+            <a:off x="0" y="2892347"/>
+            <a:ext cx="1522412" cy="2365453"/>
+          </a:xfrm>
+          <a:prstGeom prst="rect">
+            <a:avLst/>
+          </a:prstGeom>
         </p:spPr>
       </p:pic>
       <p:sp>
         <p:nvSpPr>
-          <p:cNvPr id="14" name="Rectangle 13">
+          <p:cNvPr id="13" name="Oval 12">
             <a:extLst>
               <a:ext uri="{FF2B5EF4-FFF2-40B4-BE49-F238E27FC236}">
-                <a16:creationId xmlns:a16="http://schemas.microsoft.com/office/drawing/2014/main" id="{60817A52-B891-4228-A61E-0C0A57632DDA}"/>
+                <a16:creationId xmlns:a16="http://schemas.microsoft.com/office/drawing/2014/main" id="{C393B4A7-6ABF-423D-A762-3CDB4897A833}"/>
+              </a:ext>
+              <a:ext uri="{C183D7F6-B498-43B3-948B-1728B52AA6E4}">
+                <adec:decorative xmlns:adec="http://schemas.microsoft.com/office/drawing/2017/decorative" val="1"/>
+              </a:ext>
+            </a:extLst>
+          </p:cNvPr>
+          <p:cNvSpPr>
+            <a:spLocks noGrp="1" noRot="1" noChangeAspect="1" noMove="1" noResize="1" noEditPoints="1" noAdjustHandles="1" noChangeArrowheads="1" noChangeShapeType="1" noTextEdit="1"/>
+          </p:cNvSpPr>
+          <p:nvPr>
+            <p:extLst>
+              <p:ext uri="{386F3935-93C4-4BCD-93E2-E3B085C9AB24}">
+                <p16:designElem xmlns:p16="http://schemas.microsoft.com/office/powerpoint/2015/main" val="1"/>
+              </p:ext>
+            </p:extLst>
+          </p:nvPr>
+        </p:nvSpPr>
+        <p:spPr>
+          <a:xfrm>
+            <a:off x="8609012" y="1676400"/>
+            <a:ext cx="2819400" cy="2819400"/>
+          </a:xfrm>
+          <a:prstGeom prst="ellipse">
+            <a:avLst/>
+          </a:prstGeom>
+          <a:gradFill flip="none" rotWithShape="1">
+            <a:gsLst>
+              <a:gs pos="0">
+                <a:schemeClr val="bg2">
+                  <a:lumMod val="60000"/>
+                  <a:lumOff val="40000"/>
+                  <a:alpha val="7000"/>
+                </a:schemeClr>
+              </a:gs>
+              <a:gs pos="69000">
+                <a:schemeClr val="bg2">
+                  <a:lumMod val="60000"/>
+                  <a:lumOff val="40000"/>
+                  <a:alpha val="0"/>
+                </a:schemeClr>
+              </a:gs>
+              <a:gs pos="36000">
+                <a:schemeClr val="bg2">
+                  <a:lumMod val="60000"/>
+                  <a:lumOff val="40000"/>
+                  <a:alpha val="6000"/>
+                </a:schemeClr>
+              </a:gs>
+            </a:gsLst>
+            <a:path path="circle">
+              <a:fillToRect l="50000" t="50000" r="50000" b="50000"/>
+            </a:path>
+            <a:tileRect/>
+          </a:gradFill>
+          <a:ln>
+            <a:noFill/>
+          </a:ln>
+          <a:effectLst/>
+        </p:spPr>
+        <p:style>
+          <a:lnRef idx="1">
+            <a:schemeClr val="accent1"/>
+          </a:lnRef>
+          <a:fillRef idx="3">
+            <a:schemeClr val="accent1"/>
+          </a:fillRef>
+          <a:effectRef idx="2">
+            <a:schemeClr val="accent1"/>
+          </a:effectRef>
+          <a:fontRef idx="minor">
+            <a:schemeClr val="lt1"/>
+          </a:fontRef>
+        </p:style>
+        <p:txBody>
+          <a:bodyPr/>
+          <a:lstStyle/>
+          <a:p>
+            <a:endParaRPr lang="en-US"/>
+          </a:p>
+        </p:txBody>
+      </p:sp>
+      <p:pic>
+        <p:nvPicPr>
+          <p:cNvPr id="15" name="Picture 14">
+            <a:extLst>
+              <a:ext uri="{FF2B5EF4-FFF2-40B4-BE49-F238E27FC236}">
+                <a16:creationId xmlns:a16="http://schemas.microsoft.com/office/drawing/2014/main" id="{9CD2319A-6FA9-4EFB-9EDF-7304467425E8}"/>
+              </a:ext>
+              <a:ext uri="{C183D7F6-B498-43B3-948B-1728B52AA6E4}">
+                <adec:decorative xmlns:adec="http://schemas.microsoft.com/office/drawing/2017/decorative" val="1"/>
+              </a:ext>
+            </a:extLst>
+          </p:cNvPr>
+          <p:cNvPicPr>
+            <a:picLocks noGrp="1" noRot="1" noChangeAspect="1" noMove="1" noResize="1" noEditPoints="1" noAdjustHandles="1" noChangeArrowheads="1" noChangeShapeType="1" noCrop="1"/>
+          </p:cNvPicPr>
+          <p:nvPr>
+            <p:extLst>
+              <p:ext uri="{386F3935-93C4-4BCD-93E2-E3B085C9AB24}">
+                <p16:designElem xmlns:p16="http://schemas.microsoft.com/office/powerpoint/2015/main" val="1"/>
+              </p:ext>
+            </p:extLst>
+          </p:nvPr>
+        </p:nvPicPr>
+        <p:blipFill rotWithShape="1">
+          <a:blip r:embed="rId4">
+            <a:extLst>
+              <a:ext uri="{28A0092B-C50C-407E-A947-70E740481C1C}">
+                <a14:useLocalDpi xmlns:a14="http://schemas.microsoft.com/office/drawing/2010/main" val="0"/>
+              </a:ext>
+            </a:extLst>
+          </a:blip>
+          <a:srcRect t="28813"/>
+          <a:stretch/>
+        </p:blipFill>
+        <p:spPr>
+          <a:xfrm>
+            <a:off x="7999412" y="0"/>
+            <a:ext cx="1603387" cy="1141407"/>
+          </a:xfrm>
+          <a:prstGeom prst="rect">
+            <a:avLst/>
+          </a:prstGeom>
+        </p:spPr>
+      </p:pic>
+      <p:pic>
+        <p:nvPicPr>
+          <p:cNvPr id="17" name="Picture 16">
+            <a:extLst>
+              <a:ext uri="{FF2B5EF4-FFF2-40B4-BE49-F238E27FC236}">
+                <a16:creationId xmlns:a16="http://schemas.microsoft.com/office/drawing/2014/main" id="{D1692A93-3514-4486-8B67-CCA4E0259BCB}"/>
+              </a:ext>
+              <a:ext uri="{C183D7F6-B498-43B3-948B-1728B52AA6E4}">
+                <adec:decorative xmlns:adec="http://schemas.microsoft.com/office/drawing/2017/decorative" val="1"/>
+              </a:ext>
+            </a:extLst>
+          </p:cNvPr>
+          <p:cNvPicPr>
+            <a:picLocks noGrp="1" noRot="1" noChangeAspect="1" noMove="1" noResize="1" noEditPoints="1" noAdjustHandles="1" noChangeArrowheads="1" noChangeShapeType="1" noCrop="1"/>
+          </p:cNvPicPr>
+          <p:nvPr>
+            <p:extLst>
+              <p:ext uri="{386F3935-93C4-4BCD-93E2-E3B085C9AB24}">
+                <p16:designElem xmlns:p16="http://schemas.microsoft.com/office/powerpoint/2015/main" val="1"/>
+              </p:ext>
+            </p:extLst>
+          </p:nvPr>
+        </p:nvPicPr>
+        <p:blipFill rotWithShape="1">
+          <a:blip r:embed="rId5">
+            <a:extLst>
+              <a:ext uri="{28A0092B-C50C-407E-A947-70E740481C1C}">
+                <a14:useLocalDpi xmlns:a14="http://schemas.microsoft.com/office/drawing/2010/main" val="0"/>
+              </a:ext>
+            </a:extLst>
+          </a:blip>
+          <a:srcRect b="23320"/>
+          <a:stretch/>
+        </p:blipFill>
+        <p:spPr>
+          <a:xfrm>
+            <a:off x="8605878" y="6096000"/>
+            <a:ext cx="993734" cy="762000"/>
+          </a:xfrm>
+          <a:prstGeom prst="rect">
+            <a:avLst/>
+          </a:prstGeom>
+        </p:spPr>
+      </p:pic>
+      <p:sp>
+        <p:nvSpPr>
+          <p:cNvPr id="19" name="Rectangle 18">
+            <a:extLst>
+              <a:ext uri="{FF2B5EF4-FFF2-40B4-BE49-F238E27FC236}">
+                <a16:creationId xmlns:a16="http://schemas.microsoft.com/office/drawing/2014/main" id="{01AD250C-F2EA-449F-9B14-DF5BB674C500}"/>
               </a:ext>
               <a:ext uri="{C183D7F6-B498-43B3-948B-1728B52AA6E4}">
                 <adec:decorative xmlns:adec="http://schemas.microsoft.com/office/drawing/2017/decorative" val="1"/>
@@ -10723,176 +18139,72 @@
           </a:p>
         </p:txBody>
       </p:sp>
-    </p:spTree>
-  </p:cSld>
-  <p:clrMapOvr>
-    <a:masterClrMapping/>
-  </p:clrMapOvr>
-  <p:timing>
-    <p:tnLst>
-      <p:par>
-        <p:cTn id="1" dur="indefinite" restart="never" nodeType="tmRoot">
-          <p:childTnLst>
-            <p:seq concurrent="1" nextAc="seek">
-              <p:cTn id="2" dur="indefinite" nodeType="mainSeq">
-                <p:childTnLst>
-                  <p:par>
-                    <p:cTn id="3" fill="hold">
-                      <p:stCondLst>
-                        <p:cond delay="indefinite"/>
-                        <p:cond evt="onBegin" delay="0">
-                          <p:tn val="2"/>
-                        </p:cond>
-                      </p:stCondLst>
-                      <p:childTnLst>
-                        <p:par>
-                          <p:cTn id="4" fill="hold">
-                            <p:stCondLst>
-                              <p:cond delay="0"/>
-                            </p:stCondLst>
-                            <p:childTnLst>
-                              <p:par>
-                                <p:cTn id="5" presetID="10" presetClass="entr" presetSubtype="0" fill="hold" grpId="0" nodeType="withEffect">
-                                  <p:stCondLst>
-                                    <p:cond delay="1000"/>
-                                  </p:stCondLst>
-                                  <p:iterate>
-                                    <p:tmPct val="10000"/>
-                                  </p:iterate>
-                                  <p:childTnLst>
-                                    <p:set>
-                                      <p:cBhvr>
-                                        <p:cTn id="6" dur="1" fill="hold">
-                                          <p:stCondLst>
-                                            <p:cond delay="0"/>
-                                          </p:stCondLst>
-                                        </p:cTn>
-                                        <p:tgtEl>
-                                          <p:spTgt spid="3"/>
-                                        </p:tgtEl>
-                                        <p:attrNameLst>
-                                          <p:attrName>style.visibility</p:attrName>
-                                        </p:attrNameLst>
-                                      </p:cBhvr>
-                                      <p:to>
-                                        <p:strVal val="visible"/>
-                                      </p:to>
-                                    </p:set>
-                                    <p:animEffect transition="in" filter="fade">
-                                      <p:cBhvr>
-                                        <p:cTn id="7" dur="700"/>
-                                        <p:tgtEl>
-                                          <p:spTgt spid="3"/>
-                                        </p:tgtEl>
-                                      </p:cBhvr>
-                                    </p:animEffect>
-                                  </p:childTnLst>
-                                </p:cTn>
-                              </p:par>
-                              <p:par>
-                                <p:cTn id="8" presetID="10" presetClass="entr" presetSubtype="0" fill="hold" grpId="0" nodeType="withEffect">
-                                  <p:stCondLst>
-                                    <p:cond delay="1500"/>
-                                  </p:stCondLst>
-                                  <p:iterate>
-                                    <p:tmPct val="10000"/>
-                                  </p:iterate>
-                                  <p:childTnLst>
-                                    <p:set>
-                                      <p:cBhvr>
-                                        <p:cTn id="9" dur="1" fill="hold">
-                                          <p:stCondLst>
-                                            <p:cond delay="0"/>
-                                          </p:stCondLst>
-                                        </p:cTn>
-                                        <p:tgtEl>
-                                          <p:spTgt spid="4">
-                                            <p:txEl>
-                                              <p:pRg st="0" end="0"/>
-                                            </p:txEl>
-                                          </p:spTgt>
-                                        </p:tgtEl>
-                                        <p:attrNameLst>
-                                          <p:attrName>style.visibility</p:attrName>
-                                        </p:attrNameLst>
-                                      </p:cBhvr>
-                                      <p:to>
-                                        <p:strVal val="visible"/>
-                                      </p:to>
-                                    </p:set>
-                                    <p:animEffect transition="in" filter="fade">
-                                      <p:cBhvr>
-                                        <p:cTn id="10" dur="700"/>
-                                        <p:tgtEl>
-                                          <p:spTgt spid="4">
-                                            <p:txEl>
-                                              <p:pRg st="0" end="0"/>
-                                            </p:txEl>
-                                          </p:spTgt>
-                                        </p:tgtEl>
-                                      </p:cBhvr>
-                                    </p:animEffect>
-                                  </p:childTnLst>
-                                </p:cTn>
-                              </p:par>
-                            </p:childTnLst>
-                          </p:cTn>
-                        </p:par>
-                      </p:childTnLst>
-                    </p:cTn>
-                  </p:par>
-                </p:childTnLst>
-              </p:cTn>
-              <p:prevCondLst>
-                <p:cond evt="onPrev" delay="0">
-                  <p:tgtEl>
-                    <p:sldTgt/>
-                  </p:tgtEl>
-                </p:cond>
-              </p:prevCondLst>
-              <p:nextCondLst>
-                <p:cond evt="onNext" delay="0">
-                  <p:tgtEl>
-                    <p:sldTgt/>
-                  </p:tgtEl>
-                </p:cond>
-              </p:nextCondLst>
-            </p:seq>
-          </p:childTnLst>
-        </p:cTn>
-      </p:par>
-    </p:tnLst>
-    <p:bldLst>
-      <p:bldP spid="3" grpId="0"/>
-      <p:bldP spid="4" grpId="0" build="p"/>
-    </p:bldLst>
-  </p:timing>
-</p:sld>
-</file>
-
-<file path=ppt/slides/slide2.xml><?xml version="1.0" encoding="utf-8"?>
-<p:sld xmlns:a="http://schemas.openxmlformats.org/drawingml/2006/main" xmlns:r="http://schemas.openxmlformats.org/officeDocument/2006/relationships" xmlns:p="http://schemas.openxmlformats.org/presentationml/2006/main">
-  <p:cSld>
-    <p:spTree>
-      <p:nvGrpSpPr>
-        <p:cNvPr id="1" name=""/>
-        <p:cNvGrpSpPr/>
-        <p:nvPr/>
-      </p:nvGrpSpPr>
-      <p:grpSpPr>
-        <a:xfrm>
-          <a:off x="0" y="0"/>
-          <a:ext cx="0" cy="0"/>
-          <a:chOff x="0" y="0"/>
-          <a:chExt cx="0" cy="0"/>
-        </a:xfrm>
-      </p:grpSpPr>
+      <p:sp>
+        <p:nvSpPr>
+          <p:cNvPr id="21" name="Rectangle 20">
+            <a:extLst>
+              <a:ext uri="{FF2B5EF4-FFF2-40B4-BE49-F238E27FC236}">
+                <a16:creationId xmlns:a16="http://schemas.microsoft.com/office/drawing/2014/main" id="{ABE6F9A3-300E-47F5-B41C-C8C5E758DE7C}"/>
+              </a:ext>
+              <a:ext uri="{C183D7F6-B498-43B3-948B-1728B52AA6E4}">
+                <adec:decorative xmlns:adec="http://schemas.microsoft.com/office/drawing/2017/decorative" val="1"/>
+              </a:ext>
+            </a:extLst>
+          </p:cNvPr>
+          <p:cNvSpPr>
+            <a:spLocks noGrp="1" noRot="1" noChangeAspect="1" noMove="1" noResize="1" noEditPoints="1" noAdjustHandles="1" noChangeArrowheads="1" noChangeShapeType="1" noTextEdit="1"/>
+          </p:cNvSpPr>
+          <p:nvPr>
+            <p:extLst>
+              <p:ext uri="{386F3935-93C4-4BCD-93E2-E3B085C9AB24}">
+                <p16:designElem xmlns:p16="http://schemas.microsoft.com/office/powerpoint/2015/main" val="1"/>
+              </p:ext>
+            </p:extLst>
+          </p:nvPr>
+        </p:nvSpPr>
+        <p:spPr>
+          <a:xfrm>
+            <a:off x="0" y="0"/>
+            <a:ext cx="12191999" cy="6858000"/>
+          </a:xfrm>
+          <a:prstGeom prst="rect">
+            <a:avLst/>
+          </a:prstGeom>
+          <a:ln>
+            <a:noFill/>
+          </a:ln>
+        </p:spPr>
+        <p:style>
+          <a:lnRef idx="2">
+            <a:schemeClr val="accent1">
+              <a:shade val="50000"/>
+            </a:schemeClr>
+          </a:lnRef>
+          <a:fillRef idx="1003">
+            <a:schemeClr val="dk2"/>
+          </a:fillRef>
+          <a:effectRef idx="0">
+            <a:schemeClr val="accent1"/>
+          </a:effectRef>
+          <a:fontRef idx="minor">
+            <a:schemeClr val="lt1"/>
+          </a:fontRef>
+        </p:style>
+        <p:txBody>
+          <a:bodyPr rtlCol="0" anchor="ctr"/>
+          <a:lstStyle/>
+          <a:p>
+            <a:pPr algn="ctr"/>
+            <a:endParaRPr lang="en-US"/>
+          </a:p>
+        </p:txBody>
+      </p:sp>
       <p:sp>
         <p:nvSpPr>
           <p:cNvPr id="2" name="Title 1">
             <a:extLst>
               <a:ext uri="{FF2B5EF4-FFF2-40B4-BE49-F238E27FC236}">
-                <a16:creationId xmlns:a16="http://schemas.microsoft.com/office/drawing/2014/main" id="{9428A797-5579-479B-8A22-78DDED13B9B9}"/>
+                <a16:creationId xmlns:a16="http://schemas.microsoft.com/office/drawing/2014/main" id="{13E579A1-B41A-BFC2-D538-68DB2A30703F}"/>
               </a:ext>
             </a:extLst>
           </p:cNvPr>
@@ -10903,24 +18215,237 @@
             <p:ph type="title"/>
           </p:nvPr>
         </p:nvSpPr>
-        <p:spPr/>
+        <p:spPr>
+          <a:xfrm>
+            <a:off x="648929" y="1063417"/>
+            <a:ext cx="3505495" cy="4675396"/>
+          </a:xfrm>
+        </p:spPr>
+        <p:txBody>
+          <a:bodyPr vert="horz" lIns="91440" tIns="45720" rIns="91440" bIns="45720" rtlCol="0" anchor="ctr">
+            <a:normAutofit/>
+          </a:bodyPr>
+          <a:lstStyle/>
+          <a:p>
+            <a:pPr>
+              <a:spcBef>
+                <a:spcPct val="0"/>
+              </a:spcBef>
+            </a:pPr>
+            <a:r>
+              <a:rPr lang="en-US" sz="3600">
+                <a:solidFill>
+                  <a:srgbClr val="F2F2F2"/>
+                </a:solidFill>
+              </a:rPr>
+              <a:t>Future Improvements</a:t>
+            </a:r>
+          </a:p>
+        </p:txBody>
+      </p:sp>
+      <p:sp>
+        <p:nvSpPr>
+          <p:cNvPr id="23" name="Rectangle 22">
+            <a:extLst>
+              <a:ext uri="{FF2B5EF4-FFF2-40B4-BE49-F238E27FC236}">
+                <a16:creationId xmlns:a16="http://schemas.microsoft.com/office/drawing/2014/main" id="{61B4701B-39FE-43B8-86AA-D6B8789C2207}"/>
+              </a:ext>
+              <a:ext uri="{C183D7F6-B498-43B3-948B-1728B52AA6E4}">
+                <adec:decorative xmlns:adec="http://schemas.microsoft.com/office/drawing/2017/decorative" val="1"/>
+              </a:ext>
+            </a:extLst>
+          </p:cNvPr>
+          <p:cNvSpPr>
+            <a:spLocks noGrp="1" noRot="1" noChangeAspect="1" noMove="1" noResize="1" noEditPoints="1" noAdjustHandles="1" noChangeArrowheads="1" noChangeShapeType="1" noTextEdit="1"/>
+          </p:cNvSpPr>
+          <p:nvPr>
+            <p:extLst>
+              <p:ext uri="{386F3935-93C4-4BCD-93E2-E3B085C9AB24}">
+                <p16:designElem xmlns:p16="http://schemas.microsoft.com/office/powerpoint/2015/main" val="1"/>
+              </p:ext>
+            </p:extLst>
+          </p:nvPr>
+        </p:nvSpPr>
+        <p:spPr>
+          <a:xfrm>
+            <a:off x="4639056" y="0"/>
+            <a:ext cx="7552944" cy="6858000"/>
+          </a:xfrm>
+          <a:prstGeom prst="rect">
+            <a:avLst/>
+          </a:prstGeom>
+          <a:solidFill>
+            <a:srgbClr val="FFFFFF"/>
+          </a:solidFill>
+          <a:ln>
+            <a:noFill/>
+          </a:ln>
+        </p:spPr>
+        <p:style>
+          <a:lnRef idx="2">
+            <a:schemeClr val="accent1">
+              <a:shade val="50000"/>
+            </a:schemeClr>
+          </a:lnRef>
+          <a:fillRef idx="1">
+            <a:schemeClr val="accent1"/>
+          </a:fillRef>
+          <a:effectRef idx="0">
+            <a:schemeClr val="accent1"/>
+          </a:effectRef>
+          <a:fontRef idx="minor">
+            <a:schemeClr val="lt1"/>
+          </a:fontRef>
+        </p:style>
+        <p:txBody>
+          <a:bodyPr rtlCol="0" anchor="ctr"/>
+          <a:lstStyle/>
+          <a:p>
+            <a:pPr algn="ctr"/>
+            <a:endParaRPr lang="en-US"/>
+          </a:p>
+        </p:txBody>
+      </p:sp>
+      <p:sp useBgFill="1">
+        <p:nvSpPr>
+          <p:cNvPr id="25" name="Rounded Rectangle 9">
+            <a:extLst>
+              <a:ext uri="{FF2B5EF4-FFF2-40B4-BE49-F238E27FC236}">
+                <a16:creationId xmlns:a16="http://schemas.microsoft.com/office/drawing/2014/main" id="{E9A7EF13-49FA-4355-971A-34B065F35022}"/>
+              </a:ext>
+              <a:ext uri="{C183D7F6-B498-43B3-948B-1728B52AA6E4}">
+                <adec:decorative xmlns:adec="http://schemas.microsoft.com/office/drawing/2017/decorative" val="1"/>
+              </a:ext>
+            </a:extLst>
+          </p:cNvPr>
+          <p:cNvSpPr>
+            <a:spLocks noGrp="1" noRot="1" noChangeAspect="1" noMove="1" noResize="1" noEditPoints="1" noAdjustHandles="1" noChangeArrowheads="1" noChangeShapeType="1" noTextEdit="1"/>
+          </p:cNvSpPr>
+          <p:nvPr>
+            <p:extLst>
+              <p:ext uri="{386F3935-93C4-4BCD-93E2-E3B085C9AB24}">
+                <p16:designElem xmlns:p16="http://schemas.microsoft.com/office/powerpoint/2015/main" val="1"/>
+              </p:ext>
+            </p:extLst>
+          </p:nvPr>
+        </p:nvSpPr>
+        <p:spPr>
+          <a:xfrm>
+            <a:off x="5123688" y="484632"/>
+            <a:ext cx="6584098" cy="5739187"/>
+          </a:xfrm>
+          <a:prstGeom prst="roundRect">
+            <a:avLst>
+              <a:gd name="adj" fmla="val 0"/>
+            </a:avLst>
+          </a:prstGeom>
+          <a:ln w="12700" cap="sq">
+            <a:solidFill>
+              <a:schemeClr val="bg1">
+                <a:lumMod val="75000"/>
+              </a:schemeClr>
+            </a:solidFill>
+            <a:miter lim="800000"/>
+          </a:ln>
+          <a:effectLst>
+            <a:outerShdw blurRad="63500" dist="25400" dir="5400000" algn="tl" rotWithShape="0">
+              <a:srgbClr val="000000">
+                <a:alpha val="39000"/>
+              </a:srgbClr>
+            </a:outerShdw>
+          </a:effectLst>
+        </p:spPr>
+        <p:style>
+          <a:lnRef idx="2">
+            <a:schemeClr val="accent1">
+              <a:shade val="50000"/>
+            </a:schemeClr>
+          </a:lnRef>
+          <a:fillRef idx="1">
+            <a:schemeClr val="accent1"/>
+          </a:fillRef>
+          <a:effectRef idx="0">
+            <a:schemeClr val="accent1"/>
+          </a:effectRef>
+          <a:fontRef idx="minor">
+            <a:schemeClr val="lt1"/>
+          </a:fontRef>
+        </p:style>
+        <p:txBody>
+          <a:bodyPr rtlCol="0" anchor="ctr"/>
+          <a:lstStyle/>
+          <a:p>
+            <a:pPr algn="ctr"/>
+            <a:endParaRPr lang="en-US"/>
+          </a:p>
+        </p:txBody>
+      </p:sp>
+      <p:sp>
+        <p:nvSpPr>
+          <p:cNvPr id="27" name="Rectangle 26">
+            <a:extLst>
+              <a:ext uri="{FF2B5EF4-FFF2-40B4-BE49-F238E27FC236}">
+                <a16:creationId xmlns:a16="http://schemas.microsoft.com/office/drawing/2014/main" id="{92CF3C3E-0F7B-4F0C-8EBD-BDD38E9C66F5}"/>
+              </a:ext>
+              <a:ext uri="{C183D7F6-B498-43B3-948B-1728B52AA6E4}">
+                <adec:decorative xmlns:adec="http://schemas.microsoft.com/office/drawing/2017/decorative" val="1"/>
+              </a:ext>
+            </a:extLst>
+          </p:cNvPr>
+          <p:cNvSpPr>
+            <a:spLocks noGrp="1" noRot="1" noChangeAspect="1" noMove="1" noResize="1" noEditPoints="1" noAdjustHandles="1" noChangeArrowheads="1" noChangeShapeType="1" noTextEdit="1"/>
+          </p:cNvSpPr>
+          <p:nvPr>
+            <p:extLst>
+              <p:ext uri="{386F3935-93C4-4BCD-93E2-E3B085C9AB24}">
+                <p16:designElem xmlns:p16="http://schemas.microsoft.com/office/powerpoint/2015/main" val="1"/>
+              </p:ext>
+            </p:extLst>
+          </p:nvPr>
+        </p:nvSpPr>
+        <p:spPr>
+          <a:xfrm>
+            <a:off x="10442448" y="0"/>
+            <a:ext cx="685800" cy="1143000"/>
+          </a:xfrm>
+          <a:prstGeom prst="rect">
+            <a:avLst/>
+          </a:prstGeom>
+          <a:solidFill>
+            <a:schemeClr val="accent1"/>
+          </a:solidFill>
+          <a:ln>
+            <a:noFill/>
+          </a:ln>
+        </p:spPr>
+        <p:style>
+          <a:lnRef idx="1">
+            <a:schemeClr val="accent1"/>
+          </a:lnRef>
+          <a:fillRef idx="3">
+            <a:schemeClr val="accent1"/>
+          </a:fillRef>
+          <a:effectRef idx="2">
+            <a:schemeClr val="accent1"/>
+          </a:effectRef>
+          <a:fontRef idx="minor">
+            <a:schemeClr val="lt1"/>
+          </a:fontRef>
+        </p:style>
         <p:txBody>
           <a:bodyPr/>
           <a:lstStyle/>
           <a:p>
-            <a:r>
-              <a:rPr lang="en-US" dirty="0"/>
-              <a:t>Challenges with current Sales Teams</a:t>
-            </a:r>
+            <a:endParaRPr lang="en-US"/>
           </a:p>
         </p:txBody>
       </p:sp>
       <p:graphicFrame>
         <p:nvGraphicFramePr>
-          <p:cNvPr id="5" name="Diagram 4">
+          <p:cNvPr id="4" name="Diagram 3">
             <a:extLst>
               <a:ext uri="{FF2B5EF4-FFF2-40B4-BE49-F238E27FC236}">
-                <a16:creationId xmlns:a16="http://schemas.microsoft.com/office/drawing/2014/main" id="{25949DE9-024F-ACB5-466B-4C8B6D32BD9F}"/>
+                <a16:creationId xmlns:a16="http://schemas.microsoft.com/office/drawing/2014/main" id="{80EFF978-DF3B-9E71-C831-62F35EC664EB}"/>
               </a:ext>
             </a:extLst>
           </p:cNvPr>
@@ -10928,30 +18453,30 @@
           <p:nvPr>
             <p:extLst>
               <p:ext uri="{D42A27DB-BD31-4B8C-83A1-F6EECF244321}">
-                <p14:modId xmlns:p14="http://schemas.microsoft.com/office/powerpoint/2010/main" val="556986920"/>
+                <p14:modId xmlns:p14="http://schemas.microsoft.com/office/powerpoint/2010/main" val="4103265697"/>
               </p:ext>
             </p:extLst>
           </p:nvPr>
         </p:nvGraphicFramePr>
         <p:xfrm>
-          <a:off x="2032000" y="719666"/>
-          <a:ext cx="8128000" cy="5418667"/>
+          <a:off x="5608638" y="965200"/>
+          <a:ext cx="5614987" cy="4773613"/>
         </p:xfrm>
         <a:graphic>
           <a:graphicData uri="http://schemas.openxmlformats.org/drawingml/2006/diagram">
-            <dgm:relIds xmlns:dgm="http://schemas.openxmlformats.org/drawingml/2006/diagram" xmlns:r="http://schemas.openxmlformats.org/officeDocument/2006/relationships" r:dm="rId2" r:lo="rId3" r:qs="rId4" r:cs="rId5"/>
+            <dgm:relIds xmlns:dgm="http://schemas.openxmlformats.org/drawingml/2006/diagram" xmlns:r="http://schemas.openxmlformats.org/officeDocument/2006/relationships" r:dm="rId6" r:lo="rId7" r:qs="rId8" r:cs="rId9"/>
           </a:graphicData>
         </a:graphic>
       </p:graphicFrame>
     </p:spTree>
     <p:extLst>
       <p:ext uri="{BB962C8B-B14F-4D97-AF65-F5344CB8AC3E}">
-        <p14:creationId xmlns:p14="http://schemas.microsoft.com/office/powerpoint/2010/main" val="3251502316"/>
+        <p14:creationId xmlns:p14="http://schemas.microsoft.com/office/powerpoint/2010/main" val="1703110535"/>
       </p:ext>
     </p:extLst>
   </p:cSld>
   <p:clrMapOvr>
-    <a:masterClrMapping/>
+    <a:overrideClrMapping bg1="lt1" tx1="dk1" bg2="lt2" tx2="dk2" accent1="accent1" accent2="accent2" accent3="accent3" accent4="accent4" accent5="accent5" accent6="accent6" hlink="hlink" folHlink="folHlink"/>
   </p:clrMapOvr>
 </p:sld>
 </file>
